--- a/360/360.pptx
+++ b/360/360.pptx
@@ -8303,6 +8303,36 @@
           <a:chExt cx="0" cy="0"/>
         </a:xfrm>
       </p:grpSpPr>
+      <p:pic>
+        <p:nvPicPr>
+          <p:cNvPr id="5" name="Picture 4" descr="Screenshot_16.png"/>
+          <p:cNvPicPr>
+            <a:picLocks noChangeAspect="1"/>
+          </p:cNvPicPr>
+          <p:nvPr/>
+        </p:nvPicPr>
+        <p:blipFill>
+          <a:blip r:embed="rId3">
+            <a:extLst>
+              <a:ext uri="{28A0092B-C50C-407E-A947-70E740481C1C}">
+                <a14:useLocalDpi xmlns:a14="http://schemas.microsoft.com/office/drawing/2010/main" val="0"/>
+              </a:ext>
+            </a:extLst>
+          </a:blip>
+          <a:stretch>
+            <a:fillRect/>
+          </a:stretch>
+        </p:blipFill>
+        <p:spPr>
+          <a:xfrm>
+            <a:off x="6980028" y="1346200"/>
+            <a:ext cx="1955800" cy="4450080"/>
+          </a:xfrm>
+          <a:prstGeom prst="rect">
+            <a:avLst/>
+          </a:prstGeom>
+        </p:spPr>
+      </p:pic>
       <p:sp>
         <p:nvSpPr>
           <p:cNvPr id="2" name="Title 1"/>
@@ -8412,8 +8442,8 @@
         </p:nvSpPr>
         <p:spPr>
           <a:xfrm>
-            <a:off x="728133" y="3118447"/>
-            <a:ext cx="7958667" cy="1323439"/>
+            <a:off x="457201" y="3703697"/>
+            <a:ext cx="6353718" cy="1323439"/>
           </a:xfrm>
           <a:prstGeom prst="rect">
             <a:avLst/>
@@ -8490,7 +8520,21 @@
                 <a:latin typeface="Courier"/>
                 <a:cs typeface="Courier"/>
               </a:rPr>
-              <a:t>	alert('Shaken, not stirred');</a:t>
+              <a:t>	alert</a:t>
+            </a:r>
+            <a:r>
+              <a:rPr lang="en-US" sz="1600" dirty="0" smtClean="0">
+                <a:latin typeface="Courier"/>
+                <a:cs typeface="Courier"/>
+              </a:rPr>
+              <a:t>(’it worked!'</a:t>
+            </a:r>
+            <a:r>
+              <a:rPr lang="en-US" sz="1600" dirty="0">
+                <a:latin typeface="Courier"/>
+                <a:cs typeface="Courier"/>
+              </a:rPr>
+              <a:t>);</a:t>
             </a:r>
           </a:p>
           <a:p>
@@ -8695,6 +8739,365 @@
           </a:p>
         </p:txBody>
       </p:sp>
+      <p:pic>
+        <p:nvPicPr>
+          <p:cNvPr id="12" name="Picture 11" descr="Screenshot_17.png"/>
+          <p:cNvPicPr>
+            <a:picLocks noChangeAspect="1"/>
+          </p:cNvPicPr>
+          <p:nvPr/>
+        </p:nvPicPr>
+        <p:blipFill>
+          <a:blip r:embed="rId3">
+            <a:extLst>
+              <a:ext uri="{28A0092B-C50C-407E-A947-70E740481C1C}">
+                <a14:useLocalDpi xmlns:a14="http://schemas.microsoft.com/office/drawing/2010/main" val="0"/>
+              </a:ext>
+            </a:extLst>
+          </a:blip>
+          <a:stretch>
+            <a:fillRect/>
+          </a:stretch>
+        </p:blipFill>
+        <p:spPr>
+          <a:xfrm>
+            <a:off x="6312444" y="1945072"/>
+            <a:ext cx="1955800" cy="4450080"/>
+          </a:xfrm>
+          <a:prstGeom prst="rect">
+            <a:avLst/>
+          </a:prstGeom>
+        </p:spPr>
+      </p:pic>
+      <p:grpSp>
+        <p:nvGrpSpPr>
+          <p:cNvPr id="14" name="Group 13"/>
+          <p:cNvGrpSpPr/>
+          <p:nvPr/>
+        </p:nvGrpSpPr>
+        <p:grpSpPr>
+          <a:xfrm>
+            <a:off x="7064606" y="3104653"/>
+            <a:ext cx="976563" cy="543788"/>
+            <a:chOff x="4238137" y="4524194"/>
+            <a:chExt cx="1128963" cy="628650"/>
+          </a:xfrm>
+        </p:grpSpPr>
+        <p:grpSp>
+          <p:nvGrpSpPr>
+            <p:cNvPr id="5" name="Group 61"/>
+            <p:cNvGrpSpPr>
+              <a:grpSpLocks/>
+            </p:cNvGrpSpPr>
+            <p:nvPr/>
+          </p:nvGrpSpPr>
+          <p:grpSpPr bwMode="auto">
+            <a:xfrm flipH="1">
+              <a:off x="4427299" y="4530544"/>
+              <a:ext cx="939801" cy="622300"/>
+              <a:chOff x="0" y="0"/>
+              <a:chExt cx="592" cy="392"/>
+            </a:xfrm>
+          </p:grpSpPr>
+          <p:pic>
+            <p:nvPicPr>
+              <p:cNvPr id="9" name="Picture 62"/>
+              <p:cNvPicPr>
+                <a:picLocks noChangeArrowheads="1"/>
+              </p:cNvPicPr>
+              <p:nvPr/>
+            </p:nvPicPr>
+            <p:blipFill>
+              <a:blip r:embed="rId4">
+                <a:extLst>
+                  <a:ext uri="{28A0092B-C50C-407E-A947-70E740481C1C}">
+                    <a14:useLocalDpi xmlns:a14="http://schemas.microsoft.com/office/drawing/2010/main" val="0"/>
+                  </a:ext>
+                </a:extLst>
+              </a:blip>
+              <a:srcRect/>
+              <a:stretch>
+                <a:fillRect/>
+              </a:stretch>
+            </p:blipFill>
+            <p:spPr bwMode="auto">
+              <a:xfrm>
+                <a:off x="0" y="0"/>
+                <a:ext cx="392" cy="392"/>
+              </a:xfrm>
+              <a:prstGeom prst="rect">
+                <a:avLst/>
+              </a:prstGeom>
+              <a:noFill/>
+              <a:ln>
+                <a:noFill/>
+              </a:ln>
+              <a:extLst>
+                <a:ext uri="{909E8E84-426E-40dd-AFC4-6F175D3DCCD1}">
+                  <a14:hiddenFill xmlns:a14="http://schemas.microsoft.com/office/drawing/2010/main">
+                    <a:solidFill>
+                      <a:srgbClr val="FFFFFF"/>
+                    </a:solidFill>
+                  </a14:hiddenFill>
+                </a:ext>
+                <a:ext uri="{91240B29-F687-4f45-9708-019B960494DF}">
+                  <a14:hiddenLine xmlns:a14="http://schemas.microsoft.com/office/drawing/2010/main" w="12700">
+                    <a:solidFill>
+                      <a:srgbClr val="000000"/>
+                    </a:solidFill>
+                    <a:miter lim="800000"/>
+                    <a:headEnd/>
+                    <a:tailEnd/>
+                  </a14:hiddenLine>
+                </a:ext>
+              </a:extLst>
+            </p:spPr>
+          </p:pic>
+          <p:pic>
+            <p:nvPicPr>
+              <p:cNvPr id="10" name="Picture 63"/>
+              <p:cNvPicPr>
+                <a:picLocks noChangeArrowheads="1"/>
+              </p:cNvPicPr>
+              <p:nvPr/>
+            </p:nvPicPr>
+            <p:blipFill>
+              <a:blip r:embed="rId5">
+                <a:extLst>
+                  <a:ext uri="{28A0092B-C50C-407E-A947-70E740481C1C}">
+                    <a14:useLocalDpi xmlns:a14="http://schemas.microsoft.com/office/drawing/2010/main" val="0"/>
+                  </a:ext>
+                </a:extLst>
+              </a:blip>
+              <a:srcRect/>
+              <a:stretch>
+                <a:fillRect/>
+              </a:stretch>
+            </p:blipFill>
+            <p:spPr bwMode="auto">
+              <a:xfrm>
+                <a:off x="96" y="0"/>
+                <a:ext cx="392" cy="392"/>
+              </a:xfrm>
+              <a:prstGeom prst="rect">
+                <a:avLst/>
+              </a:prstGeom>
+              <a:noFill/>
+              <a:ln>
+                <a:noFill/>
+              </a:ln>
+              <a:extLst>
+                <a:ext uri="{909E8E84-426E-40dd-AFC4-6F175D3DCCD1}">
+                  <a14:hiddenFill xmlns:a14="http://schemas.microsoft.com/office/drawing/2010/main">
+                    <a:solidFill>
+                      <a:srgbClr val="FFFFFF"/>
+                    </a:solidFill>
+                  </a14:hiddenFill>
+                </a:ext>
+                <a:ext uri="{91240B29-F687-4f45-9708-019B960494DF}">
+                  <a14:hiddenLine xmlns:a14="http://schemas.microsoft.com/office/drawing/2010/main" w="12700">
+                    <a:solidFill>
+                      <a:srgbClr val="000000"/>
+                    </a:solidFill>
+                    <a:miter lim="800000"/>
+                    <a:headEnd/>
+                    <a:tailEnd/>
+                  </a14:hiddenLine>
+                </a:ext>
+              </a:extLst>
+            </p:spPr>
+          </p:pic>
+          <p:pic>
+            <p:nvPicPr>
+              <p:cNvPr id="11" name="Picture 64"/>
+              <p:cNvPicPr>
+                <a:picLocks noChangeArrowheads="1"/>
+              </p:cNvPicPr>
+              <p:nvPr/>
+            </p:nvPicPr>
+            <p:blipFill>
+              <a:blip r:embed="rId6">
+                <a:extLst>
+                  <a:ext uri="{28A0092B-C50C-407E-A947-70E740481C1C}">
+                    <a14:useLocalDpi xmlns:a14="http://schemas.microsoft.com/office/drawing/2010/main" val="0"/>
+                  </a:ext>
+                </a:extLst>
+              </a:blip>
+              <a:srcRect/>
+              <a:stretch>
+                <a:fillRect/>
+              </a:stretch>
+            </p:blipFill>
+            <p:spPr bwMode="auto">
+              <a:xfrm>
+                <a:off x="200" y="0"/>
+                <a:ext cx="392" cy="392"/>
+              </a:xfrm>
+              <a:prstGeom prst="rect">
+                <a:avLst/>
+              </a:prstGeom>
+              <a:noFill/>
+              <a:ln>
+                <a:noFill/>
+              </a:ln>
+              <a:extLst>
+                <a:ext uri="{909E8E84-426E-40dd-AFC4-6F175D3DCCD1}">
+                  <a14:hiddenFill xmlns:a14="http://schemas.microsoft.com/office/drawing/2010/main">
+                    <a:solidFill>
+                      <a:srgbClr val="FFFFFF"/>
+                    </a:solidFill>
+                  </a14:hiddenFill>
+                </a:ext>
+                <a:ext uri="{91240B29-F687-4f45-9708-019B960494DF}">
+                  <a14:hiddenLine xmlns:a14="http://schemas.microsoft.com/office/drawing/2010/main" w="12700">
+                    <a:solidFill>
+                      <a:srgbClr val="000000"/>
+                    </a:solidFill>
+                    <a:miter lim="800000"/>
+                    <a:headEnd/>
+                    <a:tailEnd/>
+                  </a14:hiddenLine>
+                </a:ext>
+              </a:extLst>
+            </p:spPr>
+          </p:pic>
+        </p:grpSp>
+        <p:grpSp>
+          <p:nvGrpSpPr>
+            <p:cNvPr id="6" name="Group 65"/>
+            <p:cNvGrpSpPr>
+              <a:grpSpLocks/>
+            </p:cNvGrpSpPr>
+            <p:nvPr/>
+          </p:nvGrpSpPr>
+          <p:grpSpPr bwMode="auto">
+            <a:xfrm>
+              <a:off x="4238137" y="4524194"/>
+              <a:ext cx="687388" cy="622300"/>
+              <a:chOff x="0" y="0"/>
+              <a:chExt cx="433" cy="392"/>
+            </a:xfrm>
+          </p:grpSpPr>
+          <p:pic>
+            <p:nvPicPr>
+              <p:cNvPr id="7" name="Picture 66"/>
+              <p:cNvPicPr>
+                <a:picLocks noChangeArrowheads="1"/>
+              </p:cNvPicPr>
+              <p:nvPr/>
+            </p:nvPicPr>
+            <p:blipFill>
+              <a:blip r:embed="rId7">
+                <a:extLst>
+                  <a:ext uri="{28A0092B-C50C-407E-A947-70E740481C1C}">
+                    <a14:useLocalDpi xmlns:a14="http://schemas.microsoft.com/office/drawing/2010/main" val="0"/>
+                  </a:ext>
+                </a:extLst>
+              </a:blip>
+              <a:srcRect/>
+              <a:stretch>
+                <a:fillRect/>
+              </a:stretch>
+            </p:blipFill>
+            <p:spPr bwMode="auto">
+              <a:xfrm>
+                <a:off x="20" y="0"/>
+                <a:ext cx="392" cy="392"/>
+              </a:xfrm>
+              <a:prstGeom prst="rect">
+                <a:avLst/>
+              </a:prstGeom>
+              <a:noFill/>
+              <a:ln>
+                <a:noFill/>
+              </a:ln>
+              <a:extLst>
+                <a:ext uri="{909E8E84-426E-40dd-AFC4-6F175D3DCCD1}">
+                  <a14:hiddenFill xmlns:a14="http://schemas.microsoft.com/office/drawing/2010/main">
+                    <a:solidFill>
+                      <a:srgbClr val="FFFFFF"/>
+                    </a:solidFill>
+                  </a14:hiddenFill>
+                </a:ext>
+                <a:ext uri="{91240B29-F687-4f45-9708-019B960494DF}">
+                  <a14:hiddenLine xmlns:a14="http://schemas.microsoft.com/office/drawing/2010/main" w="12700">
+                    <a:solidFill>
+                      <a:srgbClr val="000000"/>
+                    </a:solidFill>
+                    <a:miter lim="800000"/>
+                    <a:headEnd/>
+                    <a:tailEnd/>
+                  </a14:hiddenLine>
+                </a:ext>
+              </a:extLst>
+            </p:spPr>
+          </p:pic>
+          <p:sp>
+            <p:nvSpPr>
+              <p:cNvPr id="8" name="Rectangle 67"/>
+              <p:cNvSpPr>
+                <a:spLocks/>
+              </p:cNvSpPr>
+              <p:nvPr/>
+            </p:nvSpPr>
+            <p:spPr bwMode="auto">
+              <a:xfrm>
+                <a:off x="0" y="118"/>
+                <a:ext cx="433" cy="155"/>
+              </a:xfrm>
+              <a:prstGeom prst="rect">
+                <a:avLst/>
+              </a:prstGeom>
+              <a:noFill/>
+              <a:ln w="12700" cap="flat">
+                <a:noFill/>
+                <a:miter lim="800000"/>
+                <a:headEnd type="none" w="med" len="med"/>
+                <a:tailEnd type="none" w="med" len="med"/>
+              </a:ln>
+              <a:effectLst>
+                <a:outerShdw dist="12699" dir="16200000" algn="ctr" rotWithShape="0">
+                  <a:schemeClr val="bg2">
+                    <a:alpha val="50000"/>
+                  </a:schemeClr>
+                </a:outerShdw>
+              </a:effectLst>
+            </p:spPr>
+            <p:txBody>
+              <a:bodyPr wrap="none" lIns="0" tIns="0" rIns="0" bIns="0" anchor="ctr">
+                <a:spAutoFit/>
+              </a:bodyPr>
+              <a:lstStyle/>
+              <a:p>
+                <a:pPr>
+                  <a:defRPr/>
+                </a:pPr>
+                <a:r>
+                  <a:rPr lang="en-US" sz="1600" b="1" dirty="0" smtClean="0">
+                    <a:solidFill>
+                      <a:srgbClr val="FFFFFF"/>
+                    </a:solidFill>
+                    <a:latin typeface="Helvetica Neue" charset="0"/>
+                    <a:ea typeface="Helvetica Neue" charset="0"/>
+                    <a:cs typeface="Helvetica Neue" charset="0"/>
+                    <a:sym typeface="Helvetica Neue" charset="0"/>
+                  </a:rPr>
+                  <a:t>  swipe</a:t>
+                </a:r>
+                <a:endParaRPr lang="en-US" sz="1600" b="1" dirty="0">
+                  <a:solidFill>
+                    <a:srgbClr val="FFFFFF"/>
+                  </a:solidFill>
+                  <a:latin typeface="Helvetica Neue" charset="0"/>
+                  <a:ea typeface="Helvetica Neue" charset="0"/>
+                  <a:cs typeface="Helvetica Neue" charset="0"/>
+                  <a:sym typeface="Helvetica Neue" charset="0"/>
+                </a:endParaRPr>
+              </a:p>
+            </p:txBody>
+          </p:sp>
+        </p:grpSp>
+      </p:grpSp>
     </p:spTree>
     <p:extLst>
       <p:ext uri="{BB962C8B-B14F-4D97-AF65-F5344CB8AC3E}">
@@ -9819,6 +10222,66 @@
           </a:p>
         </p:txBody>
       </p:sp>
+      <p:pic>
+        <p:nvPicPr>
+          <p:cNvPr id="4" name="Picture 3" descr="Screenshot_15.png"/>
+          <p:cNvPicPr>
+            <a:picLocks noChangeAspect="1"/>
+          </p:cNvPicPr>
+          <p:nvPr/>
+        </p:nvPicPr>
+        <p:blipFill>
+          <a:blip r:embed="rId3">
+            <a:extLst>
+              <a:ext uri="{28A0092B-C50C-407E-A947-70E740481C1C}">
+                <a14:useLocalDpi xmlns:a14="http://schemas.microsoft.com/office/drawing/2010/main" val="0"/>
+              </a:ext>
+            </a:extLst>
+          </a:blip>
+          <a:stretch>
+            <a:fillRect/>
+          </a:stretch>
+        </p:blipFill>
+        <p:spPr>
+          <a:xfrm>
+            <a:off x="6515919" y="1842912"/>
+            <a:ext cx="1955800" cy="4450080"/>
+          </a:xfrm>
+          <a:prstGeom prst="rect">
+            <a:avLst/>
+          </a:prstGeom>
+        </p:spPr>
+      </p:pic>
+      <p:pic>
+        <p:nvPicPr>
+          <p:cNvPr id="5" name="Picture 4" descr="Screenshot_14.png"/>
+          <p:cNvPicPr>
+            <a:picLocks noChangeAspect="1"/>
+          </p:cNvPicPr>
+          <p:nvPr/>
+        </p:nvPicPr>
+        <p:blipFill>
+          <a:blip r:embed="rId4">
+            <a:extLst>
+              <a:ext uri="{28A0092B-C50C-407E-A947-70E740481C1C}">
+                <a14:useLocalDpi xmlns:a14="http://schemas.microsoft.com/office/drawing/2010/main" val="0"/>
+              </a:ext>
+            </a:extLst>
+          </a:blip>
+          <a:stretch>
+            <a:fillRect/>
+          </a:stretch>
+        </p:blipFill>
+        <p:spPr>
+          <a:xfrm>
+            <a:off x="3287171" y="4137957"/>
+            <a:ext cx="3804920" cy="2468880"/>
+          </a:xfrm>
+          <a:prstGeom prst="rect">
+            <a:avLst/>
+          </a:prstGeom>
+        </p:spPr>
+      </p:pic>
     </p:spTree>
     <p:extLst>
       <p:ext uri="{BB962C8B-B14F-4D97-AF65-F5344CB8AC3E}">

--- a/360/360.pptx
+++ b/360/360.pptx
@@ -5,32 +5,31 @@
     <p:sldMasterId id="2147483801" r:id="rId1"/>
   </p:sldMasterIdLst>
   <p:notesMasterIdLst>
-    <p:notesMasterId r:id="rId22"/>
+    <p:notesMasterId r:id="rId21"/>
   </p:notesMasterIdLst>
   <p:handoutMasterIdLst>
-    <p:handoutMasterId r:id="rId23"/>
+    <p:handoutMasterId r:id="rId22"/>
   </p:handoutMasterIdLst>
   <p:sldIdLst>
     <p:sldId id="256" r:id="rId2"/>
     <p:sldId id="317" r:id="rId3"/>
     <p:sldId id="319" r:id="rId4"/>
-    <p:sldId id="341" r:id="rId5"/>
-    <p:sldId id="344" r:id="rId6"/>
-    <p:sldId id="345" r:id="rId7"/>
-    <p:sldId id="346" r:id="rId8"/>
-    <p:sldId id="347" r:id="rId9"/>
-    <p:sldId id="342" r:id="rId10"/>
-    <p:sldId id="343" r:id="rId11"/>
-    <p:sldId id="348" r:id="rId12"/>
-    <p:sldId id="349" r:id="rId13"/>
-    <p:sldId id="350" r:id="rId14"/>
-    <p:sldId id="351" r:id="rId15"/>
-    <p:sldId id="352" r:id="rId16"/>
-    <p:sldId id="353" r:id="rId17"/>
-    <p:sldId id="354" r:id="rId18"/>
-    <p:sldId id="355" r:id="rId19"/>
-    <p:sldId id="333" r:id="rId20"/>
-    <p:sldId id="329" r:id="rId21"/>
+    <p:sldId id="344" r:id="rId5"/>
+    <p:sldId id="345" r:id="rId6"/>
+    <p:sldId id="346" r:id="rId7"/>
+    <p:sldId id="347" r:id="rId8"/>
+    <p:sldId id="342" r:id="rId9"/>
+    <p:sldId id="343" r:id="rId10"/>
+    <p:sldId id="356" r:id="rId11"/>
+    <p:sldId id="349" r:id="rId12"/>
+    <p:sldId id="350" r:id="rId13"/>
+    <p:sldId id="351" r:id="rId14"/>
+    <p:sldId id="352" r:id="rId15"/>
+    <p:sldId id="353" r:id="rId16"/>
+    <p:sldId id="354" r:id="rId17"/>
+    <p:sldId id="355" r:id="rId18"/>
+    <p:sldId id="333" r:id="rId19"/>
+    <p:sldId id="329" r:id="rId20"/>
   </p:sldIdLst>
   <p:sldSz cx="9144000" cy="6858000" type="screen4x3"/>
   <p:notesSz cx="6858000" cy="9144000"/>
@@ -253,7 +252,7 @@
               <a:pPr>
                 <a:defRPr/>
               </a:pPr>
-              <a:t>6/14/11</a:t>
+              <a:t>6/15/11</a:t>
             </a:fld>
             <a:endParaRPr lang="en-US"/>
           </a:p>
@@ -436,7 +435,7 @@
               <a:pPr>
                 <a:defRPr/>
               </a:pPr>
-              <a:t>6/14/11</a:t>
+              <a:t>6/15/11</a:t>
             </a:fld>
             <a:endParaRPr lang="en-US"/>
           </a:p>
@@ -1166,6 +1165,62 @@
           <a:bodyPr/>
           <a:lstStyle/>
           <a:p>
+            <a:r>
+              <a:rPr lang="en-US" dirty="0" smtClean="0"/>
+              <a:t>Unless your UI dictates otherwise, best-practice is to actively react to orientation changes</a:t>
+            </a:r>
+          </a:p>
+          <a:p>
+            <a:endParaRPr lang="en-US" dirty="0" smtClean="0"/>
+          </a:p>
+          <a:p>
+            <a:r>
+              <a:rPr lang="en-US" dirty="0" smtClean="0"/>
+              <a:t>Self-contained, self-updating is same as we use in </a:t>
+            </a:r>
+            <a:r>
+              <a:rPr lang="en-US" dirty="0" err="1" smtClean="0"/>
+              <a:t>TiBountyHunter</a:t>
+            </a:r>
+            <a:r>
+              <a:rPr lang="en-US" dirty="0" smtClean="0"/>
+              <a:t> with the </a:t>
+            </a:r>
+            <a:r>
+              <a:rPr lang="en-US" dirty="0" err="1" smtClean="0"/>
+              <a:t>tableview</a:t>
+            </a:r>
+            <a:endParaRPr lang="en-US" dirty="0" smtClean="0"/>
+          </a:p>
+          <a:p>
+            <a:r>
+              <a:rPr lang="en-US" dirty="0" smtClean="0"/>
+              <a:t>Components listen</a:t>
+            </a:r>
+            <a:r>
+              <a:rPr lang="en-US" baseline="0" dirty="0" smtClean="0"/>
+              <a:t> for a global orientation event and update themselves</a:t>
+            </a:r>
+          </a:p>
+          <a:p>
+            <a:endParaRPr lang="en-US" baseline="0" dirty="0" smtClean="0"/>
+          </a:p>
+          <a:p>
+            <a:r>
+              <a:rPr lang="en-US" baseline="0" dirty="0" smtClean="0"/>
+              <a:t>Take advantage – move components to logical location</a:t>
+            </a:r>
+          </a:p>
+          <a:p>
+            <a:endParaRPr lang="en-US" baseline="0" dirty="0" smtClean="0"/>
+          </a:p>
+          <a:p>
+            <a:r>
+              <a:rPr lang="en-US" baseline="0" dirty="0" smtClean="0"/>
+              <a:t>Soft keyboard – might cover a lot more of your UI</a:t>
+            </a:r>
+          </a:p>
+          <a:p>
             <a:endParaRPr lang="en-US" dirty="0"/>
           </a:p>
         </p:txBody>
@@ -1256,6 +1311,10 @@
           <a:bodyPr/>
           <a:lstStyle/>
           <a:p>
+            <a:r>
+              <a:rPr lang="en-US" dirty="0" smtClean="0"/>
+              <a:t>Other than taps, you can react to …</a:t>
+            </a:r>
             <a:endParaRPr lang="en-US" dirty="0"/>
           </a:p>
         </p:txBody>
@@ -1283,7 +1342,7 @@
               <a:pPr>
                 <a:defRPr/>
               </a:pPr>
-              <a:t>11</a:t>
+              <a:t>12</a:t>
             </a:fld>
             <a:endParaRPr lang="en-US"/>
           </a:p>
@@ -1346,6 +1405,28 @@
           <a:bodyPr/>
           <a:lstStyle/>
           <a:p>
+            <a:r>
+              <a:rPr lang="en-US" dirty="0" smtClean="0"/>
+              <a:t>timestamp</a:t>
+            </a:r>
+            <a:r>
+              <a:rPr lang="en-US" baseline="0" dirty="0" smtClean="0"/>
+              <a:t> is </a:t>
+            </a:r>
+            <a:r>
+              <a:rPr lang="en-US" baseline="0" dirty="0" smtClean="0"/>
+              <a:t>useful to track the time </a:t>
+            </a:r>
+            <a:r>
+              <a:rPr lang="en-US" baseline="0" dirty="0" smtClean="0"/>
+              <a:t>since last shake</a:t>
+            </a:r>
+          </a:p>
+          <a:p>
+            <a:r>
+              <a:rPr lang="en-US" baseline="0" dirty="0" smtClean="0"/>
+              <a:t>Useful for not over reacting to shakes (delay before counting as a new shake event)</a:t>
+            </a:r>
             <a:endParaRPr lang="en-US" dirty="0"/>
           </a:p>
         </p:txBody>
@@ -1438,24 +1519,62 @@
           <a:p>
             <a:r>
               <a:rPr lang="en-US" dirty="0" smtClean="0"/>
-              <a:t>timestamp</a:t>
+              <a:t>Swipe supported on pretty much all </a:t>
+            </a:r>
+            <a:r>
+              <a:rPr lang="en-US" dirty="0" err="1" smtClean="0"/>
+              <a:t>Ti.UI</a:t>
+            </a:r>
+            <a:r>
+              <a:rPr lang="en-US" dirty="0" smtClean="0"/>
+              <a:t> components</a:t>
+            </a:r>
+          </a:p>
+          <a:p>
+            <a:r>
+              <a:rPr lang="en-US" dirty="0" smtClean="0"/>
+              <a:t>Most likely to be used on views, windows, </a:t>
+            </a:r>
+            <a:r>
+              <a:rPr lang="en-US" dirty="0" err="1" smtClean="0"/>
+              <a:t>tableviews</a:t>
+            </a:r>
+            <a:r>
+              <a:rPr lang="en-US" dirty="0" smtClean="0"/>
+              <a:t>, </a:t>
+            </a:r>
+            <a:r>
+              <a:rPr lang="en-US" dirty="0" err="1" smtClean="0"/>
+              <a:t>imageviews</a:t>
+            </a:r>
+            <a:r>
+              <a:rPr lang="en-US" dirty="0" smtClean="0"/>
+              <a:t>, labels, web</a:t>
             </a:r>
             <a:r>
               <a:rPr lang="en-US" baseline="0" dirty="0" smtClean="0"/>
-              <a:t> is probably the only useful property</a:t>
-            </a:r>
+              <a:t> views</a:t>
+            </a:r>
+          </a:p>
+          <a:p>
+            <a:endParaRPr lang="en-US" baseline="0" dirty="0" smtClean="0"/>
           </a:p>
           <a:p>
             <a:r>
               <a:rPr lang="en-US" baseline="0" dirty="0" smtClean="0"/>
-              <a:t>It notes time since last shake</a:t>
-            </a:r>
-          </a:p>
-          <a:p>
-            <a:r>
-              <a:rPr lang="en-US" baseline="0" dirty="0" smtClean="0"/>
-              <a:t>Useful for not over reacting to shakes (delay before counting as a new shake event)</a:t>
-            </a:r>
+              <a:t>Key object properties are direction (left or right) and source</a:t>
+            </a:r>
+          </a:p>
+          <a:p>
+            <a:endParaRPr lang="en-US" baseline="0" dirty="0" smtClean="0"/>
+          </a:p>
+          <a:p>
+            <a:endParaRPr lang="en-US" baseline="0" dirty="0" smtClean="0"/>
+          </a:p>
+          <a:p>
+            <a:endParaRPr lang="en-US" dirty="0" smtClean="0"/>
+          </a:p>
+          <a:p>
             <a:endParaRPr lang="en-US" dirty="0"/>
           </a:p>
         </p:txBody>
@@ -1547,61 +1666,35 @@
           <a:lstStyle/>
           <a:p>
             <a:r>
+              <a:rPr lang="en-US" dirty="0" err="1" smtClean="0"/>
+              <a:t>touchcancel</a:t>
+            </a:r>
+            <a:r>
               <a:rPr lang="en-US" dirty="0" smtClean="0"/>
-              <a:t>Swipe supported on pretty much all </a:t>
-            </a:r>
-            <a:r>
-              <a:rPr lang="en-US" dirty="0" err="1" smtClean="0"/>
-              <a:t>Ti.UI</a:t>
+              <a:t> fired when your app is interrupted (phone call</a:t>
             </a:r>
             <a:r>
               <a:rPr lang="en-US" dirty="0" smtClean="0"/>
-              <a:t> components</a:t>
-            </a:r>
+              <a:t>)</a:t>
+            </a:r>
+            <a:endParaRPr lang="en-US" dirty="0" smtClean="0"/>
           </a:p>
           <a:p>
             <a:r>
               <a:rPr lang="en-US" dirty="0" smtClean="0"/>
-              <a:t>Most likely to be used on views, windows, </a:t>
-            </a:r>
-            <a:r>
-              <a:rPr lang="en-US" dirty="0" err="1" smtClean="0"/>
-              <a:t>tableviews</a:t>
-            </a:r>
-            <a:r>
-              <a:rPr lang="en-US" dirty="0" smtClean="0"/>
-              <a:t>, </a:t>
-            </a:r>
-            <a:r>
-              <a:rPr lang="en-US" dirty="0" err="1" smtClean="0"/>
-              <a:t>imageviews</a:t>
-            </a:r>
-            <a:r>
-              <a:rPr lang="en-US" dirty="0" smtClean="0"/>
-              <a:t>, labels, web</a:t>
+              <a:t>Use x/y coordinates</a:t>
             </a:r>
             <a:r>
               <a:rPr lang="en-US" baseline="0" dirty="0" smtClean="0"/>
-              <a:t> views</a:t>
+              <a:t> to determine </a:t>
+            </a:r>
+            <a:r>
+              <a:rPr lang="en-US" baseline="0" dirty="0" smtClean="0"/>
+              <a:t>direction</a:t>
             </a:r>
           </a:p>
           <a:p>
             <a:endParaRPr lang="en-US" baseline="0" dirty="0" smtClean="0"/>
-          </a:p>
-          <a:p>
-            <a:r>
-              <a:rPr lang="en-US" baseline="0" dirty="0" smtClean="0"/>
-              <a:t>Key object properties are direction (left or right) and source</a:t>
-            </a:r>
-          </a:p>
-          <a:p>
-            <a:endParaRPr lang="en-US" baseline="0" dirty="0" smtClean="0"/>
-          </a:p>
-          <a:p>
-            <a:endParaRPr lang="en-US" baseline="0" dirty="0" smtClean="0"/>
-          </a:p>
-          <a:p>
-            <a:endParaRPr lang="en-US" dirty="0" smtClean="0"/>
           </a:p>
           <a:p>
             <a:endParaRPr lang="en-US" dirty="0"/>
@@ -1695,28 +1788,68 @@
           <a:lstStyle/>
           <a:p>
             <a:r>
-              <a:rPr lang="en-US" dirty="0" err="1" smtClean="0"/>
-              <a:t>touchcancel</a:t>
-            </a:r>
-            <a:r>
               <a:rPr lang="en-US" dirty="0" smtClean="0"/>
-              <a:t> fired when your app is interrupted (phone call)</a:t>
-            </a:r>
-          </a:p>
-          <a:p>
-            <a:endParaRPr lang="en-US" dirty="0" smtClean="0"/>
-          </a:p>
-          <a:p>
-            <a:r>
-              <a:rPr lang="en-US" dirty="0" smtClean="0"/>
-              <a:t>Use x/y coordinates</a:t>
+              <a:t>Long press events</a:t>
             </a:r>
             <a:r>
               <a:rPr lang="en-US" baseline="0" dirty="0" smtClean="0"/>
-              <a:t> to determine direction</a:t>
-            </a:r>
-          </a:p>
-          <a:p>
+              <a:t> exist in native </a:t>
+            </a:r>
+            <a:r>
+              <a:rPr lang="en-US" baseline="0" dirty="0" err="1" smtClean="0"/>
+              <a:t>Oses</a:t>
+            </a:r>
+            <a:endParaRPr lang="en-US" baseline="0" dirty="0" smtClean="0"/>
+          </a:p>
+          <a:p>
+            <a:r>
+              <a:rPr lang="en-US" baseline="0" dirty="0" smtClean="0"/>
+              <a:t>You can simulate by tracking </a:t>
+            </a:r>
+            <a:r>
+              <a:rPr lang="en-US" baseline="0" dirty="0" err="1" smtClean="0"/>
+              <a:t>touchstart</a:t>
+            </a:r>
+            <a:r>
+              <a:rPr lang="en-US" baseline="0" dirty="0" smtClean="0"/>
+              <a:t> and </a:t>
+            </a:r>
+            <a:r>
+              <a:rPr lang="en-US" baseline="0" dirty="0" err="1" smtClean="0"/>
+              <a:t>touchend</a:t>
+            </a:r>
+            <a:endParaRPr lang="en-US" baseline="0" dirty="0" smtClean="0"/>
+          </a:p>
+          <a:p>
+            <a:r>
+              <a:rPr lang="en-US" baseline="0" dirty="0" smtClean="0"/>
+              <a:t>A couple of </a:t>
+            </a:r>
+            <a:r>
+              <a:rPr lang="en-US" baseline="0" dirty="0" err="1" smtClean="0"/>
+              <a:t>gists</a:t>
+            </a:r>
+            <a:r>
+              <a:rPr lang="en-US" baseline="0" dirty="0" smtClean="0"/>
+              <a:t> show how you could use this</a:t>
+            </a:r>
+          </a:p>
+          <a:p>
+            <a:endParaRPr lang="en-US" baseline="0" dirty="0" smtClean="0"/>
+          </a:p>
+          <a:p>
+            <a:r>
+              <a:rPr lang="en-US" baseline="0" dirty="0" smtClean="0"/>
+              <a:t>Keep in mind native conventions: e.g. on </a:t>
+            </a:r>
+            <a:r>
+              <a:rPr lang="en-US" baseline="0" dirty="0" err="1" smtClean="0"/>
+              <a:t>iOS</a:t>
+            </a:r>
+            <a:r>
+              <a:rPr lang="en-US" baseline="0" dirty="0" smtClean="0"/>
+              <a:t>, magnifies view in some contexts</a:t>
+            </a:r>
             <a:endParaRPr lang="en-US" dirty="0"/>
           </a:p>
         </p:txBody>
@@ -1807,7 +1940,84 @@
           <a:bodyPr/>
           <a:lstStyle/>
           <a:p>
-            <a:endParaRPr lang="en-US" dirty="0"/>
+            <a:r>
+              <a:rPr lang="en-US" dirty="0" smtClean="0"/>
+              <a:t>Android and </a:t>
+            </a:r>
+            <a:r>
+              <a:rPr lang="en-US" dirty="0" err="1" smtClean="0"/>
+              <a:t>iOS</a:t>
+            </a:r>
+            <a:r>
+              <a:rPr lang="en-US" baseline="0" dirty="0" smtClean="0"/>
+              <a:t> support gyroscope APIs to track rotational changes</a:t>
+            </a:r>
+          </a:p>
+          <a:p>
+            <a:r>
+              <a:rPr lang="en-US" baseline="0" dirty="0" smtClean="0"/>
+              <a:t>But not currently supported in Titanium APIs</a:t>
+            </a:r>
+          </a:p>
+          <a:p>
+            <a:endParaRPr lang="en-US" dirty="0" smtClean="0"/>
+          </a:p>
+          <a:p>
+            <a:r>
+              <a:rPr lang="en-US" dirty="0" smtClean="0"/>
+              <a:t>Use linear acceleration from accelerometer</a:t>
+            </a:r>
+            <a:r>
+              <a:rPr lang="en-US" baseline="0" dirty="0" smtClean="0"/>
+              <a:t> as workaround</a:t>
+            </a:r>
+          </a:p>
+          <a:p>
+            <a:r>
+              <a:rPr lang="en-US" baseline="0" dirty="0" smtClean="0"/>
+              <a:t>Detect 3-axis change values and will probably need some good math to get accurate correspondence to pitch, roll, yaw</a:t>
+            </a:r>
+            <a:endParaRPr lang="en-US" dirty="0" smtClean="0"/>
+          </a:p>
+          <a:p>
+            <a:endParaRPr lang="en-US" dirty="0" smtClean="0"/>
+          </a:p>
+          <a:p>
+            <a:r>
+              <a:rPr lang="en-US" dirty="0" smtClean="0"/>
+              <a:t>Demo </a:t>
+            </a:r>
+            <a:r>
+              <a:rPr lang="en-US" dirty="0" smtClean="0"/>
+              <a:t>must</a:t>
+            </a:r>
+            <a:r>
+              <a:rPr lang="en-US" baseline="0" dirty="0" smtClean="0"/>
+              <a:t> be run on a device</a:t>
+            </a:r>
+          </a:p>
+          <a:p>
+            <a:r>
+              <a:rPr lang="en-US" baseline="0" dirty="0" smtClean="0"/>
+              <a:t>Phone &gt; Accelerometer</a:t>
+            </a:r>
+          </a:p>
+          <a:p>
+            <a:r>
+              <a:rPr lang="en-US" baseline="0" dirty="0" smtClean="0"/>
+              <a:t>Resources/examples/</a:t>
+            </a:r>
+            <a:r>
+              <a:rPr lang="en-US" baseline="0" dirty="0" err="1" smtClean="0"/>
+              <a:t>accelerometer.js</a:t>
+            </a:r>
+            <a:endParaRPr lang="en-US" baseline="0" dirty="0" smtClean="0"/>
+          </a:p>
+          <a:p>
+            <a:endParaRPr lang="en-US" baseline="0" dirty="0" smtClean="0"/>
+          </a:p>
+          <a:p>
+            <a:endParaRPr lang="en-US" baseline="0" dirty="0" smtClean="0"/>
           </a:p>
         </p:txBody>
       </p:sp>
@@ -1835,126 +2045,6 @@
                 <a:defRPr/>
               </a:pPr>
               <a:t>17</a:t>
-            </a:fld>
-            <a:endParaRPr lang="en-US"/>
-          </a:p>
-        </p:txBody>
-      </p:sp>
-    </p:spTree>
-    <p:extLst>
-      <p:ext uri="{BB962C8B-B14F-4D97-AF65-F5344CB8AC3E}">
-        <p14:creationId xmlns:p14="http://schemas.microsoft.com/office/powerpoint/2010/main" val="2440708566"/>
-      </p:ext>
-    </p:extLst>
-  </p:cSld>
-  <p:clrMapOvr>
-    <a:masterClrMapping/>
-  </p:clrMapOvr>
-</p:notes>
-</file>
-
-<file path=ppt/notesSlides/notesSlide17.xml><?xml version="1.0" encoding="utf-8"?>
-<p:notes xmlns:a="http://schemas.openxmlformats.org/drawingml/2006/main" xmlns:r="http://schemas.openxmlformats.org/officeDocument/2006/relationships" xmlns:p="http://schemas.openxmlformats.org/presentationml/2006/main">
-  <p:cSld>
-    <p:spTree>
-      <p:nvGrpSpPr>
-        <p:cNvPr id="1" name=""/>
-        <p:cNvGrpSpPr/>
-        <p:nvPr/>
-      </p:nvGrpSpPr>
-      <p:grpSpPr>
-        <a:xfrm>
-          <a:off x="0" y="0"/>
-          <a:ext cx="0" cy="0"/>
-          <a:chOff x="0" y="0"/>
-          <a:chExt cx="0" cy="0"/>
-        </a:xfrm>
-      </p:grpSpPr>
-      <p:sp>
-        <p:nvSpPr>
-          <p:cNvPr id="2" name="Slide Image Placeholder 1"/>
-          <p:cNvSpPr>
-            <a:spLocks noGrp="1" noRot="1" noChangeAspect="1"/>
-          </p:cNvSpPr>
-          <p:nvPr>
-            <p:ph type="sldImg"/>
-          </p:nvPr>
-        </p:nvSpPr>
-        <p:spPr/>
-      </p:sp>
-      <p:sp>
-        <p:nvSpPr>
-          <p:cNvPr id="3" name="Notes Placeholder 2"/>
-          <p:cNvSpPr>
-            <a:spLocks noGrp="1"/>
-          </p:cNvSpPr>
-          <p:nvPr>
-            <p:ph type="body" idx="1"/>
-          </p:nvPr>
-        </p:nvSpPr>
-        <p:spPr/>
-        <p:txBody>
-          <a:bodyPr/>
-          <a:lstStyle/>
-          <a:p>
-            <a:r>
-              <a:rPr lang="en-US" dirty="0" smtClean="0"/>
-              <a:t>Demo must</a:t>
-            </a:r>
-            <a:r>
-              <a:rPr lang="en-US" baseline="0" dirty="0" smtClean="0"/>
-              <a:t> be run on a device</a:t>
-            </a:r>
-          </a:p>
-          <a:p>
-            <a:r>
-              <a:rPr lang="en-US" baseline="0" dirty="0" smtClean="0"/>
-              <a:t>Phone &gt; Accelerometer</a:t>
-            </a:r>
-          </a:p>
-          <a:p>
-            <a:r>
-              <a:rPr lang="en-US" baseline="0" dirty="0" smtClean="0"/>
-              <a:t>Resources/examples/</a:t>
-            </a:r>
-            <a:r>
-              <a:rPr lang="en-US" baseline="0" dirty="0" err="1" smtClean="0"/>
-              <a:t>accelerometer.js</a:t>
-            </a:r>
-            <a:endParaRPr lang="en-US" baseline="0" dirty="0" smtClean="0"/>
-          </a:p>
-          <a:p>
-            <a:endParaRPr lang="en-US" baseline="0" dirty="0" smtClean="0"/>
-          </a:p>
-          <a:p>
-            <a:endParaRPr lang="en-US" baseline="0" dirty="0" smtClean="0"/>
-          </a:p>
-        </p:txBody>
-      </p:sp>
-      <p:sp>
-        <p:nvSpPr>
-          <p:cNvPr id="4" name="Slide Number Placeholder 3"/>
-          <p:cNvSpPr>
-            <a:spLocks noGrp="1"/>
-          </p:cNvSpPr>
-          <p:nvPr>
-            <p:ph type="sldNum" sz="quarter" idx="10"/>
-          </p:nvPr>
-        </p:nvSpPr>
-        <p:spPr/>
-        <p:txBody>
-          <a:bodyPr/>
-          <a:lstStyle/>
-          <a:p>
-            <a:pPr>
-              <a:defRPr/>
-            </a:pPr>
-            <a:fld id="{C704D923-8FB6-2040-A5D7-BD75ED8E8368}" type="slidenum">
-              <a:rPr lang="en-US" smtClean="0"/>
-              <a:pPr>
-                <a:defRPr/>
-              </a:pPr>
-              <a:t>18</a:t>
             </a:fld>
             <a:endParaRPr lang="en-US"/>
           </a:p>
@@ -2488,6 +2578,34 @@
               <a:buFontTx/>
               <a:buNone/>
             </a:pPr>
+            <a:r>
+              <a:rPr lang="en-US" dirty="0" smtClean="0">
+                <a:latin typeface="Calibri" charset="0"/>
+                <a:cs typeface="ＭＳ Ｐゴシック" charset="0"/>
+              </a:rPr>
+              <a:t>In this module, we’ll discuss how to</a:t>
+            </a:r>
+            <a:r>
+              <a:rPr lang="en-US" baseline="0" dirty="0" smtClean="0">
+                <a:latin typeface="Calibri" charset="0"/>
+                <a:cs typeface="ＭＳ Ｐゴシック" charset="0"/>
+              </a:rPr>
+              <a:t> deal with </a:t>
+            </a:r>
+            <a:r>
+              <a:rPr lang="en-US" dirty="0" smtClean="0">
+                <a:latin typeface="Calibri" charset="0"/>
+                <a:cs typeface="ＭＳ Ｐゴシック" charset="0"/>
+              </a:rPr>
+              <a:t>device orientation as well as how to integrate gestures other than taps into</a:t>
+            </a:r>
+            <a:r>
+              <a:rPr lang="en-US" baseline="0" dirty="0" smtClean="0">
+                <a:latin typeface="Calibri" charset="0"/>
+                <a:cs typeface="ＭＳ Ｐゴシック" charset="0"/>
+              </a:rPr>
+              <a:t> your app.</a:t>
+            </a:r>
             <a:endParaRPr lang="en-US" dirty="0">
               <a:latin typeface="Calibri" charset="0"/>
               <a:cs typeface="ＭＳ Ｐゴシック" charset="0"/>
@@ -3006,8 +3124,38 @@
             </a:pPr>
             <a:r>
               <a:rPr lang="en-US" baseline="0" dirty="0" smtClean="0"/>
-              <a:t>Actively updating your app’s UI based on the current orientation by handling orientation events</a:t>
-            </a:r>
+              <a:t>Actively updating your app’s UI based on the current orientation by handling orientation </a:t>
+            </a:r>
+            <a:r>
+              <a:rPr lang="en-US" baseline="0" dirty="0" smtClean="0"/>
+              <a:t>events</a:t>
+            </a:r>
+          </a:p>
+          <a:p>
+            <a:pPr marL="171450" indent="-171450">
+              <a:buFont typeface="Arial"/>
+              <a:buChar char="•"/>
+            </a:pPr>
+            <a:endParaRPr lang="en-US" baseline="0" dirty="0" smtClean="0"/>
+          </a:p>
+          <a:p>
+            <a:r>
+              <a:rPr lang="en-US" baseline="0" dirty="0" smtClean="0"/>
+              <a:t>Consider supporting upside down with portrait orientations</a:t>
+            </a:r>
+          </a:p>
+          <a:p>
+            <a:r>
+              <a:rPr lang="en-US" baseline="0" dirty="0" smtClean="0"/>
+              <a:t>and both landscape left and right</a:t>
+            </a:r>
+            <a:endParaRPr lang="en-US" dirty="0" smtClean="0"/>
+          </a:p>
+          <a:p>
+            <a:pPr marL="0" indent="0">
+              <a:buFont typeface="Arial"/>
+              <a:buNone/>
+            </a:pPr>
             <a:endParaRPr lang="en-US" dirty="0" smtClean="0"/>
           </a:p>
         </p:txBody>
@@ -3100,23 +3248,29 @@
           <a:p>
             <a:r>
               <a:rPr lang="en-US" dirty="0" smtClean="0"/>
-              <a:t>Demo</a:t>
-            </a:r>
-            <a:r>
-              <a:rPr lang="en-US" baseline="0" dirty="0" smtClean="0"/>
-              <a:t> / sample code on next slides, this is just an intro slide</a:t>
-            </a:r>
-          </a:p>
-          <a:p>
-            <a:r>
-              <a:rPr lang="en-US" baseline="0" dirty="0" smtClean="0"/>
-              <a:t>Consider supporting upside down with portrait orientations</a:t>
-            </a:r>
-          </a:p>
-          <a:p>
-            <a:r>
-              <a:rPr lang="en-US" baseline="0" dirty="0" smtClean="0"/>
-              <a:t>and both landscape left and right</a:t>
+              <a:t>For </a:t>
+            </a:r>
+            <a:r>
+              <a:rPr lang="en-US" dirty="0" err="1" smtClean="0"/>
+              <a:t>iOS</a:t>
+            </a:r>
+            <a:r>
+              <a:rPr lang="en-US" dirty="0" smtClean="0"/>
+              <a:t>, set supported orientations in </a:t>
+            </a:r>
+            <a:r>
+              <a:rPr lang="en-US" dirty="0" err="1" smtClean="0"/>
+              <a:t>tiapp.xml</a:t>
+            </a:r>
+            <a:endParaRPr lang="en-US" dirty="0" smtClean="0"/>
+          </a:p>
+          <a:p>
+            <a:endParaRPr lang="en-US" dirty="0" smtClean="0"/>
+          </a:p>
+          <a:p>
+            <a:r>
+              <a:rPr lang="en-US" dirty="0" smtClean="0"/>
+              <a:t>To lock orientation, just remove the non-supported orientations</a:t>
             </a:r>
             <a:endParaRPr lang="en-US" dirty="0"/>
           </a:p>
@@ -3208,7 +3362,23 @@
           <a:bodyPr/>
           <a:lstStyle/>
           <a:p>
-            <a:endParaRPr lang="en-US" dirty="0"/>
+            <a:r>
+              <a:rPr lang="en-US" dirty="0" smtClean="0"/>
+              <a:t>Three options</a:t>
+            </a:r>
+            <a:r>
+              <a:rPr lang="en-US" baseline="0" dirty="0" smtClean="0"/>
+              <a:t> for locking orientation on Android</a:t>
+            </a:r>
+          </a:p>
+          <a:p>
+            <a:endParaRPr lang="en-US" baseline="0" dirty="0" smtClean="0"/>
+          </a:p>
+          <a:p>
+            <a:r>
+              <a:rPr lang="en-US" baseline="0" dirty="0" smtClean="0"/>
+              <a:t>Make sure to remove the bar and orientation from every node</a:t>
+            </a:r>
           </a:p>
         </p:txBody>
       </p:sp>
@@ -3298,6 +3468,31 @@
           <a:bodyPr/>
           <a:lstStyle/>
           <a:p>
+            <a:r>
+              <a:rPr lang="en-US" dirty="0" smtClean="0"/>
+              <a:t>Option 2 is to create a custom manifest file in the Resources/android</a:t>
+            </a:r>
+            <a:r>
+              <a:rPr lang="en-US" baseline="0" dirty="0" smtClean="0"/>
+              <a:t> folder</a:t>
+            </a:r>
+          </a:p>
+          <a:p>
+            <a:endParaRPr lang="en-US" baseline="0" dirty="0" smtClean="0"/>
+          </a:p>
+          <a:p>
+            <a:r>
+              <a:rPr lang="en-US" baseline="0" dirty="0" smtClean="0"/>
+              <a:t>Clean the project before rebuilding to clear out old </a:t>
+            </a:r>
+            <a:r>
+              <a:rPr lang="en-US" baseline="0" dirty="0" err="1" smtClean="0"/>
+              <a:t>AndroidManifest.xml</a:t>
+            </a:r>
+            <a:r>
+              <a:rPr lang="en-US" baseline="0" dirty="0" smtClean="0"/>
+              <a:t> file</a:t>
+            </a:r>
             <a:endParaRPr lang="en-US" dirty="0"/>
           </a:p>
         </p:txBody>
@@ -3388,6 +3583,32 @@
           <a:bodyPr/>
           <a:lstStyle/>
           <a:p>
+            <a:r>
+              <a:rPr lang="en-US" dirty="0" smtClean="0"/>
+              <a:t>This method is deprecated in favor of the Resources/android/</a:t>
+            </a:r>
+            <a:r>
+              <a:rPr lang="en-US" dirty="0" err="1" smtClean="0"/>
+              <a:t>AndroidManifest</a:t>
+            </a:r>
+            <a:r>
+              <a:rPr lang="en-US" baseline="0" dirty="0" smtClean="0"/>
+              <a:t> (option 2) technique</a:t>
+            </a:r>
+          </a:p>
+          <a:p>
+            <a:r>
+              <a:rPr lang="en-US" baseline="0" dirty="0" smtClean="0"/>
+              <a:t>However it </a:t>
+            </a:r>
+            <a:r>
+              <a:rPr lang="en-US" baseline="0" dirty="0" smtClean="0"/>
+              <a:t>seems to be the most </a:t>
+            </a:r>
+            <a:r>
+              <a:rPr lang="en-US" baseline="0" dirty="0" smtClean="0"/>
+              <a:t>sure-fire method</a:t>
+            </a:r>
             <a:endParaRPr lang="en-US" dirty="0"/>
           </a:p>
         </p:txBody>
@@ -3480,21 +3701,58 @@
           <a:p>
             <a:r>
               <a:rPr lang="en-US" dirty="0" smtClean="0"/>
-              <a:t>This method is deprecated in favor of the Resources/android/</a:t>
-            </a:r>
-            <a:r>
-              <a:rPr lang="en-US" dirty="0" err="1" smtClean="0"/>
-              <a:t>AndroidManifest</a:t>
+              <a:t>You can set orientation on a per window</a:t>
             </a:r>
             <a:r>
               <a:rPr lang="en-US" baseline="0" dirty="0" smtClean="0"/>
-              <a:t> (option 2) technique</a:t>
-            </a:r>
-          </a:p>
-          <a:p>
+              <a:t> basis within your </a:t>
+            </a:r>
             <a:r>
               <a:rPr lang="en-US" baseline="0" dirty="0" smtClean="0"/>
-              <a:t>However it is the most sure-fire method</a:t>
+              <a:t>app</a:t>
+            </a:r>
+          </a:p>
+          <a:p>
+            <a:endParaRPr lang="en-US" baseline="0" dirty="0" smtClean="0"/>
+          </a:p>
+          <a:p>
+            <a:r>
+              <a:rPr lang="en-US" baseline="0" dirty="0" smtClean="0"/>
+              <a:t>Two options:</a:t>
+            </a:r>
+          </a:p>
+          <a:p>
+            <a:pPr marL="228600" indent="-228600">
+              <a:buAutoNum type="arabicParenR"/>
+            </a:pPr>
+            <a:r>
+              <a:rPr lang="en-US" baseline="0" dirty="0" smtClean="0"/>
+              <a:t>Use </a:t>
+            </a:r>
+            <a:r>
+              <a:rPr lang="en-US" baseline="0" dirty="0" err="1" smtClean="0"/>
+              <a:t>Ti.UI.orientation</a:t>
+            </a:r>
+            <a:r>
+              <a:rPr lang="en-US" baseline="0" dirty="0" smtClean="0"/>
+              <a:t> statement</a:t>
+            </a:r>
+          </a:p>
+          <a:p>
+            <a:pPr marL="228600" indent="-228600">
+              <a:buAutoNum type="arabicParenR"/>
+            </a:pPr>
+            <a:r>
+              <a:rPr lang="en-US" baseline="0" dirty="0" smtClean="0"/>
+              <a:t>set </a:t>
+            </a:r>
+            <a:r>
+              <a:rPr lang="en-US" baseline="0" dirty="0" err="1" smtClean="0"/>
+              <a:t>orientationModes</a:t>
+            </a:r>
+            <a:r>
+              <a:rPr lang="en-US" baseline="0" dirty="0" smtClean="0"/>
+              <a:t> when defining the window</a:t>
             </a:r>
             <a:endParaRPr lang="en-US" dirty="0"/>
           </a:p>
@@ -3588,12 +3846,67 @@
           <a:p>
             <a:r>
               <a:rPr lang="en-US" dirty="0" smtClean="0"/>
-              <a:t>You can set orientation on a per window</a:t>
+              <a:t>You</a:t>
             </a:r>
             <a:r>
               <a:rPr lang="en-US" baseline="0" dirty="0" smtClean="0"/>
-              <a:t> basis within your app</a:t>
-            </a:r>
+              <a:t> can react to orientation change events</a:t>
+            </a:r>
+          </a:p>
+          <a:p>
+            <a:r>
+              <a:rPr lang="en-US" baseline="0" dirty="0" smtClean="0"/>
+              <a:t>Use the </a:t>
+            </a:r>
+            <a:r>
+              <a:rPr lang="en-US" baseline="0" dirty="0" err="1" smtClean="0"/>
+              <a:t>Ti.Gesture</a:t>
+            </a:r>
+            <a:r>
+              <a:rPr lang="en-US" baseline="0" dirty="0" smtClean="0"/>
+              <a:t> event listener</a:t>
+            </a:r>
+          </a:p>
+          <a:p>
+            <a:endParaRPr lang="en-US" baseline="0" dirty="0" smtClean="0"/>
+          </a:p>
+          <a:p>
+            <a:r>
+              <a:rPr lang="en-US" baseline="0" dirty="0" smtClean="0"/>
+              <a:t>On Android, can’t be in a tab group (open ticket  TIMOB-4121)</a:t>
+            </a:r>
+          </a:p>
+          <a:p>
+            <a:r>
+              <a:rPr lang="en-US" baseline="0" dirty="0" smtClean="0"/>
+              <a:t>Remove from tab group or use sub-contexts</a:t>
+            </a:r>
+          </a:p>
+          <a:p>
+            <a:endParaRPr lang="en-US" baseline="0" dirty="0" smtClean="0"/>
+          </a:p>
+          <a:p>
+            <a:r>
+              <a:rPr lang="en-US" baseline="0" dirty="0" smtClean="0"/>
+              <a:t>Test on device to be sure you’re getting/using values you expect</a:t>
+            </a:r>
+          </a:p>
+          <a:p>
+            <a:r>
+              <a:rPr lang="en-US" baseline="0" dirty="0" smtClean="0"/>
+              <a:t>They can differ between </a:t>
+            </a:r>
+            <a:r>
+              <a:rPr lang="en-US" baseline="0" dirty="0" err="1" smtClean="0"/>
+              <a:t>iOS</a:t>
+            </a:r>
+            <a:r>
+              <a:rPr lang="en-US" baseline="0" dirty="0" smtClean="0"/>
+              <a:t> and Android</a:t>
+            </a:r>
+          </a:p>
+          <a:p>
+            <a:endParaRPr lang="en-US" baseline="0" dirty="0" smtClean="0"/>
           </a:p>
           <a:p>
             <a:endParaRPr lang="en-US" dirty="0"/>
@@ -3962,7 +4275,7 @@
               <a:pPr>
                 <a:defRPr/>
               </a:pPr>
-              <a:t>6/14/11</a:t>
+              <a:t>6/15/11</a:t>
             </a:fld>
             <a:endParaRPr lang="en-US"/>
           </a:p>
@@ -4450,7 +4763,7 @@
               <a:pPr>
                 <a:defRPr/>
               </a:pPr>
-              <a:t>6/14/11</a:t>
+              <a:t>6/15/11</a:t>
             </a:fld>
             <a:endParaRPr lang="en-US"/>
           </a:p>
@@ -5012,7 +5325,7 @@
               <a:pPr>
                 <a:defRPr/>
               </a:pPr>
-              <a:t>6/14/11</a:t>
+              <a:t>6/15/11</a:t>
             </a:fld>
             <a:endParaRPr lang="en-US"/>
           </a:p>
@@ -5622,7 +5935,7 @@
               <a:pPr>
                 <a:defRPr/>
               </a:pPr>
-              <a:t>6/14/11</a:t>
+              <a:t>6/15/11</a:t>
             </a:fld>
             <a:endParaRPr lang="en-US"/>
           </a:p>
@@ -5744,7 +6057,7 @@
               <a:pPr>
                 <a:defRPr/>
               </a:pPr>
-              <a:t>6/14/11</a:t>
+              <a:t>6/15/11</a:t>
             </a:fld>
             <a:endParaRPr lang="en-US"/>
           </a:p>
@@ -6031,7 +6344,7 @@
               <a:pPr>
                 <a:defRPr/>
               </a:pPr>
-              <a:t>6/14/11</a:t>
+              <a:t>6/15/11</a:t>
             </a:fld>
             <a:endParaRPr lang="en-US"/>
           </a:p>
@@ -7473,8 +7786,8 @@
           <a:lstStyle/>
           <a:p>
             <a:r>
-              <a:rPr lang="en-US" dirty="0" smtClean="0"/>
-              <a:t>Orientation Events</a:t>
+              <a:rPr lang="en-US" dirty="0"/>
+              <a:t>Handling Orientation Changes</a:t>
             </a:r>
             <a:endParaRPr lang="en-US" dirty="0"/>
           </a:p>
@@ -7499,15 +7812,36 @@
               <a:spcBef>
                 <a:spcPts val="600"/>
               </a:spcBef>
+            </a:pPr>
+            <a:r>
+              <a:rPr lang="en-US" dirty="0"/>
+              <a:t>React to orientation change via event listener</a:t>
+            </a:r>
+          </a:p>
+          <a:p>
+            <a:pPr>
+              <a:spcBef>
+                <a:spcPts val="600"/>
+              </a:spcBef>
               <a:buClrTx/>
               <a:buFontTx/>
               <a:buNone/>
             </a:pPr>
-            <a:r>
-              <a:rPr lang="en-US" dirty="0" err="1" smtClean="0"/>
-              <a:t>Ti.Gesture.orientationchange</a:t>
-            </a:r>
             <a:endParaRPr lang="en-US" dirty="0" smtClean="0"/>
+          </a:p>
+          <a:p>
+            <a:pPr>
+              <a:spcBef>
+                <a:spcPts val="600"/>
+              </a:spcBef>
+              <a:buClrTx/>
+              <a:buFontTx/>
+              <a:buNone/>
+            </a:pPr>
+            <a:r>
+              <a:rPr lang="en-US" dirty="0" smtClean="0"/>
+              <a:t>Use self-contained, self-updating UI components</a:t>
+            </a:r>
           </a:p>
           <a:p>
             <a:pPr>
@@ -7525,298 +7859,94 @@
               <a:spcBef>
                 <a:spcPts val="600"/>
               </a:spcBef>
+            </a:pPr>
+            <a:r>
+              <a:rPr lang="en-US" dirty="0" smtClean="0"/>
+              <a:t>Move, rotate, and swap </a:t>
+            </a:r>
+            <a:r>
+              <a:rPr lang="en-US" dirty="0"/>
+              <a:t>UI elements</a:t>
+            </a:r>
+          </a:p>
+          <a:p>
+            <a:pPr>
+              <a:spcBef>
+                <a:spcPts val="600"/>
+              </a:spcBef>
               <a:buClrTx/>
               <a:buFontTx/>
               <a:buNone/>
             </a:pPr>
+            <a:endParaRPr lang="en-US" dirty="0" smtClean="0"/>
+          </a:p>
+          <a:p>
+            <a:pPr>
+              <a:spcBef>
+                <a:spcPts val="600"/>
+              </a:spcBef>
+              <a:buClrTx/>
+              <a:buFontTx/>
+              <a:buNone/>
+            </a:pPr>
             <a:r>
               <a:rPr lang="en-US" dirty="0" smtClean="0"/>
-              <a:t>Event properties and methods:</a:t>
-            </a:r>
-          </a:p>
-        </p:txBody>
-      </p:sp>
-      <p:sp>
-        <p:nvSpPr>
-          <p:cNvPr id="4" name="TextBox 3"/>
-          <p:cNvSpPr txBox="1"/>
-          <p:nvPr/>
-        </p:nvSpPr>
-        <p:spPr>
-          <a:xfrm>
-            <a:off x="728133" y="3118447"/>
-            <a:ext cx="7958667" cy="2800766"/>
-          </a:xfrm>
-          <a:prstGeom prst="rect">
-            <a:avLst/>
-          </a:prstGeom>
-          <a:solidFill>
-            <a:schemeClr val="bg1"/>
-          </a:solidFill>
-          <a:effectLst>
-            <a:outerShdw blurRad="50800" dist="38100" dir="2700000" algn="tl" rotWithShape="0">
-              <a:prstClr val="black">
-                <a:alpha val="40000"/>
-              </a:prstClr>
-            </a:outerShdw>
-          </a:effectLst>
-        </p:spPr>
-        <p:style>
-          <a:lnRef idx="2">
-            <a:schemeClr val="accent2"/>
-          </a:lnRef>
-          <a:fillRef idx="1">
-            <a:schemeClr val="lt1"/>
-          </a:fillRef>
-          <a:effectRef idx="0">
-            <a:schemeClr val="accent2"/>
-          </a:effectRef>
-          <a:fontRef idx="minor">
-            <a:schemeClr val="dk1"/>
-          </a:fontRef>
-        </p:style>
-        <p:txBody>
-          <a:bodyPr wrap="square" rtlCol="0">
-            <a:spAutoFit/>
-          </a:bodyPr>
-          <a:lstStyle/>
-          <a:p>
-            <a:r>
-              <a:rPr lang="en-US" sz="1600" dirty="0" err="1">
-                <a:latin typeface="Courier"/>
-                <a:cs typeface="Courier"/>
-              </a:rPr>
-              <a:t>Ti.Gesture.addEventListener</a:t>
-            </a:r>
-            <a:r>
-              <a:rPr lang="en-US" sz="1600" dirty="0">
-                <a:latin typeface="Courier"/>
-                <a:cs typeface="Courier"/>
-              </a:rPr>
-              <a:t>('</a:t>
-            </a:r>
-            <a:r>
-              <a:rPr lang="en-US" sz="1600" dirty="0" err="1">
-                <a:latin typeface="Courier"/>
-                <a:cs typeface="Courier"/>
-              </a:rPr>
-              <a:t>orientationchange</a:t>
-            </a:r>
-            <a:r>
-              <a:rPr lang="en-US" sz="1600" dirty="0">
-                <a:latin typeface="Courier"/>
-                <a:cs typeface="Courier"/>
-              </a:rPr>
-              <a:t>',function(e</a:t>
-            </a:r>
-            <a:r>
-              <a:rPr lang="en-US" sz="1600" dirty="0" smtClean="0">
-                <a:latin typeface="Courier"/>
-                <a:cs typeface="Courier"/>
-              </a:rPr>
-              <a:t>) {</a:t>
-            </a:r>
-            <a:endParaRPr lang="en-US" sz="1600" dirty="0">
-              <a:latin typeface="Courier"/>
-              <a:cs typeface="Courier"/>
-            </a:endParaRPr>
-          </a:p>
-          <a:p>
-            <a:r>
-              <a:rPr lang="en-US" sz="1600" dirty="0">
-                <a:latin typeface="Courier"/>
-                <a:cs typeface="Courier"/>
-              </a:rPr>
-              <a:t>	// </a:t>
-            </a:r>
-            <a:r>
-              <a:rPr lang="en-US" sz="1600" dirty="0" smtClean="0">
-                <a:latin typeface="Courier"/>
-                <a:cs typeface="Courier"/>
-              </a:rPr>
-              <a:t>get current device orientation from</a:t>
-            </a:r>
-          </a:p>
-          <a:p>
-            <a:r>
-              <a:rPr lang="en-US" sz="1600" dirty="0" smtClean="0">
-                <a:latin typeface="Courier"/>
-                <a:cs typeface="Courier"/>
-              </a:rPr>
-              <a:t>	// </a:t>
-            </a:r>
-            <a:r>
-              <a:rPr lang="en-US" sz="1600" dirty="0" err="1" smtClean="0">
-                <a:latin typeface="Courier"/>
-                <a:cs typeface="Courier"/>
-              </a:rPr>
-              <a:t>Titanium.Gesture.orientation</a:t>
-            </a:r>
-            <a:endParaRPr lang="en-US" sz="1600" dirty="0" smtClean="0">
-              <a:latin typeface="Courier"/>
-              <a:cs typeface="Courier"/>
-            </a:endParaRPr>
-          </a:p>
-          <a:p>
-            <a:r>
-              <a:rPr lang="en-US" sz="1600" dirty="0">
-                <a:latin typeface="Courier"/>
-                <a:cs typeface="Courier"/>
-              </a:rPr>
-              <a:t>	</a:t>
-            </a:r>
-          </a:p>
-          <a:p>
-            <a:r>
-              <a:rPr lang="en-US" sz="1600" dirty="0">
-                <a:latin typeface="Courier"/>
-                <a:cs typeface="Courier"/>
-              </a:rPr>
-              <a:t>	// get </a:t>
-            </a:r>
-            <a:r>
-              <a:rPr lang="en-US" sz="1600" dirty="0" smtClean="0">
-                <a:latin typeface="Courier"/>
-                <a:cs typeface="Courier"/>
-              </a:rPr>
-              <a:t>orientation </a:t>
-            </a:r>
-            <a:r>
-              <a:rPr lang="en-US" sz="1600" dirty="0">
-                <a:latin typeface="Courier"/>
-                <a:cs typeface="Courier"/>
-              </a:rPr>
-              <a:t>from event object</a:t>
-            </a:r>
-          </a:p>
-          <a:p>
-            <a:r>
-              <a:rPr lang="en-US" sz="1600" dirty="0">
-                <a:latin typeface="Courier"/>
-                <a:cs typeface="Courier"/>
-              </a:rPr>
-              <a:t>	</a:t>
-            </a:r>
-            <a:r>
-              <a:rPr lang="en-US" sz="1600" dirty="0" smtClean="0">
-                <a:latin typeface="Courier"/>
-                <a:cs typeface="Courier"/>
-              </a:rPr>
-              <a:t>// from </a:t>
-            </a:r>
-            <a:r>
-              <a:rPr lang="en-US" sz="1600" dirty="0" err="1" smtClean="0">
-                <a:latin typeface="Courier"/>
-                <a:cs typeface="Courier"/>
-              </a:rPr>
-              <a:t>e.orientation</a:t>
-            </a:r>
-            <a:endParaRPr lang="en-US" sz="1600" dirty="0" smtClean="0">
-              <a:latin typeface="Courier"/>
-              <a:cs typeface="Courier"/>
-            </a:endParaRPr>
-          </a:p>
-          <a:p>
-            <a:endParaRPr lang="en-US" sz="1600" dirty="0">
-              <a:latin typeface="Courier"/>
-              <a:cs typeface="Courier"/>
-            </a:endParaRPr>
-          </a:p>
-          <a:p>
-            <a:r>
-              <a:rPr lang="en-US" sz="1600" dirty="0" smtClean="0">
-                <a:latin typeface="Courier"/>
-                <a:cs typeface="Courier"/>
-              </a:rPr>
-              <a:t>	// two methods return Boolean</a:t>
-            </a:r>
-          </a:p>
-          <a:p>
-            <a:r>
-              <a:rPr lang="en-US" sz="1600" dirty="0">
-                <a:latin typeface="Courier"/>
-                <a:cs typeface="Courier"/>
-              </a:rPr>
-              <a:t>	</a:t>
-            </a:r>
-            <a:r>
-              <a:rPr lang="en-US" sz="1600" dirty="0" smtClean="0">
-                <a:latin typeface="Courier"/>
-                <a:cs typeface="Courier"/>
-              </a:rPr>
-              <a:t>// </a:t>
-            </a:r>
-            <a:r>
-              <a:rPr lang="en-US" sz="1600" dirty="0" err="1" smtClean="0">
-                <a:latin typeface="Courier"/>
-                <a:cs typeface="Courier"/>
-              </a:rPr>
-              <a:t>e.source.isPortrait</a:t>
-            </a:r>
-            <a:r>
-              <a:rPr lang="en-US" sz="1600" dirty="0" smtClean="0">
-                <a:latin typeface="Courier"/>
-                <a:cs typeface="Courier"/>
-              </a:rPr>
-              <a:t>()</a:t>
-            </a:r>
-          </a:p>
-          <a:p>
-            <a:r>
-              <a:rPr lang="en-US" sz="1600" dirty="0">
-                <a:latin typeface="Courier"/>
-                <a:cs typeface="Courier"/>
-              </a:rPr>
-              <a:t>	</a:t>
-            </a:r>
-            <a:r>
-              <a:rPr lang="en-US" sz="1600" dirty="0" smtClean="0">
-                <a:latin typeface="Courier"/>
-                <a:cs typeface="Courier"/>
-              </a:rPr>
-              <a:t>// </a:t>
-            </a:r>
-            <a:r>
-              <a:rPr lang="en-US" sz="1600" dirty="0" err="1" smtClean="0">
-                <a:latin typeface="Courier"/>
-                <a:cs typeface="Courier"/>
-              </a:rPr>
-              <a:t>e.source.isLandscape</a:t>
-            </a:r>
-            <a:r>
-              <a:rPr lang="en-US" sz="1600" dirty="0" smtClean="0">
-                <a:latin typeface="Courier"/>
-                <a:cs typeface="Courier"/>
-              </a:rPr>
-              <a:t>()</a:t>
-            </a:r>
-            <a:endParaRPr lang="en-US" sz="1600" dirty="0">
-              <a:latin typeface="Courier"/>
-              <a:cs typeface="Courier"/>
-            </a:endParaRPr>
-          </a:p>
-          <a:p>
-            <a:r>
-              <a:rPr lang="en-US" sz="1600" dirty="0" smtClean="0">
-                <a:latin typeface="Courier"/>
-                <a:cs typeface="Courier"/>
-              </a:rPr>
-              <a:t>}</a:t>
-            </a:r>
-            <a:r>
-              <a:rPr lang="en-US" sz="1600" dirty="0">
-                <a:latin typeface="Courier"/>
-                <a:cs typeface="Courier"/>
-              </a:rPr>
-              <a:t>);</a:t>
-            </a:r>
+              <a:t>Take advantage of the orientation</a:t>
+            </a:r>
+          </a:p>
+          <a:p>
+            <a:pPr>
+              <a:spcBef>
+                <a:spcPts val="600"/>
+              </a:spcBef>
+              <a:buClrTx/>
+              <a:buFontTx/>
+              <a:buNone/>
+            </a:pPr>
+            <a:endParaRPr lang="en-US" dirty="0"/>
+          </a:p>
+          <a:p>
+            <a:pPr>
+              <a:spcBef>
+                <a:spcPts val="600"/>
+              </a:spcBef>
+              <a:buClrTx/>
+              <a:buFontTx/>
+              <a:buNone/>
+            </a:pPr>
+            <a:r>
+              <a:rPr lang="en-US" dirty="0" smtClean="0"/>
+              <a:t>Don’t forget the soft keyboard</a:t>
+            </a:r>
+          </a:p>
+          <a:p>
+            <a:pPr>
+              <a:spcBef>
+                <a:spcPts val="600"/>
+              </a:spcBef>
+              <a:buClrTx/>
+              <a:buFontTx/>
+              <a:buNone/>
+            </a:pPr>
+            <a:endParaRPr lang="en-US" dirty="0"/>
+          </a:p>
+          <a:p>
+            <a:pPr>
+              <a:spcBef>
+                <a:spcPts val="600"/>
+              </a:spcBef>
+              <a:buClrTx/>
+              <a:buFontTx/>
+              <a:buNone/>
+            </a:pPr>
+            <a:endParaRPr lang="en-US" dirty="0" smtClean="0"/>
           </a:p>
         </p:txBody>
       </p:sp>
     </p:spTree>
     <p:extLst>
       <p:ext uri="{BB962C8B-B14F-4D97-AF65-F5344CB8AC3E}">
-        <p14:creationId xmlns:p14="http://schemas.microsoft.com/office/powerpoint/2010/main" val="1295465546"/>
+        <p14:creationId xmlns:p14="http://schemas.microsoft.com/office/powerpoint/2010/main" val="1672932865"/>
       </p:ext>
     </p:extLst>
   </p:cSld>
@@ -7834,146 +7964,6 @@
 </file>
 
 <file path=ppt/slides/slide11.xml><?xml version="1.0" encoding="utf-8"?>
-<p:sld xmlns:a="http://schemas.openxmlformats.org/drawingml/2006/main" xmlns:r="http://schemas.openxmlformats.org/officeDocument/2006/relationships" xmlns:p="http://schemas.openxmlformats.org/presentationml/2006/main">
-  <p:cSld>
-    <p:spTree>
-      <p:nvGrpSpPr>
-        <p:cNvPr id="1" name=""/>
-        <p:cNvGrpSpPr/>
-        <p:nvPr/>
-      </p:nvGrpSpPr>
-      <p:grpSpPr>
-        <a:xfrm>
-          <a:off x="0" y="0"/>
-          <a:ext cx="0" cy="0"/>
-          <a:chOff x="0" y="0"/>
-          <a:chExt cx="0" cy="0"/>
-        </a:xfrm>
-      </p:grpSpPr>
-      <p:sp>
-        <p:nvSpPr>
-          <p:cNvPr id="2" name="Title 1"/>
-          <p:cNvSpPr>
-            <a:spLocks noGrp="1"/>
-          </p:cNvSpPr>
-          <p:nvPr>
-            <p:ph type="title"/>
-          </p:nvPr>
-        </p:nvSpPr>
-        <p:spPr/>
-        <p:txBody>
-          <a:bodyPr/>
-          <a:lstStyle/>
-          <a:p>
-            <a:r>
-              <a:rPr lang="en-US" dirty="0" smtClean="0"/>
-              <a:t>Handling Orientation Changes</a:t>
-            </a:r>
-            <a:endParaRPr lang="en-US" dirty="0"/>
-          </a:p>
-        </p:txBody>
-      </p:sp>
-      <p:sp>
-        <p:nvSpPr>
-          <p:cNvPr id="3" name="Content Placeholder 2"/>
-          <p:cNvSpPr>
-            <a:spLocks noGrp="1"/>
-          </p:cNvSpPr>
-          <p:nvPr>
-            <p:ph idx="1"/>
-          </p:nvPr>
-        </p:nvSpPr>
-        <p:spPr/>
-        <p:txBody>
-          <a:bodyPr/>
-          <a:lstStyle/>
-          <a:p>
-            <a:pPr>
-              <a:spcBef>
-                <a:spcPts val="600"/>
-              </a:spcBef>
-              <a:buClrTx/>
-              <a:buFontTx/>
-              <a:buNone/>
-            </a:pPr>
-            <a:r>
-              <a:rPr lang="en-US" dirty="0" smtClean="0"/>
-              <a:t>React to orientation change via event listener</a:t>
-            </a:r>
-          </a:p>
-          <a:p>
-            <a:pPr>
-              <a:spcBef>
-                <a:spcPts val="600"/>
-              </a:spcBef>
-              <a:buClrTx/>
-              <a:buFontTx/>
-              <a:buNone/>
-            </a:pPr>
-            <a:endParaRPr lang="en-US" dirty="0"/>
-          </a:p>
-          <a:p>
-            <a:pPr>
-              <a:spcBef>
-                <a:spcPts val="600"/>
-              </a:spcBef>
-              <a:buClrTx/>
-              <a:buFontTx/>
-              <a:buNone/>
-            </a:pPr>
-            <a:r>
-              <a:rPr lang="en-US" dirty="0" smtClean="0"/>
-              <a:t>Move and rotate UI elements</a:t>
-            </a:r>
-          </a:p>
-          <a:p>
-            <a:pPr>
-              <a:spcBef>
-                <a:spcPts val="600"/>
-              </a:spcBef>
-              <a:buClrTx/>
-              <a:buFontTx/>
-              <a:buNone/>
-            </a:pPr>
-            <a:endParaRPr lang="en-US" dirty="0"/>
-          </a:p>
-          <a:p>
-            <a:pPr>
-              <a:spcBef>
-                <a:spcPts val="600"/>
-              </a:spcBef>
-              <a:buClrTx/>
-              <a:buFontTx/>
-              <a:buNone/>
-            </a:pPr>
-            <a:r>
-              <a:rPr lang="en-US" dirty="0" smtClean="0"/>
-              <a:t>Might swap graphics and elements</a:t>
-            </a:r>
-          </a:p>
-        </p:txBody>
-      </p:sp>
-    </p:spTree>
-    <p:extLst>
-      <p:ext uri="{BB962C8B-B14F-4D97-AF65-F5344CB8AC3E}">
-        <p14:creationId xmlns:p14="http://schemas.microsoft.com/office/powerpoint/2010/main" val="1866078383"/>
-      </p:ext>
-    </p:extLst>
-  </p:cSld>
-  <p:clrMapOvr>
-    <a:masterClrMapping/>
-  </p:clrMapOvr>
-  <p:timing>
-    <p:tnLst>
-      <p:par>
-        <p:cTn xmlns:p14="http://schemas.microsoft.com/office/powerpoint/2010/main" id="1" dur="indefinite" restart="never" nodeType="tmRoot"/>
-      </p:par>
-    </p:tnLst>
-  </p:timing>
-</p:sld>
-</file>
-
-<file path=ppt/slides/slide12.xml><?xml version="1.0" encoding="utf-8"?>
 <p:sld xmlns:a="http://schemas.openxmlformats.org/drawingml/2006/main" xmlns:r="http://schemas.openxmlformats.org/officeDocument/2006/relationships" xmlns:p="http://schemas.openxmlformats.org/presentationml/2006/main">
   <p:cSld>
     <p:spTree>
@@ -8093,10 +8083,17 @@
   <p:clrMapOvr>
     <a:masterClrMapping/>
   </p:clrMapOvr>
+  <p:timing>
+    <p:tnLst>
+      <p:par>
+        <p:cTn xmlns:p14="http://schemas.microsoft.com/office/powerpoint/2010/main" id="1" dur="indefinite" restart="never" nodeType="tmRoot"/>
+      </p:par>
+    </p:tnLst>
+  </p:timing>
 </p:sld>
 </file>
 
-<file path=ppt/slides/slide13.xml><?xml version="1.0" encoding="utf-8"?>
+<file path=ppt/slides/slide12.xml><?xml version="1.0" encoding="utf-8"?>
 <p:sld xmlns:a="http://schemas.openxmlformats.org/drawingml/2006/main" xmlns:r="http://schemas.openxmlformats.org/officeDocument/2006/relationships" xmlns:p="http://schemas.openxmlformats.org/presentationml/2006/main">
   <p:cSld>
     <p:spTree>
@@ -8286,7 +8283,7 @@
 </p:sld>
 </file>
 
-<file path=ppt/slides/slide14.xml><?xml version="1.0" encoding="utf-8"?>
+<file path=ppt/slides/slide13.xml><?xml version="1.0" encoding="utf-8"?>
 <p:sld xmlns:a="http://schemas.openxmlformats.org/drawingml/2006/main" xmlns:r="http://schemas.openxmlformats.org/officeDocument/2006/relationships" xmlns:p="http://schemas.openxmlformats.org/presentationml/2006/main">
   <p:cSld>
     <p:spTree>
@@ -8581,7 +8578,7 @@
 </p:sld>
 </file>
 
-<file path=ppt/slides/slide15.xml><?xml version="1.0" encoding="utf-8"?>
+<file path=ppt/slides/slide14.xml><?xml version="1.0" encoding="utf-8"?>
 <p:sld xmlns:a="http://schemas.openxmlformats.org/drawingml/2006/main" xmlns:r="http://schemas.openxmlformats.org/officeDocument/2006/relationships" xmlns:p="http://schemas.openxmlformats.org/presentationml/2006/main">
   <p:cSld>
     <p:spTree>
@@ -9118,6 +9115,258 @@
 </p:sld>
 </file>
 
+<file path=ppt/slides/slide15.xml><?xml version="1.0" encoding="utf-8"?>
+<p:sld xmlns:a="http://schemas.openxmlformats.org/drawingml/2006/main" xmlns:r="http://schemas.openxmlformats.org/officeDocument/2006/relationships" xmlns:p="http://schemas.openxmlformats.org/presentationml/2006/main">
+  <p:cSld>
+    <p:spTree>
+      <p:nvGrpSpPr>
+        <p:cNvPr id="1" name=""/>
+        <p:cNvGrpSpPr/>
+        <p:nvPr/>
+      </p:nvGrpSpPr>
+      <p:grpSpPr>
+        <a:xfrm>
+          <a:off x="0" y="0"/>
+          <a:ext cx="0" cy="0"/>
+          <a:chOff x="0" y="0"/>
+          <a:chExt cx="0" cy="0"/>
+        </a:xfrm>
+      </p:grpSpPr>
+      <p:sp>
+        <p:nvSpPr>
+          <p:cNvPr id="2" name="Title 1"/>
+          <p:cNvSpPr>
+            <a:spLocks noGrp="1"/>
+          </p:cNvSpPr>
+          <p:nvPr>
+            <p:ph type="title"/>
+          </p:nvPr>
+        </p:nvSpPr>
+        <p:spPr/>
+        <p:txBody>
+          <a:bodyPr/>
+          <a:lstStyle/>
+          <a:p>
+            <a:r>
+              <a:rPr lang="en-US" dirty="0" smtClean="0"/>
+              <a:t>Touches</a:t>
+            </a:r>
+            <a:endParaRPr lang="en-US" dirty="0"/>
+          </a:p>
+        </p:txBody>
+      </p:sp>
+      <p:sp>
+        <p:nvSpPr>
+          <p:cNvPr id="3" name="Content Placeholder 2"/>
+          <p:cNvSpPr>
+            <a:spLocks noGrp="1"/>
+          </p:cNvSpPr>
+          <p:nvPr>
+            <p:ph idx="1"/>
+          </p:nvPr>
+        </p:nvSpPr>
+        <p:spPr/>
+        <p:txBody>
+          <a:bodyPr/>
+          <a:lstStyle/>
+          <a:p>
+            <a:pPr>
+              <a:spcBef>
+                <a:spcPts val="600"/>
+              </a:spcBef>
+              <a:buClrTx/>
+              <a:buFontTx/>
+              <a:buNone/>
+            </a:pPr>
+            <a:r>
+              <a:rPr lang="en-US" dirty="0"/>
+              <a:t>Built-in event on most </a:t>
+            </a:r>
+            <a:r>
+              <a:rPr lang="en-US" dirty="0" err="1"/>
+              <a:t>Ti.UI</a:t>
+            </a:r>
+            <a:r>
+              <a:rPr lang="en-US" dirty="0"/>
+              <a:t> </a:t>
+            </a:r>
+            <a:r>
+              <a:rPr lang="en-US" dirty="0" smtClean="0"/>
+              <a:t>elements</a:t>
+            </a:r>
+          </a:p>
+          <a:p>
+            <a:pPr>
+              <a:spcBef>
+                <a:spcPts val="600"/>
+              </a:spcBef>
+              <a:buClrTx/>
+              <a:buFontTx/>
+              <a:buNone/>
+            </a:pPr>
+            <a:endParaRPr lang="en-US" dirty="0"/>
+          </a:p>
+          <a:p>
+            <a:pPr>
+              <a:spcBef>
+                <a:spcPts val="600"/>
+              </a:spcBef>
+              <a:buClrTx/>
+              <a:buFontTx/>
+              <a:buNone/>
+            </a:pPr>
+            <a:r>
+              <a:rPr lang="en-US" dirty="0" smtClean="0"/>
+              <a:t>Subtypes: </a:t>
+            </a:r>
+            <a:r>
+              <a:rPr lang="en-US" dirty="0" err="1" smtClean="0"/>
+              <a:t>touchstart</a:t>
+            </a:r>
+            <a:r>
+              <a:rPr lang="en-US" dirty="0" smtClean="0"/>
+              <a:t>, </a:t>
+            </a:r>
+            <a:r>
+              <a:rPr lang="en-US" dirty="0" err="1" smtClean="0"/>
+              <a:t>touchmove</a:t>
+            </a:r>
+            <a:r>
+              <a:rPr lang="en-US" dirty="0" smtClean="0"/>
+              <a:t>, </a:t>
+            </a:r>
+            <a:r>
+              <a:rPr lang="en-US" dirty="0" err="1" smtClean="0"/>
+              <a:t>touchend</a:t>
+            </a:r>
+            <a:r>
+              <a:rPr lang="en-US" dirty="0" smtClean="0"/>
+              <a:t>, </a:t>
+            </a:r>
+            <a:r>
+              <a:rPr lang="en-US" dirty="0" err="1" smtClean="0"/>
+              <a:t>touchcancel</a:t>
+            </a:r>
+            <a:endParaRPr lang="en-US" dirty="0"/>
+          </a:p>
+          <a:p>
+            <a:pPr>
+              <a:spcBef>
+                <a:spcPts val="600"/>
+              </a:spcBef>
+              <a:buClrTx/>
+              <a:buFontTx/>
+              <a:buNone/>
+            </a:pPr>
+            <a:endParaRPr lang="en-US" dirty="0"/>
+          </a:p>
+          <a:p>
+            <a:pPr>
+              <a:spcBef>
+                <a:spcPts val="600"/>
+              </a:spcBef>
+              <a:buClrTx/>
+              <a:buFontTx/>
+              <a:buNone/>
+            </a:pPr>
+            <a:r>
+              <a:rPr lang="en-US" dirty="0"/>
+              <a:t>Event object properties:</a:t>
+            </a:r>
+          </a:p>
+          <a:p>
+            <a:pPr marL="800100" lvl="1" indent="-342900">
+              <a:spcBef>
+                <a:spcPts val="600"/>
+              </a:spcBef>
+              <a:buFont typeface="Arial"/>
+              <a:buChar char="•"/>
+            </a:pPr>
+            <a:r>
+              <a:rPr lang="en-US" dirty="0" smtClean="0"/>
+              <a:t>source</a:t>
+            </a:r>
+            <a:endParaRPr lang="en-US" dirty="0"/>
+          </a:p>
+          <a:p>
+            <a:pPr marL="800100" lvl="1" indent="-342900">
+              <a:spcBef>
+                <a:spcPts val="600"/>
+              </a:spcBef>
+              <a:buFont typeface="Arial"/>
+              <a:buChar char="•"/>
+            </a:pPr>
+            <a:r>
+              <a:rPr lang="en-US" dirty="0"/>
+              <a:t>x/y </a:t>
+            </a:r>
+            <a:r>
+              <a:rPr lang="en-US" dirty="0" err="1"/>
+              <a:t>coords</a:t>
+            </a:r>
+            <a:endParaRPr lang="en-US" dirty="0"/>
+          </a:p>
+          <a:p>
+            <a:pPr>
+              <a:spcBef>
+                <a:spcPts val="600"/>
+              </a:spcBef>
+            </a:pPr>
+            <a:endParaRPr lang="en-US" dirty="0" smtClean="0"/>
+          </a:p>
+          <a:p>
+            <a:pPr>
+              <a:spcBef>
+                <a:spcPts val="600"/>
+              </a:spcBef>
+            </a:pPr>
+            <a:r>
+              <a:rPr lang="en-US" dirty="0" err="1" smtClean="0"/>
+              <a:t>touchmove</a:t>
+            </a:r>
+            <a:r>
+              <a:rPr lang="en-US" dirty="0" smtClean="0"/>
+              <a:t> fires </a:t>
+            </a:r>
+            <a:r>
+              <a:rPr lang="en-US" dirty="0" smtClean="0"/>
+              <a:t>continuously during event</a:t>
+            </a:r>
+            <a:endParaRPr lang="en-US" dirty="0"/>
+          </a:p>
+          <a:p>
+            <a:pPr>
+              <a:spcBef>
+                <a:spcPts val="600"/>
+              </a:spcBef>
+              <a:buClrTx/>
+              <a:buFontTx/>
+              <a:buNone/>
+            </a:pPr>
+            <a:endParaRPr lang="en-US" dirty="0" smtClean="0"/>
+          </a:p>
+        </p:txBody>
+      </p:sp>
+    </p:spTree>
+    <p:extLst>
+      <p:ext uri="{BB962C8B-B14F-4D97-AF65-F5344CB8AC3E}">
+        <p14:creationId xmlns:p14="http://schemas.microsoft.com/office/powerpoint/2010/main" val="888710459"/>
+      </p:ext>
+    </p:extLst>
+  </p:cSld>
+  <p:clrMapOvr>
+    <a:masterClrMapping/>
+  </p:clrMapOvr>
+  <p:timing>
+    <p:tnLst>
+      <p:par>
+        <p:cTn xmlns:p14="http://schemas.microsoft.com/office/powerpoint/2010/main" id="1" dur="indefinite" restart="never" nodeType="tmRoot"/>
+      </p:par>
+    </p:tnLst>
+  </p:timing>
+</p:sld>
+</file>
+
 <file path=ppt/slides/slide16.xml><?xml version="1.0" encoding="utf-8"?>
 <p:sld xmlns:a="http://schemas.openxmlformats.org/drawingml/2006/main" xmlns:r="http://schemas.openxmlformats.org/officeDocument/2006/relationships" xmlns:p="http://schemas.openxmlformats.org/presentationml/2006/main">
   <p:cSld>
@@ -9152,7 +9401,7 @@
           <a:p>
             <a:r>
               <a:rPr lang="en-US" dirty="0" smtClean="0"/>
-              <a:t>Touches</a:t>
+              <a:t>Long press</a:t>
             </a:r>
             <a:endParaRPr lang="en-US" dirty="0"/>
           </a:p>
@@ -9182,21 +9431,14 @@
               <a:buNone/>
             </a:pPr>
             <a:r>
-              <a:rPr lang="en-US" dirty="0"/>
-              <a:t>Built-in event on most </a:t>
-            </a:r>
-            <a:r>
-              <a:rPr lang="en-US" dirty="0" err="1"/>
-              <a:t>Ti.UI</a:t>
-            </a:r>
-            <a:r>
-              <a:rPr lang="en-US" dirty="0"/>
-              <a:t> </a:t>
-            </a:r>
-            <a:r>
               <a:rPr lang="en-US" dirty="0" smtClean="0"/>
-              <a:t>elements</a:t>
-            </a:r>
+              <a:t>Not natively </a:t>
+            </a:r>
+            <a:r>
+              <a:rPr lang="en-US" dirty="0" smtClean="0"/>
+              <a:t>supported by Titanium APIs</a:t>
+            </a:r>
+            <a:endParaRPr lang="en-US" dirty="0" smtClean="0"/>
           </a:p>
           <a:p>
             <a:pPr>
@@ -9220,7 +9462,7 @@
             </a:pPr>
             <a:r>
               <a:rPr lang="en-US" dirty="0" smtClean="0"/>
-              <a:t>Subtypes: </a:t>
+              <a:t>Simulate by tracking </a:t>
             </a:r>
             <a:r>
               <a:rPr lang="en-US" dirty="0" err="1" smtClean="0"/>
@@ -9228,29 +9470,13 @@
             </a:r>
             <a:r>
               <a:rPr lang="en-US" dirty="0" smtClean="0"/>
-              <a:t>, </a:t>
-            </a:r>
-            <a:r>
-              <a:rPr lang="en-US" dirty="0" err="1" smtClean="0"/>
-              <a:t>touchmove</a:t>
-            </a:r>
-            <a:r>
-              <a:rPr lang="en-US" dirty="0" smtClean="0"/>
-              <a:t>, </a:t>
+              <a:t> and </a:t>
             </a:r>
             <a:r>
               <a:rPr lang="en-US" dirty="0" err="1" smtClean="0"/>
               <a:t>touchend</a:t>
             </a:r>
-            <a:r>
-              <a:rPr lang="en-US" dirty="0" smtClean="0"/>
-              <a:t>, </a:t>
-            </a:r>
-            <a:r>
-              <a:rPr lang="en-US" dirty="0" err="1" smtClean="0"/>
-              <a:t>touchcancel</a:t>
-            </a:r>
-            <a:endParaRPr lang="en-US" dirty="0"/>
+            <a:endParaRPr lang="en-US" dirty="0" smtClean="0"/>
           </a:p>
           <a:p>
             <a:pPr>
@@ -9273,63 +9499,116 @@
               <a:buNone/>
             </a:pPr>
             <a:r>
-              <a:rPr lang="en-US" dirty="0"/>
-              <a:t>Event object properties:</a:t>
-            </a:r>
-          </a:p>
-          <a:p>
-            <a:pPr marL="800100" lvl="1" indent="-342900">
-              <a:spcBef>
-                <a:spcPts val="600"/>
-              </a:spcBef>
-              <a:buFont typeface="Arial"/>
-              <a:buChar char="•"/>
-            </a:pPr>
-            <a:r>
-              <a:rPr lang="en-US" dirty="0" smtClean="0"/>
-              <a:t>source</a:t>
-            </a:r>
-            <a:endParaRPr lang="en-US" dirty="0"/>
-          </a:p>
-          <a:p>
-            <a:pPr marL="800100" lvl="1" indent="-342900">
-              <a:spcBef>
-                <a:spcPts val="600"/>
-              </a:spcBef>
-              <a:buFont typeface="Arial"/>
-              <a:buChar char="•"/>
-            </a:pPr>
-            <a:r>
-              <a:rPr lang="en-US" dirty="0"/>
-              <a:t>x/y </a:t>
-            </a:r>
-            <a:r>
-              <a:rPr lang="en-US" dirty="0" err="1"/>
-              <a:t>coords</a:t>
-            </a:r>
-            <a:endParaRPr lang="en-US" dirty="0"/>
+              <a:rPr lang="en-US" dirty="0">
+                <a:hlinkClick r:id="rId3"/>
+              </a:rPr>
+              <a:t>https://gist.github.com/</a:t>
+            </a:r>
+            <a:r>
+              <a:rPr lang="en-US" dirty="0" smtClean="0">
+                <a:hlinkClick r:id="rId3"/>
+              </a:rPr>
+              <a:t>1019105</a:t>
+            </a:r>
+            <a:endParaRPr lang="en-US" dirty="0" smtClean="0"/>
           </a:p>
           <a:p>
             <a:pPr>
               <a:spcBef>
                 <a:spcPts val="600"/>
               </a:spcBef>
+              <a:buClrTx/>
+              <a:buFontTx/>
+              <a:buNone/>
             </a:pPr>
-            <a:endParaRPr lang="en-US" dirty="0" smtClean="0"/>
+            <a:r>
+              <a:rPr lang="en-US" sz="2000" dirty="0"/>
+              <a:t>	</a:t>
+            </a:r>
+            <a:r>
+              <a:rPr lang="en-US" sz="2000" dirty="0" smtClean="0"/>
+              <a:t>Faking long press in Android</a:t>
+            </a:r>
           </a:p>
           <a:p>
             <a:pPr>
               <a:spcBef>
                 <a:spcPts val="600"/>
               </a:spcBef>
+              <a:buClrTx/>
+              <a:buFontTx/>
+              <a:buNone/>
             </a:pPr>
-            <a:r>
-              <a:rPr lang="en-US" dirty="0" err="1" smtClean="0"/>
-              <a:t>touchmove</a:t>
-            </a:r>
+            <a:endParaRPr lang="en-US" sz="2000" dirty="0" smtClean="0"/>
+          </a:p>
+          <a:p>
+            <a:pPr>
+              <a:spcBef>
+                <a:spcPts val="600"/>
+              </a:spcBef>
+              <a:buClrTx/>
+              <a:buFontTx/>
+              <a:buNone/>
+            </a:pPr>
+            <a:r>
+              <a:rPr lang="en-US" dirty="0">
+                <a:hlinkClick r:id="rId4"/>
+              </a:rPr>
+              <a:t>https://gist.github.com/</a:t>
+            </a:r>
+            <a:r>
+              <a:rPr lang="en-US" dirty="0" smtClean="0">
+                <a:hlinkClick r:id="rId4"/>
+              </a:rPr>
+              <a:t>1018107</a:t>
+            </a:r>
+            <a:endParaRPr lang="en-US" dirty="0" smtClean="0"/>
+          </a:p>
+          <a:p>
+            <a:pPr>
+              <a:spcBef>
+                <a:spcPts val="600"/>
+              </a:spcBef>
+              <a:buClrTx/>
+              <a:buFontTx/>
+              <a:buNone/>
+            </a:pPr>
+            <a:r>
+              <a:rPr lang="en-US" dirty="0"/>
+              <a:t>	</a:t>
+            </a:r>
+            <a:r>
+              <a:rPr lang="en-US" sz="2000" dirty="0" smtClean="0"/>
+              <a:t>Long press to delete table </a:t>
+            </a:r>
+            <a:r>
+              <a:rPr lang="en-US" sz="2000" dirty="0" smtClean="0"/>
+              <a:t>row</a:t>
+            </a:r>
+          </a:p>
+          <a:p>
+            <a:pPr>
+              <a:spcBef>
+                <a:spcPts val="600"/>
+              </a:spcBef>
+              <a:buClrTx/>
+              <a:buFontTx/>
+              <a:buNone/>
+            </a:pPr>
+            <a:endParaRPr lang="en-US" dirty="0"/>
+          </a:p>
+          <a:p>
+            <a:pPr>
+              <a:spcBef>
+                <a:spcPts val="600"/>
+              </a:spcBef>
+              <a:buClrTx/>
+              <a:buFontTx/>
+              <a:buNone/>
+            </a:pPr>
             <a:r>
               <a:rPr lang="en-US" dirty="0" smtClean="0"/>
-              <a:t> fires continuously</a:t>
+              <a:t>Keep in mind native UI conventions for long presses</a:t>
             </a:r>
             <a:endParaRPr lang="en-US" dirty="0"/>
           </a:p>
@@ -9400,7 +9679,7 @@
           <a:p>
             <a:r>
               <a:rPr lang="en-US" dirty="0" smtClean="0"/>
-              <a:t>Long press</a:t>
+              <a:t>Accelerometer</a:t>
             </a:r>
             <a:endParaRPr lang="en-US" dirty="0"/>
           </a:p>
@@ -9430,8 +9709,12 @@
               <a:buNone/>
             </a:pPr>
             <a:r>
+              <a:rPr lang="en-US" dirty="0" err="1" smtClean="0"/>
+              <a:t>iOS</a:t>
+            </a:r>
+            <a:r>
               <a:rPr lang="en-US" dirty="0" smtClean="0"/>
-              <a:t>Not natively supported</a:t>
+              <a:t> and Android natively support gyroscope</a:t>
             </a:r>
           </a:p>
           <a:p>
@@ -9456,21 +9739,8 @@
             </a:pPr>
             <a:r>
               <a:rPr lang="en-US" dirty="0" smtClean="0"/>
-              <a:t>Simulate by tracking </a:t>
-            </a:r>
-            <a:r>
-              <a:rPr lang="en-US" dirty="0" err="1" smtClean="0"/>
-              <a:t>touchstart</a:t>
-            </a:r>
-            <a:r>
-              <a:rPr lang="en-US" dirty="0" smtClean="0"/>
-              <a:t> and </a:t>
-            </a:r>
-            <a:r>
-              <a:rPr lang="en-US" dirty="0" err="1" smtClean="0"/>
-              <a:t>touchend</a:t>
-            </a:r>
-            <a:endParaRPr lang="en-US" dirty="0" smtClean="0"/>
+              <a:t>Titanium APIs don’t support it currently</a:t>
+            </a:r>
           </a:p>
           <a:p>
             <a:pPr>
@@ -9493,18 +9763,21 @@
               <a:buNone/>
             </a:pPr>
             <a:r>
-              <a:rPr lang="en-US" dirty="0">
-                <a:hlinkClick r:id="rId3"/>
-              </a:rPr>
-              <a:t>https://gist.github.com/</a:t>
-            </a:r>
-            <a:r>
-              <a:rPr lang="en-US" dirty="0" smtClean="0">
-                <a:hlinkClick r:id="rId3"/>
-              </a:rPr>
-              <a:t>1019105</a:t>
-            </a:r>
-            <a:endParaRPr lang="en-US" dirty="0" smtClean="0"/>
+              <a:rPr lang="en-US" dirty="0" smtClean="0"/>
+              <a:t>Not </a:t>
+            </a:r>
+            <a:r>
+              <a:rPr lang="en-US" dirty="0" smtClean="0"/>
+              <a:t>all devices include </a:t>
+            </a:r>
+            <a:r>
+              <a:rPr lang="en-US" dirty="0" smtClean="0"/>
+              <a:t>necessary gyro </a:t>
+            </a:r>
+            <a:r>
+              <a:rPr lang="en-US" dirty="0" smtClean="0"/>
+              <a:t>hardware</a:t>
+            </a:r>
           </a:p>
           <a:p>
             <a:pPr>
@@ -9515,14 +9788,7 @@
               <a:buFontTx/>
               <a:buNone/>
             </a:pPr>
-            <a:r>
-              <a:rPr lang="en-US" sz="2000" dirty="0"/>
-              <a:t>	</a:t>
-            </a:r>
-            <a:r>
-              <a:rPr lang="en-US" sz="2000" dirty="0" smtClean="0"/>
-              <a:t>Faking long press in Android</a:t>
-            </a:r>
+            <a:endParaRPr lang="en-US" dirty="0"/>
           </a:p>
           <a:p>
             <a:pPr>
@@ -9533,7 +9799,10 @@
               <a:buFontTx/>
               <a:buNone/>
             </a:pPr>
-            <a:endParaRPr lang="en-US" sz="2000" dirty="0" smtClean="0"/>
+            <a:r>
+              <a:rPr lang="en-US" dirty="0"/>
+              <a:t>Approximation: Use the accelerometer to track pitch, roll, and yaw changes</a:t>
+            </a:r>
           </a:p>
           <a:p>
             <a:pPr>
@@ -9544,19 +9813,7 @@
               <a:buFontTx/>
               <a:buNone/>
             </a:pPr>
-            <a:r>
-              <a:rPr lang="en-US" dirty="0">
-                <a:hlinkClick r:id="rId4"/>
-              </a:rPr>
-              <a:t>https://gist.github.com/</a:t>
-            </a:r>
-            <a:r>
-              <a:rPr lang="en-US" dirty="0" smtClean="0">
-                <a:hlinkClick r:id="rId4"/>
-              </a:rPr>
-              <a:t>1018107</a:t>
-            </a:r>
-            <a:endParaRPr lang="en-US" dirty="0" smtClean="0"/>
+            <a:endParaRPr lang="en-US" dirty="0"/>
           </a:p>
           <a:p>
             <a:pPr>
@@ -9568,21 +9825,21 @@
               <a:buNone/>
             </a:pPr>
             <a:r>
-              <a:rPr lang="en-US" dirty="0"/>
-              <a:t>	</a:t>
-            </a:r>
-            <a:r>
-              <a:rPr lang="en-US" sz="2000" dirty="0" smtClean="0"/>
-              <a:t>Long press to delete table row</a:t>
-            </a:r>
-            <a:endParaRPr lang="en-US" dirty="0" smtClean="0"/>
+              <a:rPr lang="en-US" dirty="0" smtClean="0"/>
+              <a:t>Kitchen </a:t>
+            </a:r>
+            <a:r>
+              <a:rPr lang="en-US" dirty="0" smtClean="0"/>
+              <a:t>Sink demo</a:t>
+            </a:r>
+            <a:endParaRPr lang="en-US" dirty="0"/>
           </a:p>
         </p:txBody>
       </p:sp>
     </p:spTree>
     <p:extLst>
       <p:ext uri="{BB962C8B-B14F-4D97-AF65-F5344CB8AC3E}">
-        <p14:creationId xmlns:p14="http://schemas.microsoft.com/office/powerpoint/2010/main" val="888710459"/>
+        <p14:creationId xmlns:p14="http://schemas.microsoft.com/office/powerpoint/2010/main" val="2932291321"/>
       </p:ext>
     </p:extLst>
   </p:cSld>
@@ -9616,114 +9873,103 @@
           <a:chExt cx="0" cy="0"/>
         </a:xfrm>
       </p:grpSpPr>
+      <p:pic>
+        <p:nvPicPr>
+          <p:cNvPr id="23553" name="Picture 5" descr="raised_paper.png"/>
+          <p:cNvPicPr>
+            <a:picLocks noChangeAspect="1"/>
+          </p:cNvPicPr>
+          <p:nvPr/>
+        </p:nvPicPr>
+        <p:blipFill>
+          <a:blip r:embed="rId2">
+            <a:extLst>
+              <a:ext uri="{28A0092B-C50C-407E-A947-70E740481C1C}">
+                <a14:useLocalDpi xmlns:a14="http://schemas.microsoft.com/office/drawing/2010/main" val="0"/>
+              </a:ext>
+            </a:extLst>
+          </a:blip>
+          <a:srcRect/>
+          <a:stretch>
+            <a:fillRect/>
+          </a:stretch>
+        </p:blipFill>
+        <p:spPr bwMode="auto">
+          <a:xfrm>
+            <a:off x="1336675" y="2106613"/>
+            <a:ext cx="6456363" cy="2189162"/>
+          </a:xfrm>
+          <a:prstGeom prst="rect">
+            <a:avLst/>
+          </a:prstGeom>
+          <a:noFill/>
+          <a:ln>
+            <a:noFill/>
+          </a:ln>
+          <a:extLst>
+            <a:ext uri="{909E8E84-426E-40dd-AFC4-6F175D3DCCD1}">
+              <a14:hiddenFill xmlns:a14="http://schemas.microsoft.com/office/drawing/2010/main">
+                <a:solidFill>
+                  <a:srgbClr val="FFFFFF"/>
+                </a:solidFill>
+              </a14:hiddenFill>
+            </a:ext>
+            <a:ext uri="{91240B29-F687-4f45-9708-019B960494DF}">
+              <a14:hiddenLine xmlns:a14="http://schemas.microsoft.com/office/drawing/2010/main" w="9525">
+                <a:solidFill>
+                  <a:srgbClr val="000000"/>
+                </a:solidFill>
+                <a:miter lim="800000"/>
+                <a:headEnd/>
+                <a:tailEnd/>
+              </a14:hiddenLine>
+            </a:ext>
+          </a:extLst>
+        </p:spPr>
+      </p:pic>
       <p:sp>
         <p:nvSpPr>
-          <p:cNvPr id="2" name="Title 1"/>
+          <p:cNvPr id="23554" name="Title 1"/>
           <p:cNvSpPr>
             <a:spLocks noGrp="1"/>
           </p:cNvSpPr>
           <p:nvPr>
-            <p:ph type="title"/>
+            <p:ph type="ctrTitle" idx="4294967295"/>
           </p:nvPr>
         </p:nvSpPr>
-        <p:spPr/>
+        <p:spPr>
+          <a:xfrm>
+            <a:off x="766763" y="2330450"/>
+            <a:ext cx="7772400" cy="1470025"/>
+          </a:xfrm>
+        </p:spPr>
         <p:txBody>
           <a:bodyPr/>
           <a:lstStyle/>
           <a:p>
-            <a:r>
-              <a:rPr lang="en-US" dirty="0" smtClean="0"/>
-              <a:t>Accelerometer</a:t>
-            </a:r>
-            <a:endParaRPr lang="en-US" dirty="0"/>
-          </a:p>
-        </p:txBody>
-      </p:sp>
-      <p:sp>
-        <p:nvSpPr>
-          <p:cNvPr id="3" name="Content Placeholder 2"/>
-          <p:cNvSpPr>
-            <a:spLocks noGrp="1"/>
-          </p:cNvSpPr>
-          <p:nvPr>
-            <p:ph idx="1"/>
-          </p:nvPr>
-        </p:nvSpPr>
-        <p:spPr/>
-        <p:txBody>
-          <a:bodyPr/>
-          <a:lstStyle/>
-          <a:p>
-            <a:pPr>
-              <a:spcBef>
-                <a:spcPts val="600"/>
-              </a:spcBef>
-              <a:buClrTx/>
-              <a:buFontTx/>
-              <a:buNone/>
-            </a:pPr>
-            <a:r>
-              <a:rPr lang="en-US" dirty="0" smtClean="0"/>
-              <a:t>Use accelerometer to track pitch, roll, and yaw</a:t>
-            </a:r>
-          </a:p>
-          <a:p>
-            <a:pPr>
-              <a:spcBef>
-                <a:spcPts val="600"/>
-              </a:spcBef>
-              <a:buClrTx/>
-              <a:buFontTx/>
-              <a:buNone/>
-            </a:pPr>
-            <a:endParaRPr lang="en-US" dirty="0" smtClean="0"/>
-          </a:p>
-          <a:p>
-            <a:pPr>
-              <a:spcBef>
-                <a:spcPts val="600"/>
-              </a:spcBef>
-              <a:buClrTx/>
-              <a:buFontTx/>
-              <a:buNone/>
-            </a:pPr>
-            <a:r>
-              <a:rPr lang="en-US" dirty="0" smtClean="0"/>
-              <a:t>Not all devices include necessary hardware</a:t>
-            </a:r>
-          </a:p>
-          <a:p>
-            <a:pPr>
-              <a:spcBef>
-                <a:spcPts val="600"/>
-              </a:spcBef>
-              <a:buClrTx/>
-              <a:buFontTx/>
-              <a:buNone/>
-            </a:pPr>
-            <a:endParaRPr lang="en-US" dirty="0"/>
-          </a:p>
-          <a:p>
-            <a:pPr>
-              <a:spcBef>
-                <a:spcPts val="600"/>
-              </a:spcBef>
-              <a:buClrTx/>
-              <a:buFontTx/>
-              <a:buNone/>
-            </a:pPr>
-            <a:r>
-              <a:rPr lang="en-US" dirty="0" smtClean="0"/>
-              <a:t>Kitchen Sink demo</a:t>
-            </a:r>
-            <a:endParaRPr lang="en-US" dirty="0"/>
+            <a:pPr algn="ctr"/>
+            <a:r>
+              <a:rPr lang="en-US" sz="4800" i="1" dirty="0" smtClean="0">
+                <a:solidFill>
+                  <a:srgbClr val="122956"/>
+                </a:solidFill>
+                <a:latin typeface="Trebuchet MS" charset="0"/>
+              </a:rPr>
+              <a:t>Q&amp;A</a:t>
+            </a:r>
+            <a:endParaRPr lang="en-US" sz="4800" i="1" dirty="0">
+              <a:solidFill>
+                <a:srgbClr val="122956"/>
+              </a:solidFill>
+              <a:latin typeface="Trebuchet MS" charset="0"/>
+            </a:endParaRPr>
           </a:p>
         </p:txBody>
       </p:sp>
     </p:spTree>
     <p:extLst>
       <p:ext uri="{BB962C8B-B14F-4D97-AF65-F5344CB8AC3E}">
-        <p14:creationId xmlns:p14="http://schemas.microsoft.com/office/powerpoint/2010/main" val="2932291321"/>
+        <p14:creationId xmlns:p14="http://schemas.microsoft.com/office/powerpoint/2010/main" val="4095999683"/>
       </p:ext>
     </p:extLst>
   </p:cSld>
@@ -9839,7 +10085,7 @@
                 </a:solidFill>
                 <a:latin typeface="Trebuchet MS" charset="0"/>
               </a:rPr>
-              <a:t>Q&amp;A</a:t>
+              <a:t>Lab Exercise</a:t>
             </a:r>
             <a:endParaRPr lang="en-US" sz="4800" i="1" dirty="0">
               <a:solidFill>
@@ -9853,13 +10099,20 @@
     </p:spTree>
     <p:extLst>
       <p:ext uri="{BB962C8B-B14F-4D97-AF65-F5344CB8AC3E}">
-        <p14:creationId xmlns:p14="http://schemas.microsoft.com/office/powerpoint/2010/main" val="4095999683"/>
+        <p14:creationId xmlns:p14="http://schemas.microsoft.com/office/powerpoint/2010/main" val="3085404215"/>
       </p:ext>
     </p:extLst>
   </p:cSld>
   <p:clrMapOvr>
     <a:masterClrMapping/>
   </p:clrMapOvr>
+  <p:timing>
+    <p:tnLst>
+      <p:par>
+        <p:cTn xmlns:p14="http://schemas.microsoft.com/office/powerpoint/2010/main" id="1" dur="indefinite" restart="never" nodeType="tmRoot"/>
+      </p:par>
+    </p:tnLst>
+  </p:timing>
 </p:sld>
 </file>
 
@@ -9922,7 +10175,6 @@
               <a:rPr lang="en-US" dirty="0" smtClean="0"/>
               <a:t>Device orientation</a:t>
             </a:r>
-            <a:endParaRPr lang="en-US" dirty="0" smtClean="0"/>
           </a:p>
           <a:p>
             <a:endParaRPr lang="en-US" dirty="0"/>
@@ -9932,7 +10184,6 @@
               <a:rPr lang="en-US" dirty="0" smtClean="0"/>
               <a:t>Gestures</a:t>
             </a:r>
-            <a:endParaRPr lang="en-US" dirty="0" smtClean="0"/>
           </a:p>
         </p:txBody>
       </p:sp>
@@ -9977,129 +10228,6 @@
 </p:sld>
 </file>
 
-<file path=ppt/slides/slide20.xml><?xml version="1.0" encoding="utf-8"?>
-<p:sld xmlns:a="http://schemas.openxmlformats.org/drawingml/2006/main" xmlns:r="http://schemas.openxmlformats.org/officeDocument/2006/relationships" xmlns:p="http://schemas.openxmlformats.org/presentationml/2006/main">
-  <p:cSld>
-    <p:spTree>
-      <p:nvGrpSpPr>
-        <p:cNvPr id="1" name=""/>
-        <p:cNvGrpSpPr/>
-        <p:nvPr/>
-      </p:nvGrpSpPr>
-      <p:grpSpPr>
-        <a:xfrm>
-          <a:off x="0" y="0"/>
-          <a:ext cx="0" cy="0"/>
-          <a:chOff x="0" y="0"/>
-          <a:chExt cx="0" cy="0"/>
-        </a:xfrm>
-      </p:grpSpPr>
-      <p:pic>
-        <p:nvPicPr>
-          <p:cNvPr id="23553" name="Picture 5" descr="raised_paper.png"/>
-          <p:cNvPicPr>
-            <a:picLocks noChangeAspect="1"/>
-          </p:cNvPicPr>
-          <p:nvPr/>
-        </p:nvPicPr>
-        <p:blipFill>
-          <a:blip r:embed="rId2">
-            <a:extLst>
-              <a:ext uri="{28A0092B-C50C-407E-A947-70E740481C1C}">
-                <a14:useLocalDpi xmlns:a14="http://schemas.microsoft.com/office/drawing/2010/main" val="0"/>
-              </a:ext>
-            </a:extLst>
-          </a:blip>
-          <a:srcRect/>
-          <a:stretch>
-            <a:fillRect/>
-          </a:stretch>
-        </p:blipFill>
-        <p:spPr bwMode="auto">
-          <a:xfrm>
-            <a:off x="1336675" y="2106613"/>
-            <a:ext cx="6456363" cy="2189162"/>
-          </a:xfrm>
-          <a:prstGeom prst="rect">
-            <a:avLst/>
-          </a:prstGeom>
-          <a:noFill/>
-          <a:ln>
-            <a:noFill/>
-          </a:ln>
-          <a:extLst>
-            <a:ext uri="{909E8E84-426E-40dd-AFC4-6F175D3DCCD1}">
-              <a14:hiddenFill xmlns:a14="http://schemas.microsoft.com/office/drawing/2010/main">
-                <a:solidFill>
-                  <a:srgbClr val="FFFFFF"/>
-                </a:solidFill>
-              </a14:hiddenFill>
-            </a:ext>
-            <a:ext uri="{91240B29-F687-4f45-9708-019B960494DF}">
-              <a14:hiddenLine xmlns:a14="http://schemas.microsoft.com/office/drawing/2010/main" w="9525">
-                <a:solidFill>
-                  <a:srgbClr val="000000"/>
-                </a:solidFill>
-                <a:miter lim="800000"/>
-                <a:headEnd/>
-                <a:tailEnd/>
-              </a14:hiddenLine>
-            </a:ext>
-          </a:extLst>
-        </p:spPr>
-      </p:pic>
-      <p:sp>
-        <p:nvSpPr>
-          <p:cNvPr id="23554" name="Title 1"/>
-          <p:cNvSpPr>
-            <a:spLocks noGrp="1"/>
-          </p:cNvSpPr>
-          <p:nvPr>
-            <p:ph type="ctrTitle" idx="4294967295"/>
-          </p:nvPr>
-        </p:nvSpPr>
-        <p:spPr>
-          <a:xfrm>
-            <a:off x="766763" y="2330450"/>
-            <a:ext cx="7772400" cy="1470025"/>
-          </a:xfrm>
-        </p:spPr>
-        <p:txBody>
-          <a:bodyPr/>
-          <a:lstStyle/>
-          <a:p>
-            <a:pPr algn="ctr"/>
-            <a:r>
-              <a:rPr lang="en-US" sz="4800" i="1" dirty="0" smtClean="0">
-                <a:solidFill>
-                  <a:srgbClr val="122956"/>
-                </a:solidFill>
-                <a:latin typeface="Trebuchet MS" charset="0"/>
-              </a:rPr>
-              <a:t>Lab Exercise</a:t>
-            </a:r>
-            <a:endParaRPr lang="en-US" sz="4800" i="1" dirty="0">
-              <a:solidFill>
-                <a:srgbClr val="122956"/>
-              </a:solidFill>
-              <a:latin typeface="Trebuchet MS" charset="0"/>
-            </a:endParaRPr>
-          </a:p>
-        </p:txBody>
-      </p:sp>
-    </p:spTree>
-    <p:extLst>
-      <p:ext uri="{BB962C8B-B14F-4D97-AF65-F5344CB8AC3E}">
-        <p14:creationId xmlns:p14="http://schemas.microsoft.com/office/powerpoint/2010/main" val="3085404215"/>
-      </p:ext>
-    </p:extLst>
-  </p:cSld>
-  <p:clrMapOvr>
-    <a:masterClrMapping/>
-  </p:clrMapOvr>
-</p:sld>
-</file>
-
 <file path=ppt/slides/slide3.xml><?xml version="1.0" encoding="utf-8"?>
 <p:sld xmlns:a="http://schemas.openxmlformats.org/drawingml/2006/main" xmlns:r="http://schemas.openxmlformats.org/officeDocument/2006/relationships" xmlns:p="http://schemas.openxmlformats.org/presentationml/2006/main">
   <p:cSld>
@@ -10218,7 +10346,6 @@
               <a:rPr lang="en-US" dirty="0" smtClean="0"/>
               <a:t>Handling orientation events</a:t>
             </a:r>
-            <a:endParaRPr lang="en-US" dirty="0" smtClean="0"/>
           </a:p>
         </p:txBody>
       </p:sp>
@@ -10336,7 +10463,11 @@
           <a:p>
             <a:r>
               <a:rPr lang="en-US" dirty="0" smtClean="0"/>
-              <a:t>Locking orientation</a:t>
+              <a:t>Locking Orientation - </a:t>
+            </a:r>
+            <a:r>
+              <a:rPr lang="en-US" dirty="0" err="1" smtClean="0"/>
+              <a:t>iOS</a:t>
             </a:r>
             <a:endParaRPr lang="en-US" dirty="0"/>
           </a:p>
@@ -10366,86 +10497,318 @@
               <a:buNone/>
             </a:pPr>
             <a:r>
-              <a:rPr lang="en-US" dirty="0" err="1" smtClean="0"/>
-              <a:t>iOS</a:t>
-            </a:r>
-            <a:r>
               <a:rPr lang="en-US" dirty="0" smtClean="0"/>
-              <a:t> – </a:t>
+              <a:t>In </a:t>
             </a:r>
             <a:r>
               <a:rPr lang="en-US" dirty="0" err="1" smtClean="0"/>
               <a:t>tiapp.xml</a:t>
             </a:r>
-            <a:endParaRPr lang="en-US" dirty="0" smtClean="0"/>
-          </a:p>
-          <a:p>
-            <a:pPr>
-              <a:spcBef>
-                <a:spcPts val="600"/>
-              </a:spcBef>
-              <a:buClrTx/>
-              <a:buFontTx/>
-              <a:buNone/>
-            </a:pPr>
-            <a:endParaRPr lang="en-US" dirty="0"/>
-          </a:p>
-          <a:p>
-            <a:pPr>
-              <a:spcBef>
-                <a:spcPts val="600"/>
-              </a:spcBef>
-              <a:buClrTx/>
-              <a:buFontTx/>
-              <a:buNone/>
-            </a:pPr>
             <a:r>
               <a:rPr lang="en-US" dirty="0" smtClean="0"/>
-              <a:t>Android – three options</a:t>
-            </a:r>
-          </a:p>
-          <a:p>
-            <a:pPr>
-              <a:spcBef>
-                <a:spcPts val="600"/>
-              </a:spcBef>
-              <a:buClrTx/>
-              <a:buFontTx/>
-              <a:buNone/>
-            </a:pPr>
-            <a:endParaRPr lang="en-US" dirty="0"/>
-          </a:p>
-          <a:p>
-            <a:pPr>
-              <a:spcBef>
-                <a:spcPts val="600"/>
-              </a:spcBef>
-              <a:buClrTx/>
-              <a:buFontTx/>
-              <a:buNone/>
-            </a:pPr>
-            <a:r>
-              <a:rPr lang="en-US" dirty="0" smtClean="0"/>
-              <a:t>Support upside-down and left/right</a:t>
-            </a:r>
-          </a:p>
-          <a:p>
-            <a:pPr>
-              <a:spcBef>
-                <a:spcPts val="600"/>
-              </a:spcBef>
-              <a:buClrTx/>
-              <a:buFontTx/>
-              <a:buNone/>
-            </a:pPr>
-            <a:endParaRPr lang="en-US" dirty="0"/>
+              <a:t>:</a:t>
+            </a:r>
+          </a:p>
+        </p:txBody>
+      </p:sp>
+      <p:sp>
+        <p:nvSpPr>
+          <p:cNvPr id="4" name="TextBox 3"/>
+          <p:cNvSpPr txBox="1"/>
+          <p:nvPr/>
+        </p:nvSpPr>
+        <p:spPr>
+          <a:xfrm>
+            <a:off x="728133" y="2029876"/>
+            <a:ext cx="7958667" cy="3046988"/>
+          </a:xfrm>
+          <a:prstGeom prst="rect">
+            <a:avLst/>
+          </a:prstGeom>
+          <a:solidFill>
+            <a:schemeClr val="bg1"/>
+          </a:solidFill>
+          <a:effectLst>
+            <a:outerShdw blurRad="50800" dist="38100" dir="2700000" algn="tl" rotWithShape="0">
+              <a:prstClr val="black">
+                <a:alpha val="40000"/>
+              </a:prstClr>
+            </a:outerShdw>
+          </a:effectLst>
+        </p:spPr>
+        <p:style>
+          <a:lnRef idx="2">
+            <a:schemeClr val="accent2"/>
+          </a:lnRef>
+          <a:fillRef idx="1">
+            <a:schemeClr val="lt1"/>
+          </a:fillRef>
+          <a:effectRef idx="0">
+            <a:schemeClr val="accent2"/>
+          </a:effectRef>
+          <a:fontRef idx="minor">
+            <a:schemeClr val="dk1"/>
+          </a:fontRef>
+        </p:style>
+        <p:txBody>
+          <a:bodyPr wrap="square" rtlCol="0">
+            <a:spAutoFit/>
+          </a:bodyPr>
+          <a:lstStyle/>
+          <a:p>
+            <a:r>
+              <a:rPr lang="en-US" sz="1600" dirty="0">
+                <a:latin typeface="Courier"/>
+                <a:cs typeface="Courier"/>
+              </a:rPr>
+              <a:t>&lt;</a:t>
+            </a:r>
+            <a:r>
+              <a:rPr lang="en-US" sz="1600" dirty="0" err="1">
+                <a:latin typeface="Courier"/>
+                <a:cs typeface="Courier"/>
+              </a:rPr>
+              <a:t>iphone</a:t>
+            </a:r>
+            <a:r>
+              <a:rPr lang="en-US" sz="1600" dirty="0">
+                <a:latin typeface="Courier"/>
+                <a:cs typeface="Courier"/>
+              </a:rPr>
+              <a:t>&gt;</a:t>
+            </a:r>
+          </a:p>
+          <a:p>
+            <a:r>
+              <a:rPr lang="en-US" sz="1600" dirty="0">
+                <a:latin typeface="Courier"/>
+                <a:cs typeface="Courier"/>
+              </a:rPr>
+              <a:t>	&lt;orientations device="</a:t>
+            </a:r>
+            <a:r>
+              <a:rPr lang="en-US" sz="1600" dirty="0" err="1">
+                <a:latin typeface="Courier"/>
+                <a:cs typeface="Courier"/>
+              </a:rPr>
+              <a:t>iphone</a:t>
+            </a:r>
+            <a:r>
+              <a:rPr lang="en-US" sz="1600" dirty="0">
+                <a:latin typeface="Courier"/>
+                <a:cs typeface="Courier"/>
+              </a:rPr>
+              <a:t>"&gt;</a:t>
+            </a:r>
+          </a:p>
+          <a:p>
+            <a:r>
+              <a:rPr lang="en-US" sz="1600" dirty="0">
+                <a:latin typeface="Courier"/>
+                <a:cs typeface="Courier"/>
+              </a:rPr>
+              <a:t>		&lt;orientation&gt;</a:t>
+            </a:r>
+            <a:r>
+              <a:rPr lang="en-US" sz="1600" dirty="0" err="1">
+                <a:latin typeface="Courier"/>
+                <a:cs typeface="Courier"/>
+              </a:rPr>
+              <a:t>Ti.UI.PORTRAIT</a:t>
+            </a:r>
+            <a:r>
+              <a:rPr lang="en-US" sz="1600" dirty="0">
+                <a:latin typeface="Courier"/>
+                <a:cs typeface="Courier"/>
+              </a:rPr>
+              <a:t>&lt;/orientation&gt;</a:t>
+            </a:r>
+          </a:p>
+          <a:p>
+            <a:r>
+              <a:rPr lang="en-US" sz="1600" dirty="0">
+                <a:latin typeface="Courier"/>
+                <a:cs typeface="Courier"/>
+              </a:rPr>
+              <a:t>		&lt;orientation&gt;</a:t>
+            </a:r>
+            <a:r>
+              <a:rPr lang="en-US" sz="1600" dirty="0" err="1">
+                <a:latin typeface="Courier"/>
+                <a:cs typeface="Courier"/>
+              </a:rPr>
+              <a:t>Ti.UI.UPSIDE_PORTRAIT</a:t>
+            </a:r>
+            <a:r>
+              <a:rPr lang="en-US" sz="1600" dirty="0">
+                <a:latin typeface="Courier"/>
+                <a:cs typeface="Courier"/>
+              </a:rPr>
+              <a:t>&lt;/orientation&gt;</a:t>
+            </a:r>
+          </a:p>
+          <a:p>
+            <a:r>
+              <a:rPr lang="en-US" sz="1600" dirty="0">
+                <a:latin typeface="Courier"/>
+                <a:cs typeface="Courier"/>
+              </a:rPr>
+              <a:t>	&lt;/orientations&gt;</a:t>
+            </a:r>
+          </a:p>
+          <a:p>
+            <a:r>
+              <a:rPr lang="en-US" sz="1600" dirty="0">
+                <a:latin typeface="Courier"/>
+                <a:cs typeface="Courier"/>
+              </a:rPr>
+              <a:t>	&lt;orientations device="</a:t>
+            </a:r>
+            <a:r>
+              <a:rPr lang="en-US" sz="1600" dirty="0" err="1">
+                <a:latin typeface="Courier"/>
+                <a:cs typeface="Courier"/>
+              </a:rPr>
+              <a:t>ipad</a:t>
+            </a:r>
+            <a:r>
+              <a:rPr lang="en-US" sz="1600" dirty="0">
+                <a:latin typeface="Courier"/>
+                <a:cs typeface="Courier"/>
+              </a:rPr>
+              <a:t>"&gt;</a:t>
+            </a:r>
+          </a:p>
+          <a:p>
+            <a:r>
+              <a:rPr lang="en-US" sz="1600" dirty="0">
+                <a:latin typeface="Courier"/>
+                <a:cs typeface="Courier"/>
+              </a:rPr>
+              <a:t>		&lt;orientation&gt;</a:t>
+            </a:r>
+            <a:r>
+              <a:rPr lang="en-US" sz="1600" dirty="0" err="1">
+                <a:latin typeface="Courier"/>
+                <a:cs typeface="Courier"/>
+              </a:rPr>
+              <a:t>Ti.UI.PORTRAIT</a:t>
+            </a:r>
+            <a:r>
+              <a:rPr lang="en-US" sz="1600" dirty="0">
+                <a:latin typeface="Courier"/>
+                <a:cs typeface="Courier"/>
+              </a:rPr>
+              <a:t>&lt;/orientation&gt;</a:t>
+            </a:r>
+          </a:p>
+          <a:p>
+            <a:r>
+              <a:rPr lang="en-US" sz="1600" dirty="0">
+                <a:latin typeface="Courier"/>
+                <a:cs typeface="Courier"/>
+              </a:rPr>
+              <a:t>		&lt;orientation&gt;</a:t>
+            </a:r>
+            <a:r>
+              <a:rPr lang="en-US" sz="1600" dirty="0" err="1">
+                <a:latin typeface="Courier"/>
+                <a:cs typeface="Courier"/>
+              </a:rPr>
+              <a:t>Ti.UI.UPSIDE_PORTRAIT</a:t>
+            </a:r>
+            <a:r>
+              <a:rPr lang="en-US" sz="1600" dirty="0">
+                <a:latin typeface="Courier"/>
+                <a:cs typeface="Courier"/>
+              </a:rPr>
+              <a:t>&lt;/orientation&gt;</a:t>
+            </a:r>
+          </a:p>
+          <a:p>
+            <a:r>
+              <a:rPr lang="en-US" sz="1600" dirty="0">
+                <a:latin typeface="Courier"/>
+                <a:cs typeface="Courier"/>
+              </a:rPr>
+              <a:t>		&lt;orientation&gt;</a:t>
+            </a:r>
+            <a:r>
+              <a:rPr lang="en-US" sz="1600" dirty="0" err="1">
+                <a:latin typeface="Courier"/>
+                <a:cs typeface="Courier"/>
+              </a:rPr>
+              <a:t>Ti.UI.LANDSCAPE_LEFT</a:t>
+            </a:r>
+            <a:r>
+              <a:rPr lang="en-US" sz="1600" dirty="0">
+                <a:latin typeface="Courier"/>
+                <a:cs typeface="Courier"/>
+              </a:rPr>
+              <a:t>&lt;/orientation&gt;</a:t>
+            </a:r>
+          </a:p>
+          <a:p>
+            <a:r>
+              <a:rPr lang="en-US" sz="1600" dirty="0">
+                <a:latin typeface="Courier"/>
+                <a:cs typeface="Courier"/>
+              </a:rPr>
+              <a:t>		&lt;orientation&gt;</a:t>
+            </a:r>
+            <a:r>
+              <a:rPr lang="en-US" sz="1600" dirty="0" err="1">
+                <a:latin typeface="Courier"/>
+                <a:cs typeface="Courier"/>
+              </a:rPr>
+              <a:t>Ti.UI.LANDSCAPE_RIGHT</a:t>
+            </a:r>
+            <a:r>
+              <a:rPr lang="en-US" sz="1600" dirty="0">
+                <a:latin typeface="Courier"/>
+                <a:cs typeface="Courier"/>
+              </a:rPr>
+              <a:t>&lt;/orientation&gt;</a:t>
+            </a:r>
+          </a:p>
+          <a:p>
+            <a:r>
+              <a:rPr lang="en-US" sz="1600" dirty="0">
+                <a:latin typeface="Courier"/>
+                <a:cs typeface="Courier"/>
+              </a:rPr>
+              <a:t>	&lt;/orientations&gt;</a:t>
+            </a:r>
+          </a:p>
+          <a:p>
+            <a:r>
+              <a:rPr lang="en-US" sz="1600" dirty="0">
+                <a:latin typeface="Courier"/>
+                <a:cs typeface="Courier"/>
+              </a:rPr>
+              <a:t>&lt;/</a:t>
+            </a:r>
+            <a:r>
+              <a:rPr lang="en-US" sz="1600" dirty="0" err="1">
+                <a:latin typeface="Courier"/>
+                <a:cs typeface="Courier"/>
+              </a:rPr>
+              <a:t>iphone</a:t>
+            </a:r>
+            <a:r>
+              <a:rPr lang="en-US" sz="1600" dirty="0">
+                <a:latin typeface="Courier"/>
+                <a:cs typeface="Courier"/>
+              </a:rPr>
+              <a:t>&gt;</a:t>
+            </a:r>
           </a:p>
         </p:txBody>
       </p:sp>
     </p:spTree>
     <p:extLst>
       <p:ext uri="{BB962C8B-B14F-4D97-AF65-F5344CB8AC3E}">
-        <p14:creationId xmlns:p14="http://schemas.microsoft.com/office/powerpoint/2010/main" val="1861698596"/>
+        <p14:creationId xmlns:p14="http://schemas.microsoft.com/office/powerpoint/2010/main" val="447352732"/>
       </p:ext>
     </p:extLst>
   </p:cSld>
@@ -10496,11 +10859,7 @@
           <a:p>
             <a:r>
               <a:rPr lang="en-US" dirty="0" smtClean="0"/>
-              <a:t>Locking Orientation - </a:t>
-            </a:r>
-            <a:r>
-              <a:rPr lang="en-US" dirty="0" err="1" smtClean="0"/>
-              <a:t>iOS</a:t>
+              <a:t>Locking Orientation - Android</a:t>
             </a:r>
             <a:endParaRPr lang="en-US" dirty="0"/>
           </a:p>
@@ -10530,18 +10889,100 @@
               <a:buNone/>
             </a:pPr>
             <a:r>
-              <a:rPr lang="en-US" dirty="0" smtClean="0"/>
-              <a:t>In </a:t>
-            </a:r>
-            <a:r>
-              <a:rPr lang="en-US" dirty="0" err="1" smtClean="0"/>
+              <a:rPr lang="en-US" u="sng" dirty="0" smtClean="0"/>
+              <a:t>Option 1 - </a:t>
+            </a:r>
+            <a:r>
+              <a:rPr lang="en-US" u="sng" dirty="0" err="1" smtClean="0"/>
               <a:t>tiapp.xml</a:t>
             </a:r>
             <a:r>
-              <a:rPr lang="en-US" dirty="0" smtClean="0"/>
+              <a:rPr lang="en-US" u="sng" dirty="0" smtClean="0"/>
               <a:t>:</a:t>
             </a:r>
-            <a:endParaRPr lang="en-US" dirty="0" smtClean="0"/>
+          </a:p>
+          <a:p>
+            <a:pPr>
+              <a:spcBef>
+                <a:spcPts val="600"/>
+              </a:spcBef>
+              <a:buClrTx/>
+              <a:buFontTx/>
+              <a:buNone/>
+            </a:pPr>
+            <a:r>
+              <a:rPr lang="en-US" sz="2000" dirty="0"/>
+              <a:t>	</a:t>
+            </a:r>
+            <a:r>
+              <a:rPr lang="en-US" sz="2000" dirty="0" smtClean="0"/>
+              <a:t>- Copy code from build/android/</a:t>
+            </a:r>
+            <a:r>
+              <a:rPr lang="en-US" sz="2000" dirty="0" err="1" smtClean="0"/>
+              <a:t>AndroidManifest.xml</a:t>
+            </a:r>
+            <a:endParaRPr lang="en-US" sz="2000" dirty="0" smtClean="0"/>
+          </a:p>
+          <a:p>
+            <a:pPr>
+              <a:spcBef>
+                <a:spcPts val="600"/>
+              </a:spcBef>
+              <a:buClrTx/>
+              <a:buFontTx/>
+              <a:buNone/>
+            </a:pPr>
+            <a:r>
+              <a:rPr lang="en-US" sz="2000" dirty="0"/>
+              <a:t>	</a:t>
+            </a:r>
+            <a:r>
+              <a:rPr lang="en-US" sz="2000" dirty="0" smtClean="0"/>
+              <a:t>- Add </a:t>
+            </a:r>
+            <a:r>
+              <a:rPr lang="en-US" sz="2000" dirty="0" smtClean="0"/>
+              <a:t>nested </a:t>
+            </a:r>
+            <a:r>
+              <a:rPr lang="en-US" sz="2000" dirty="0" smtClean="0"/>
+              <a:t>&lt;manifest&gt; </a:t>
+            </a:r>
+            <a:r>
+              <a:rPr lang="en-US" sz="2000" dirty="0" smtClean="0"/>
+              <a:t>tags within &lt;android&gt;</a:t>
+            </a:r>
+            <a:endParaRPr lang="en-US" sz="2000" dirty="0" smtClean="0"/>
+          </a:p>
+          <a:p>
+            <a:pPr>
+              <a:spcBef>
+                <a:spcPts val="600"/>
+              </a:spcBef>
+              <a:buClrTx/>
+              <a:buFontTx/>
+              <a:buNone/>
+            </a:pPr>
+            <a:r>
+              <a:rPr lang="en-US" sz="2000" dirty="0"/>
+              <a:t>	</a:t>
+            </a:r>
+            <a:r>
+              <a:rPr lang="en-US" sz="2000" dirty="0" smtClean="0"/>
+              <a:t>- remove “</a:t>
+            </a:r>
+            <a:r>
+              <a:rPr lang="en-US" sz="2000" dirty="0" smtClean="0">
+                <a:latin typeface="Courier"/>
+                <a:cs typeface="Courier"/>
+              </a:rPr>
+              <a:t>|orientation</a:t>
+            </a:r>
+            <a:r>
+              <a:rPr lang="en-US" sz="2000" dirty="0" smtClean="0"/>
+              <a:t>” from every node</a:t>
+            </a:r>
           </a:p>
         </p:txBody>
       </p:sp>
@@ -10553,8 +10994,8 @@
         </p:nvSpPr>
         <p:spPr>
           <a:xfrm>
-            <a:off x="728133" y="2029876"/>
-            <a:ext cx="7958667" cy="3046988"/>
+            <a:off x="607182" y="3299876"/>
+            <a:ext cx="7958667" cy="3093154"/>
           </a:xfrm>
           <a:prstGeom prst="rect">
             <a:avLst/>
@@ -10591,21 +11032,267 @@
           <a:lstStyle/>
           <a:p>
             <a:r>
-              <a:rPr lang="en-US" sz="1600" dirty="0">
-                <a:latin typeface="Courier"/>
-                <a:cs typeface="Courier"/>
-              </a:rPr>
-              <a:t>&lt;</a:t>
-            </a:r>
-            <a:r>
-              <a:rPr lang="en-US" sz="1600" dirty="0" err="1">
-                <a:latin typeface="Courier"/>
-                <a:cs typeface="Courier"/>
-              </a:rPr>
-              <a:t>iphone</a:t>
-            </a:r>
-            <a:r>
-              <a:rPr lang="en-US" sz="1600" dirty="0">
+              <a:rPr lang="en-US" sz="1500" dirty="0">
+                <a:latin typeface="Courier"/>
+                <a:cs typeface="Courier"/>
+              </a:rPr>
+              <a:t>&lt;android </a:t>
+            </a:r>
+            <a:r>
+              <a:rPr lang="en-US" sz="1500" dirty="0" err="1">
+                <a:latin typeface="Courier"/>
+                <a:cs typeface="Courier"/>
+              </a:rPr>
+              <a:t>xmlns:android</a:t>
+            </a:r>
+            <a:r>
+              <a:rPr lang="en-US" sz="1500" dirty="0">
+                <a:latin typeface="Courier"/>
+                <a:cs typeface="Courier"/>
+              </a:rPr>
+              <a:t>="http://</a:t>
+            </a:r>
+            <a:r>
+              <a:rPr lang="en-US" sz="1500" dirty="0" err="1">
+                <a:latin typeface="Courier"/>
+                <a:cs typeface="Courier"/>
+              </a:rPr>
+              <a:t>schemas.android.com</a:t>
+            </a:r>
+            <a:r>
+              <a:rPr lang="en-US" sz="1500" dirty="0">
+                <a:latin typeface="Courier"/>
+                <a:cs typeface="Courier"/>
+              </a:rPr>
+              <a:t>/</a:t>
+            </a:r>
+            <a:r>
+              <a:rPr lang="en-US" sz="1500" dirty="0" err="1">
+                <a:latin typeface="Courier"/>
+                <a:cs typeface="Courier"/>
+              </a:rPr>
+              <a:t>apk</a:t>
+            </a:r>
+            <a:r>
+              <a:rPr lang="en-US" sz="1500" dirty="0">
+                <a:latin typeface="Courier"/>
+                <a:cs typeface="Courier"/>
+              </a:rPr>
+              <a:t>/res/android"&gt;</a:t>
+            </a:r>
+          </a:p>
+          <a:p>
+            <a:r>
+              <a:rPr lang="en-US" sz="1500" dirty="0">
+                <a:latin typeface="Courier"/>
+                <a:cs typeface="Courier"/>
+              </a:rPr>
+              <a:t>  &lt;manifest&gt;</a:t>
+            </a:r>
+          </a:p>
+          <a:p>
+            <a:r>
+              <a:rPr lang="en-US" sz="1500" dirty="0">
+                <a:latin typeface="Courier"/>
+                <a:cs typeface="Courier"/>
+              </a:rPr>
+              <a:t>    &lt;activity</a:t>
+            </a:r>
+          </a:p>
+          <a:p>
+            <a:r>
+              <a:rPr lang="en-US" sz="1500" dirty="0">
+                <a:latin typeface="Courier"/>
+                <a:cs typeface="Courier"/>
+              </a:rPr>
+              <a:t>    </a:t>
+            </a:r>
+            <a:r>
+              <a:rPr lang="en-US" sz="1500" dirty="0" err="1">
+                <a:latin typeface="Courier"/>
+                <a:cs typeface="Courier"/>
+              </a:rPr>
+              <a:t>android:name</a:t>
+            </a:r>
+            <a:r>
+              <a:rPr lang="en-US" sz="1500" dirty="0">
+                <a:latin typeface="Courier"/>
+                <a:cs typeface="Courier"/>
+              </a:rPr>
+              <a:t>="</a:t>
+            </a:r>
+            <a:r>
+              <a:rPr lang="en-US" sz="1500" dirty="0" err="1">
+                <a:latin typeface="Courier"/>
+                <a:cs typeface="Courier"/>
+              </a:rPr>
+              <a:t>org.appcelerator.titanium.TiActivity</a:t>
+            </a:r>
+            <a:r>
+              <a:rPr lang="en-US" sz="1500" dirty="0">
+                <a:latin typeface="Courier"/>
+                <a:cs typeface="Courier"/>
+              </a:rPr>
+              <a:t>"</a:t>
+            </a:r>
+          </a:p>
+          <a:p>
+            <a:r>
+              <a:rPr lang="en-US" sz="1500" dirty="0">
+                <a:latin typeface="Courier"/>
+                <a:cs typeface="Courier"/>
+              </a:rPr>
+              <a:t>    </a:t>
+            </a:r>
+            <a:r>
+              <a:rPr lang="en-US" sz="1500" dirty="0" err="1">
+                <a:latin typeface="Courier"/>
+                <a:cs typeface="Courier"/>
+              </a:rPr>
+              <a:t>android:configChanges</a:t>
+            </a:r>
+            <a:r>
+              <a:rPr lang="en-US" sz="1500" dirty="0">
+                <a:latin typeface="Courier"/>
+                <a:cs typeface="Courier"/>
+              </a:rPr>
+              <a:t>="</a:t>
+            </a:r>
+            <a:r>
+              <a:rPr lang="en-US" sz="1500" dirty="0" err="1">
+                <a:latin typeface="Courier"/>
+                <a:cs typeface="Courier"/>
+              </a:rPr>
+              <a:t>keyboardHidden</a:t>
+            </a:r>
+            <a:r>
+              <a:rPr lang="en-US" sz="1500" dirty="0">
+                <a:latin typeface="Courier"/>
+                <a:cs typeface="Courier"/>
+              </a:rPr>
+              <a:t>"</a:t>
+            </a:r>
+          </a:p>
+          <a:p>
+            <a:r>
+              <a:rPr lang="en-US" sz="1500" dirty="0">
+                <a:latin typeface="Courier"/>
+                <a:cs typeface="Courier"/>
+              </a:rPr>
+              <a:t>       </a:t>
+            </a:r>
+            <a:r>
+              <a:rPr lang="en-US" sz="1500" dirty="0" err="1">
+                <a:latin typeface="Courier"/>
+                <a:cs typeface="Courier"/>
+              </a:rPr>
+              <a:t>android:screenOrientation</a:t>
+            </a:r>
+            <a:r>
+              <a:rPr lang="en-US" sz="1500" dirty="0">
+                <a:latin typeface="Courier"/>
+                <a:cs typeface="Courier"/>
+              </a:rPr>
+              <a:t>="portrait”</a:t>
+            </a:r>
+          </a:p>
+          <a:p>
+            <a:r>
+              <a:rPr lang="en-US" sz="1500" dirty="0">
+                <a:latin typeface="Courier"/>
+                <a:cs typeface="Courier"/>
+              </a:rPr>
+              <a:t>    /&gt;</a:t>
+            </a:r>
+          </a:p>
+          <a:p>
+            <a:r>
+              <a:rPr lang="en-US" sz="1500" dirty="0">
+                <a:latin typeface="Courier"/>
+                <a:cs typeface="Courier"/>
+              </a:rPr>
+              <a:t>    &lt;activity </a:t>
+            </a:r>
+            <a:r>
+              <a:rPr lang="en-US" sz="1500" dirty="0" err="1">
+                <a:latin typeface="Courier"/>
+                <a:cs typeface="Courier"/>
+              </a:rPr>
+              <a:t>android:name</a:t>
+            </a:r>
+            <a:r>
+              <a:rPr lang="en-US" sz="1500" dirty="0">
+                <a:latin typeface="Courier"/>
+                <a:cs typeface="Courier"/>
+              </a:rPr>
+              <a:t>="</a:t>
+            </a:r>
+            <a:r>
+              <a:rPr lang="en-US" sz="1500" dirty="0" err="1">
+                <a:latin typeface="Courier"/>
+                <a:cs typeface="Courier"/>
+              </a:rPr>
+              <a:t>ti.modules.titanium.ui.TiTabActivity</a:t>
+            </a:r>
+            <a:r>
+              <a:rPr lang="en-US" sz="1500" dirty="0">
+                <a:latin typeface="Courier"/>
+                <a:cs typeface="Courier"/>
+              </a:rPr>
+              <a:t>"</a:t>
+            </a:r>
+          </a:p>
+          <a:p>
+            <a:r>
+              <a:rPr lang="en-US" sz="1500" dirty="0">
+                <a:latin typeface="Courier"/>
+                <a:cs typeface="Courier"/>
+              </a:rPr>
+              <a:t>      </a:t>
+            </a:r>
+            <a:r>
+              <a:rPr lang="en-US" sz="1500" dirty="0" err="1">
+                <a:latin typeface="Courier"/>
+                <a:cs typeface="Courier"/>
+              </a:rPr>
+              <a:t>android:configChanges</a:t>
+            </a:r>
+            <a:r>
+              <a:rPr lang="en-US" sz="1500" dirty="0">
+                <a:latin typeface="Courier"/>
+                <a:cs typeface="Courier"/>
+              </a:rPr>
+              <a:t>="</a:t>
+            </a:r>
+            <a:r>
+              <a:rPr lang="en-US" sz="1500" dirty="0" err="1" smtClean="0">
+                <a:latin typeface="Courier"/>
+                <a:cs typeface="Courier"/>
+              </a:rPr>
+              <a:t>keyboardHidden</a:t>
+            </a:r>
+            <a:r>
+              <a:rPr lang="en-US" sz="1500" dirty="0" smtClean="0">
+                <a:latin typeface="Courier"/>
+                <a:cs typeface="Courier"/>
+              </a:rPr>
+              <a:t>"</a:t>
+            </a:r>
+            <a:endParaRPr lang="en-US" sz="1500" dirty="0">
+              <a:latin typeface="Courier"/>
+              <a:cs typeface="Courier"/>
+            </a:endParaRPr>
+          </a:p>
+          <a:p>
+            <a:r>
+              <a:rPr lang="en-US" sz="1500" dirty="0">
+                <a:latin typeface="Courier"/>
+                <a:cs typeface="Courier"/>
+              </a:rPr>
+              <a:t>    /</a:t>
+            </a:r>
+            <a:r>
+              <a:rPr lang="en-US" sz="1500" dirty="0" smtClean="0">
                 <a:latin typeface="Courier"/>
                 <a:cs typeface="Courier"/>
               </a:rPr>
@@ -10614,227 +11301,40 @@
           </a:p>
           <a:p>
             <a:r>
-              <a:rPr lang="en-US" sz="1600" dirty="0">
-                <a:latin typeface="Courier"/>
-                <a:cs typeface="Courier"/>
-              </a:rPr>
-              <a:t>	&lt;orientations device="</a:t>
-            </a:r>
-            <a:r>
-              <a:rPr lang="en-US" sz="1600" dirty="0" err="1">
-                <a:latin typeface="Courier"/>
-                <a:cs typeface="Courier"/>
-              </a:rPr>
-              <a:t>iphone</a:t>
-            </a:r>
-            <a:r>
-              <a:rPr lang="en-US" sz="1600" dirty="0">
-                <a:latin typeface="Courier"/>
-                <a:cs typeface="Courier"/>
-              </a:rPr>
-              <a:t>"&gt;</a:t>
-            </a:r>
-          </a:p>
-          <a:p>
-            <a:r>
-              <a:rPr lang="en-US" sz="1600" dirty="0">
-                <a:latin typeface="Courier"/>
-                <a:cs typeface="Courier"/>
-              </a:rPr>
-              <a:t>		&lt;orientation&gt;</a:t>
-            </a:r>
-            <a:r>
-              <a:rPr lang="en-US" sz="1600" dirty="0" err="1">
-                <a:latin typeface="Courier"/>
-                <a:cs typeface="Courier"/>
-              </a:rPr>
-              <a:t>Ti.UI.PORTRAIT</a:t>
-            </a:r>
-            <a:r>
-              <a:rPr lang="en-US" sz="1600" dirty="0">
-                <a:latin typeface="Courier"/>
-                <a:cs typeface="Courier"/>
-              </a:rPr>
-              <a:t>&lt;/orientation&gt;</a:t>
-            </a:r>
-          </a:p>
-          <a:p>
-            <a:r>
-              <a:rPr lang="en-US" sz="1600" dirty="0">
-                <a:latin typeface="Courier"/>
-                <a:cs typeface="Courier"/>
-              </a:rPr>
-              <a:t>		&lt;orientation&gt;</a:t>
-            </a:r>
-            <a:r>
-              <a:rPr lang="en-US" sz="1600" dirty="0" err="1">
-                <a:latin typeface="Courier"/>
-                <a:cs typeface="Courier"/>
-              </a:rPr>
-              <a:t>Ti.UI.UPSIDE_PORTRAIT</a:t>
-            </a:r>
-            <a:r>
-              <a:rPr lang="en-US" sz="1600" dirty="0">
-                <a:latin typeface="Courier"/>
-                <a:cs typeface="Courier"/>
-              </a:rPr>
-              <a:t>&lt;/orientation&gt;</a:t>
-            </a:r>
-          </a:p>
-          <a:p>
-            <a:r>
-              <a:rPr lang="en-US" sz="1600" dirty="0">
-                <a:latin typeface="Courier"/>
-                <a:cs typeface="Courier"/>
-              </a:rPr>
-              <a:t>	&lt;/orientations&gt;</a:t>
-            </a:r>
-          </a:p>
-          <a:p>
-            <a:r>
-              <a:rPr lang="en-US" sz="1600" dirty="0">
-                <a:latin typeface="Courier"/>
-                <a:cs typeface="Courier"/>
-              </a:rPr>
-              <a:t>	&lt;orientations device="</a:t>
-            </a:r>
-            <a:r>
-              <a:rPr lang="en-US" sz="1600" dirty="0" err="1">
-                <a:latin typeface="Courier"/>
-                <a:cs typeface="Courier"/>
-              </a:rPr>
-              <a:t>ipad</a:t>
-            </a:r>
-            <a:r>
-              <a:rPr lang="en-US" sz="1600" dirty="0">
-                <a:latin typeface="Courier"/>
-                <a:cs typeface="Courier"/>
-              </a:rPr>
-              <a:t>"&gt;</a:t>
-            </a:r>
-          </a:p>
-          <a:p>
-            <a:r>
-              <a:rPr lang="en-US" sz="1600" dirty="0">
-                <a:latin typeface="Courier"/>
-                <a:cs typeface="Courier"/>
-              </a:rPr>
-              <a:t>		&lt;orientation&gt;</a:t>
-            </a:r>
-            <a:r>
-              <a:rPr lang="en-US" sz="1600" dirty="0" err="1">
-                <a:latin typeface="Courier"/>
-                <a:cs typeface="Courier"/>
-              </a:rPr>
-              <a:t>Ti.UI.PORTRAIT</a:t>
-            </a:r>
-            <a:r>
-              <a:rPr lang="en-US" sz="1600" dirty="0">
-                <a:latin typeface="Courier"/>
-                <a:cs typeface="Courier"/>
-              </a:rPr>
-              <a:t>&lt;/orientation&gt;</a:t>
-            </a:r>
-          </a:p>
-          <a:p>
-            <a:r>
-              <a:rPr lang="en-US" sz="1600" dirty="0">
-                <a:latin typeface="Courier"/>
-                <a:cs typeface="Courier"/>
-              </a:rPr>
-              <a:t>		&lt;orientation&gt;</a:t>
-            </a:r>
-            <a:r>
-              <a:rPr lang="en-US" sz="1600" dirty="0" err="1">
-                <a:latin typeface="Courier"/>
-                <a:cs typeface="Courier"/>
-              </a:rPr>
-              <a:t>Ti.UI.UPSIDE_PORTRAIT</a:t>
-            </a:r>
-            <a:r>
-              <a:rPr lang="en-US" sz="1600" dirty="0">
-                <a:latin typeface="Courier"/>
-                <a:cs typeface="Courier"/>
-              </a:rPr>
-              <a:t>&lt;/orientation&gt;</a:t>
-            </a:r>
-          </a:p>
-          <a:p>
-            <a:r>
-              <a:rPr lang="en-US" sz="1600" dirty="0">
-                <a:latin typeface="Courier"/>
-                <a:cs typeface="Courier"/>
-              </a:rPr>
-              <a:t>		&lt;orientation&gt;</a:t>
-            </a:r>
-            <a:r>
-              <a:rPr lang="en-US" sz="1600" dirty="0" err="1">
-                <a:latin typeface="Courier"/>
-                <a:cs typeface="Courier"/>
-              </a:rPr>
-              <a:t>Ti.UI.LANDSCAPE_LEFT</a:t>
-            </a:r>
-            <a:r>
-              <a:rPr lang="en-US" sz="1600" dirty="0">
-                <a:latin typeface="Courier"/>
-                <a:cs typeface="Courier"/>
-              </a:rPr>
-              <a:t>&lt;/orientation&gt;</a:t>
-            </a:r>
-          </a:p>
-          <a:p>
-            <a:r>
-              <a:rPr lang="en-US" sz="1600" dirty="0">
-                <a:latin typeface="Courier"/>
-                <a:cs typeface="Courier"/>
-              </a:rPr>
-              <a:t>		&lt;orientation&gt;</a:t>
-            </a:r>
-            <a:r>
-              <a:rPr lang="en-US" sz="1600" dirty="0" err="1">
-                <a:latin typeface="Courier"/>
-                <a:cs typeface="Courier"/>
-              </a:rPr>
-              <a:t>Ti.UI.LANDSCAPE_RIGHT</a:t>
-            </a:r>
-            <a:r>
-              <a:rPr lang="en-US" sz="1600" dirty="0">
-                <a:latin typeface="Courier"/>
-                <a:cs typeface="Courier"/>
-              </a:rPr>
-              <a:t>&lt;/orientation&gt;</a:t>
-            </a:r>
-          </a:p>
-          <a:p>
-            <a:r>
-              <a:rPr lang="en-US" sz="1600" dirty="0">
-                <a:latin typeface="Courier"/>
-                <a:cs typeface="Courier"/>
-              </a:rPr>
-              <a:t>	&lt;/orientations&gt;</a:t>
-            </a:r>
-          </a:p>
-          <a:p>
-            <a:r>
-              <a:rPr lang="en-US" sz="1600" dirty="0">
-                <a:latin typeface="Courier"/>
-                <a:cs typeface="Courier"/>
-              </a:rPr>
-              <a:t>&lt;/</a:t>
-            </a:r>
-            <a:r>
-              <a:rPr lang="en-US" sz="1600" dirty="0" err="1">
-                <a:latin typeface="Courier"/>
-                <a:cs typeface="Courier"/>
-              </a:rPr>
-              <a:t>iphone</a:t>
-            </a:r>
-            <a:r>
-              <a:rPr lang="en-US" sz="1600" dirty="0">
-                <a:latin typeface="Courier"/>
-                <a:cs typeface="Courier"/>
-              </a:rPr>
-              <a:t>&gt;</a:t>
+              <a:rPr lang="en-US" sz="1500" dirty="0">
+                <a:latin typeface="Courier"/>
+                <a:cs typeface="Courier"/>
+              </a:rPr>
+              <a:t> </a:t>
+            </a:r>
+            <a:r>
+              <a:rPr lang="en-US" sz="1500" dirty="0" smtClean="0">
+                <a:latin typeface="Courier"/>
+                <a:cs typeface="Courier"/>
+              </a:rPr>
+              <a:t>   ...</a:t>
+            </a:r>
+            <a:endParaRPr lang="en-US" sz="1500" dirty="0">
+              <a:latin typeface="Courier"/>
+              <a:cs typeface="Courier"/>
+            </a:endParaRPr>
+          </a:p>
+          <a:p>
+            <a:r>
+              <a:rPr lang="en-US" sz="1500" dirty="0">
+                <a:latin typeface="Courier"/>
+                <a:cs typeface="Courier"/>
+              </a:rPr>
+              <a:t>  &lt;/manifest&gt;</a:t>
+            </a:r>
+          </a:p>
+          <a:p>
+            <a:r>
+              <a:rPr lang="en-US" sz="1500" dirty="0">
+                <a:latin typeface="Courier"/>
+                <a:cs typeface="Courier"/>
+              </a:rPr>
+              <a:t>&lt;/android&gt;</a:t>
             </a:r>
           </a:p>
         </p:txBody>
@@ -10842,7 +11342,7 @@
     </p:spTree>
     <p:extLst>
       <p:ext uri="{BB962C8B-B14F-4D97-AF65-F5344CB8AC3E}">
-        <p14:creationId xmlns:p14="http://schemas.microsoft.com/office/powerpoint/2010/main" val="447352732"/>
+        <p14:creationId xmlns:p14="http://schemas.microsoft.com/office/powerpoint/2010/main" val="2313597669"/>
       </p:ext>
     </p:extLst>
   </p:cSld>
@@ -10924,15 +11424,7 @@
             </a:pPr>
             <a:r>
               <a:rPr lang="en-US" u="sng" dirty="0" smtClean="0"/>
-              <a:t>Option 1 - </a:t>
-            </a:r>
-            <a:r>
-              <a:rPr lang="en-US" u="sng" dirty="0" err="1" smtClean="0"/>
-              <a:t>tiapp.xml</a:t>
-            </a:r>
-            <a:r>
-              <a:rPr lang="en-US" u="sng" dirty="0" smtClean="0"/>
-              <a:t>:</a:t>
+              <a:t>Option 2 - Android manifest file</a:t>
             </a:r>
           </a:p>
           <a:p>
@@ -10946,17 +11438,24 @@
             </a:pPr>
             <a:r>
               <a:rPr lang="en-US" sz="2000" dirty="0"/>
-              <a:t>	</a:t>
+              <a:t>	- Copy </a:t>
             </a:r>
             <a:r>
               <a:rPr lang="en-US" sz="2000" dirty="0" smtClean="0"/>
-              <a:t>- Copy code from build/android/</a:t>
+              <a:t>build</a:t>
+            </a:r>
+            <a:r>
+              <a:rPr lang="en-US" sz="2000" dirty="0"/>
+              <a:t>/android/</a:t>
             </a:r>
             <a:r>
               <a:rPr lang="en-US" sz="2000" dirty="0" err="1" smtClean="0"/>
               <a:t>AndroidManifest.xml</a:t>
             </a:r>
-            <a:endParaRPr lang="en-US" sz="2000" dirty="0" smtClean="0"/>
+            <a:r>
+              <a:rPr lang="en-US" sz="2000" dirty="0" smtClean="0"/>
+              <a:t> to</a:t>
+            </a:r>
           </a:p>
           <a:p>
             <a:pPr>
@@ -10973,8 +11472,17 @@
             </a:r>
             <a:r>
               <a:rPr lang="en-US" sz="2000" dirty="0" smtClean="0"/>
-              <a:t>- Add &lt;android&gt; and nested &lt;manifest&gt; tags</a:t>
-            </a:r>
+              <a:t>	</a:t>
+            </a:r>
+            <a:r>
+              <a:rPr lang="en-US" sz="2000" dirty="0"/>
+              <a:t>Resources/android/</a:t>
+            </a:r>
+            <a:r>
+              <a:rPr lang="en-US" sz="2000" dirty="0" err="1" smtClean="0"/>
+              <a:t>AndroidManifest.xml</a:t>
+            </a:r>
+            <a:endParaRPr lang="en-US" sz="2000" dirty="0"/>
           </a:p>
           <a:p>
             <a:pPr>
@@ -10987,21 +11495,17 @@
             </a:pPr>
             <a:r>
               <a:rPr lang="en-US" sz="2000" dirty="0"/>
-              <a:t>	</a:t>
-            </a:r>
-            <a:r>
-              <a:rPr lang="en-US" sz="2000" dirty="0" smtClean="0"/>
-              <a:t>- remove “</a:t>
-            </a:r>
-            <a:r>
-              <a:rPr lang="en-US" sz="2000" dirty="0" smtClean="0">
+              <a:t>	- remove “</a:t>
+            </a:r>
+            <a:r>
+              <a:rPr lang="en-US" sz="2000" dirty="0">
                 <a:latin typeface="Courier"/>
                 <a:cs typeface="Courier"/>
               </a:rPr>
               <a:t>|orientation</a:t>
             </a:r>
             <a:r>
-              <a:rPr lang="en-US" sz="2000" dirty="0" smtClean="0"/>
+              <a:rPr lang="en-US" sz="2000" dirty="0"/>
               <a:t>” from every node</a:t>
             </a:r>
           </a:p>
@@ -11015,8 +11519,8 @@
         </p:nvSpPr>
         <p:spPr>
           <a:xfrm>
-            <a:off x="607182" y="3299876"/>
-            <a:ext cx="7958667" cy="2862322"/>
+            <a:off x="217714" y="3565970"/>
+            <a:ext cx="8781143" cy="1938992"/>
           </a:xfrm>
           <a:prstGeom prst="rect">
             <a:avLst/>
@@ -11053,251 +11557,55 @@
           <a:lstStyle/>
           <a:p>
             <a:r>
+              <a:rPr lang="en-US" sz="1500" dirty="0" smtClean="0">
+                <a:latin typeface="Courier"/>
+                <a:cs typeface="Courier"/>
+              </a:rPr>
+              <a:t>&lt;</a:t>
+            </a:r>
+            <a:r>
               <a:rPr lang="en-US" sz="1500" dirty="0">
                 <a:latin typeface="Courier"/>
                 <a:cs typeface="Courier"/>
               </a:rPr>
-              <a:t>&lt;android </a:t>
+              <a:t>activity</a:t>
+            </a:r>
+          </a:p>
+          <a:p>
+            <a:r>
+              <a:rPr lang="en-US" sz="1500" dirty="0" smtClean="0">
+                <a:latin typeface="Courier"/>
+                <a:cs typeface="Courier"/>
+              </a:rPr>
+              <a:t>  </a:t>
             </a:r>
             <a:r>
               <a:rPr lang="en-US" sz="1500" dirty="0" err="1">
                 <a:latin typeface="Courier"/>
                 <a:cs typeface="Courier"/>
               </a:rPr>
-              <a:t>xmlns:android</a:t>
+              <a:t>android:name</a:t>
             </a:r>
             <a:r>
               <a:rPr lang="en-US" sz="1500" dirty="0">
                 <a:latin typeface="Courier"/>
                 <a:cs typeface="Courier"/>
               </a:rPr>
-              <a:t>="http://</a:t>
-            </a:r>
-            <a:r>
-              <a:rPr lang="en-US" sz="1500" dirty="0" err="1">
-                <a:latin typeface="Courier"/>
-                <a:cs typeface="Courier"/>
-              </a:rPr>
-              <a:t>schemas.android.com</a:t>
-            </a:r>
-            <a:r>
-              <a:rPr lang="en-US" sz="1500" dirty="0">
-                <a:latin typeface="Courier"/>
-                <a:cs typeface="Courier"/>
-              </a:rPr>
-              <a:t>/</a:t>
-            </a:r>
-            <a:r>
-              <a:rPr lang="en-US" sz="1500" dirty="0" err="1">
-                <a:latin typeface="Courier"/>
-                <a:cs typeface="Courier"/>
-              </a:rPr>
-              <a:t>apk</a:t>
-            </a:r>
-            <a:r>
-              <a:rPr lang="en-US" sz="1500" dirty="0">
-                <a:latin typeface="Courier"/>
-                <a:cs typeface="Courier"/>
-              </a:rPr>
-              <a:t>/res/android"&gt;</a:t>
-            </a:r>
-          </a:p>
-          <a:p>
-            <a:r>
-              <a:rPr lang="en-US" sz="1500" dirty="0">
-                <a:latin typeface="Courier"/>
-                <a:cs typeface="Courier"/>
-              </a:rPr>
-              <a:t>  &lt;manifest&gt;</a:t>
-            </a:r>
-          </a:p>
-          <a:p>
-            <a:r>
-              <a:rPr lang="en-US" sz="1500" dirty="0">
-                <a:latin typeface="Courier"/>
-                <a:cs typeface="Courier"/>
-              </a:rPr>
-              <a:t>    &lt;activity</a:t>
-            </a:r>
-          </a:p>
-          <a:p>
-            <a:r>
-              <a:rPr lang="en-US" sz="1500" dirty="0">
-                <a:latin typeface="Courier"/>
-                <a:cs typeface="Courier"/>
-              </a:rPr>
-              <a:t>    </a:t>
-            </a:r>
-            <a:r>
-              <a:rPr lang="en-US" sz="1500" dirty="0" err="1">
-                <a:latin typeface="Courier"/>
-                <a:cs typeface="Courier"/>
-              </a:rPr>
-              <a:t>android:name</a:t>
-            </a:r>
-            <a:r>
-              <a:rPr lang="en-US" sz="1500" dirty="0">
-                <a:latin typeface="Courier"/>
-                <a:cs typeface="Courier"/>
-              </a:rPr>
               <a:t>="</a:t>
             </a:r>
             <a:r>
-              <a:rPr lang="en-US" sz="1500" dirty="0" err="1">
+              <a:rPr lang="en-US" sz="1500" dirty="0" err="1" smtClean="0">
                 <a:latin typeface="Courier"/>
                 <a:cs typeface="Courier"/>
               </a:rPr>
               <a:t>org.appcelerator.titanium.TiActivity</a:t>
             </a:r>
             <a:r>
-              <a:rPr lang="en-US" sz="1500" dirty="0">
-                <a:latin typeface="Courier"/>
-                <a:cs typeface="Courier"/>
-              </a:rPr>
-              <a:t>"</a:t>
-            </a:r>
-          </a:p>
-          <a:p>
-            <a:r>
-              <a:rPr lang="en-US" sz="1500" dirty="0">
-                <a:latin typeface="Courier"/>
-                <a:cs typeface="Courier"/>
-              </a:rPr>
-              <a:t>    </a:t>
-            </a:r>
-            <a:r>
-              <a:rPr lang="en-US" sz="1500" dirty="0" err="1">
-                <a:latin typeface="Courier"/>
-                <a:cs typeface="Courier"/>
-              </a:rPr>
-              <a:t>android:configChanges</a:t>
-            </a:r>
-            <a:r>
-              <a:rPr lang="en-US" sz="1500" dirty="0">
-                <a:latin typeface="Courier"/>
-                <a:cs typeface="Courier"/>
-              </a:rPr>
-              <a:t>="</a:t>
-            </a:r>
-            <a:r>
-              <a:rPr lang="en-US" sz="1500" dirty="0" err="1">
-                <a:latin typeface="Courier"/>
-                <a:cs typeface="Courier"/>
-              </a:rPr>
-              <a:t>keyboardHidden</a:t>
-            </a:r>
-            <a:r>
-              <a:rPr lang="en-US" sz="1500" dirty="0">
-                <a:latin typeface="Courier"/>
-                <a:cs typeface="Courier"/>
-              </a:rPr>
-              <a:t>"</a:t>
-            </a:r>
-          </a:p>
-          <a:p>
-            <a:r>
-              <a:rPr lang="en-US" sz="1500" dirty="0">
-                <a:latin typeface="Courier"/>
-                <a:cs typeface="Courier"/>
-              </a:rPr>
-              <a:t>       </a:t>
-            </a:r>
-            <a:r>
-              <a:rPr lang="en-US" sz="1500" dirty="0" err="1">
-                <a:latin typeface="Courier"/>
-                <a:cs typeface="Courier"/>
-              </a:rPr>
-              <a:t>android:screenOrientation</a:t>
-            </a:r>
-            <a:r>
-              <a:rPr lang="en-US" sz="1500" dirty="0">
-                <a:latin typeface="Courier"/>
-                <a:cs typeface="Courier"/>
-              </a:rPr>
-              <a:t>="portrait”</a:t>
-            </a:r>
-          </a:p>
-          <a:p>
-            <a:r>
-              <a:rPr lang="en-US" sz="1500" dirty="0">
-                <a:latin typeface="Courier"/>
-                <a:cs typeface="Courier"/>
-              </a:rPr>
-              <a:t>    /&gt;</a:t>
-            </a:r>
-          </a:p>
-          <a:p>
-            <a:r>
-              <a:rPr lang="en-US" sz="1500" dirty="0">
-                <a:latin typeface="Courier"/>
-                <a:cs typeface="Courier"/>
-              </a:rPr>
-              <a:t>    &lt;activity </a:t>
-            </a:r>
-            <a:r>
-              <a:rPr lang="en-US" sz="1500" dirty="0" err="1">
-                <a:latin typeface="Courier"/>
-                <a:cs typeface="Courier"/>
-              </a:rPr>
-              <a:t>android:name</a:t>
-            </a:r>
-            <a:r>
-              <a:rPr lang="en-US" sz="1500" dirty="0">
-                <a:latin typeface="Courier"/>
-                <a:cs typeface="Courier"/>
-              </a:rPr>
-              <a:t>="</a:t>
-            </a:r>
-            <a:r>
-              <a:rPr lang="en-US" sz="1500" dirty="0" err="1">
-                <a:latin typeface="Courier"/>
-                <a:cs typeface="Courier"/>
-              </a:rPr>
-              <a:t>ti.modules.titanium.ui.TiTabActivity</a:t>
-            </a:r>
-            <a:r>
-              <a:rPr lang="en-US" sz="1500" dirty="0">
-                <a:latin typeface="Courier"/>
-                <a:cs typeface="Courier"/>
-              </a:rPr>
-              <a:t>"</a:t>
-            </a:r>
-          </a:p>
-          <a:p>
-            <a:r>
-              <a:rPr lang="en-US" sz="1500" dirty="0">
-                <a:latin typeface="Courier"/>
-                <a:cs typeface="Courier"/>
-              </a:rPr>
-              <a:t>      </a:t>
-            </a:r>
-            <a:r>
-              <a:rPr lang="en-US" sz="1500" dirty="0" err="1">
-                <a:latin typeface="Courier"/>
-                <a:cs typeface="Courier"/>
-              </a:rPr>
-              <a:t>android:configChanges</a:t>
-            </a:r>
-            <a:r>
-              <a:rPr lang="en-US" sz="1500" dirty="0">
-                <a:latin typeface="Courier"/>
-                <a:cs typeface="Courier"/>
-              </a:rPr>
-              <a:t>="</a:t>
-            </a:r>
-            <a:r>
-              <a:rPr lang="en-US" sz="1500" dirty="0" err="1" smtClean="0">
-                <a:latin typeface="Courier"/>
-                <a:cs typeface="Courier"/>
-              </a:rPr>
-              <a:t>keyboardHidden</a:t>
-            </a:r>
-            <a:r>
               <a:rPr lang="en-US" sz="1500" dirty="0" smtClean="0">
                 <a:latin typeface="Courier"/>
                 <a:cs typeface="Courier"/>
               </a:rPr>
-              <a:t>"</a:t>
+              <a:t>”</a:t>
             </a:r>
             <a:endParaRPr lang="en-US" sz="1500" dirty="0">
               <a:latin typeface="Courier"/>
@@ -11306,29 +11614,176 @@
           </a:p>
           <a:p>
             <a:r>
+              <a:rPr lang="en-US" sz="1500" dirty="0" smtClean="0">
+                <a:latin typeface="Courier"/>
+                <a:cs typeface="Courier"/>
+              </a:rPr>
+              <a:t>  </a:t>
+            </a:r>
+            <a:r>
+              <a:rPr lang="en-US" sz="1500" dirty="0" err="1">
+                <a:latin typeface="Courier"/>
+                <a:cs typeface="Courier"/>
+              </a:rPr>
+              <a:t>android:configChanges</a:t>
+            </a:r>
+            <a:r>
               <a:rPr lang="en-US" sz="1500" dirty="0">
                 <a:latin typeface="Courier"/>
                 <a:cs typeface="Courier"/>
               </a:rPr>
-              <a:t>    /&gt;</a:t>
-            </a:r>
-          </a:p>
-          <a:p>
+              <a:t>="</a:t>
+            </a:r>
+            <a:r>
+              <a:rPr lang="en-US" sz="1500" dirty="0" err="1" smtClean="0">
+                <a:latin typeface="Courier"/>
+                <a:cs typeface="Courier"/>
+              </a:rPr>
+              <a:t>keyboardHidden</a:t>
+            </a:r>
+            <a:r>
+              <a:rPr lang="en-US" sz="1500" dirty="0" smtClean="0">
+                <a:latin typeface="Courier"/>
+                <a:cs typeface="Courier"/>
+              </a:rPr>
+              <a:t>”</a:t>
+            </a:r>
+            <a:endParaRPr lang="en-US" sz="1500" dirty="0">
+              <a:latin typeface="Courier"/>
+              <a:cs typeface="Courier"/>
+            </a:endParaRPr>
+          </a:p>
+          <a:p>
+            <a:r>
+              <a:rPr lang="en-US" sz="1500" dirty="0" smtClean="0">
+                <a:latin typeface="Courier"/>
+                <a:cs typeface="Courier"/>
+              </a:rPr>
+              <a:t>    </a:t>
+            </a:r>
+            <a:r>
+              <a:rPr lang="en-US" sz="1500" dirty="0" err="1">
+                <a:latin typeface="Courier"/>
+                <a:cs typeface="Courier"/>
+              </a:rPr>
+              <a:t>android:screenOrientation</a:t>
+            </a:r>
             <a:r>
               <a:rPr lang="en-US" sz="1500" dirty="0">
                 <a:latin typeface="Courier"/>
                 <a:cs typeface="Courier"/>
               </a:rPr>
-              <a:t>  &lt;/manifest&gt;</a:t>
-            </a:r>
-          </a:p>
-          <a:p>
+              <a:t>="portrait”</a:t>
+            </a:r>
+          </a:p>
+          <a:p>
+            <a:r>
+              <a:rPr lang="en-US" sz="1500" dirty="0" smtClean="0">
+                <a:latin typeface="Courier"/>
+                <a:cs typeface="Courier"/>
+              </a:rPr>
+              <a:t>/</a:t>
+            </a:r>
             <a:r>
               <a:rPr lang="en-US" sz="1500" dirty="0">
                 <a:latin typeface="Courier"/>
                 <a:cs typeface="Courier"/>
               </a:rPr>
-              <a:t>&lt;/android&gt;</a:t>
+              <a:t>&gt;</a:t>
+            </a:r>
+          </a:p>
+          <a:p>
+            <a:r>
+              <a:rPr lang="en-US" sz="1500" dirty="0" smtClean="0">
+                <a:latin typeface="Courier"/>
+                <a:cs typeface="Courier"/>
+              </a:rPr>
+              <a:t>&lt;</a:t>
+            </a:r>
+            <a:r>
+              <a:rPr lang="en-US" sz="1500" dirty="0">
+                <a:latin typeface="Courier"/>
+                <a:cs typeface="Courier"/>
+              </a:rPr>
+              <a:t>activity </a:t>
+            </a:r>
+            <a:r>
+              <a:rPr lang="en-US" sz="1500" dirty="0" err="1">
+                <a:latin typeface="Courier"/>
+                <a:cs typeface="Courier"/>
+              </a:rPr>
+              <a:t>android:name</a:t>
+            </a:r>
+            <a:r>
+              <a:rPr lang="en-US" sz="1500" dirty="0">
+                <a:latin typeface="Courier"/>
+                <a:cs typeface="Courier"/>
+              </a:rPr>
+              <a:t>="</a:t>
+            </a:r>
+            <a:r>
+              <a:rPr lang="en-US" sz="1500" dirty="0" err="1">
+                <a:latin typeface="Courier"/>
+                <a:cs typeface="Courier"/>
+              </a:rPr>
+              <a:t>ti.modules.titanium.ui.TiTabActivity</a:t>
+            </a:r>
+            <a:r>
+              <a:rPr lang="en-US" sz="1500" dirty="0">
+                <a:latin typeface="Courier"/>
+                <a:cs typeface="Courier"/>
+              </a:rPr>
+              <a:t>"</a:t>
+            </a:r>
+          </a:p>
+          <a:p>
+            <a:r>
+              <a:rPr lang="en-US" sz="1500" dirty="0" smtClean="0">
+                <a:latin typeface="Courier"/>
+                <a:cs typeface="Courier"/>
+              </a:rPr>
+              <a:t>  </a:t>
+            </a:r>
+            <a:r>
+              <a:rPr lang="en-US" sz="1500" dirty="0" err="1" smtClean="0">
+                <a:latin typeface="Courier"/>
+                <a:cs typeface="Courier"/>
+              </a:rPr>
+              <a:t>android:configChanges</a:t>
+            </a:r>
+            <a:r>
+              <a:rPr lang="en-US" sz="1500" dirty="0">
+                <a:latin typeface="Courier"/>
+                <a:cs typeface="Courier"/>
+              </a:rPr>
+              <a:t>="</a:t>
+            </a:r>
+            <a:r>
+              <a:rPr lang="en-US" sz="1500" dirty="0" err="1" smtClean="0">
+                <a:latin typeface="Courier"/>
+                <a:cs typeface="Courier"/>
+              </a:rPr>
+              <a:t>keyboardHidden</a:t>
+            </a:r>
+            <a:r>
+              <a:rPr lang="en-US" sz="1500" dirty="0" smtClean="0">
+                <a:latin typeface="Courier"/>
+                <a:cs typeface="Courier"/>
+              </a:rPr>
+              <a:t>”</a:t>
+            </a:r>
+            <a:endParaRPr lang="en-US" sz="1500" dirty="0">
+              <a:latin typeface="Courier"/>
+              <a:cs typeface="Courier"/>
+            </a:endParaRPr>
+          </a:p>
+          <a:p>
+            <a:r>
+              <a:rPr lang="en-US" sz="1500" dirty="0" smtClean="0">
+                <a:latin typeface="Courier"/>
+                <a:cs typeface="Courier"/>
+              </a:rPr>
+              <a:t>/&gt;</a:t>
             </a:r>
             <a:endParaRPr lang="en-US" sz="1500" dirty="0">
               <a:latin typeface="Courier"/>
@@ -11340,7 +11795,7 @@
     </p:spTree>
     <p:extLst>
       <p:ext uri="{BB962C8B-B14F-4D97-AF65-F5344CB8AC3E}">
-        <p14:creationId xmlns:p14="http://schemas.microsoft.com/office/powerpoint/2010/main" val="2313597669"/>
+        <p14:creationId xmlns:p14="http://schemas.microsoft.com/office/powerpoint/2010/main" val="1932435474"/>
       </p:ext>
     </p:extLst>
   </p:cSld>
@@ -11422,7 +11877,15 @@
             </a:pPr>
             <a:r>
               <a:rPr lang="en-US" u="sng" dirty="0" smtClean="0"/>
-              <a:t>Option 2 - Android manifest file</a:t>
+              <a:t>Option 3 - Android manifest file</a:t>
+            </a:r>
+            <a:r>
+              <a:rPr lang="en-US" dirty="0" smtClean="0"/>
+              <a:t> – </a:t>
+            </a:r>
+            <a:r>
+              <a:rPr lang="en-US" i="1" dirty="0" smtClean="0"/>
+              <a:t>deprecated</a:t>
             </a:r>
           </a:p>
           <a:p>
@@ -11470,15 +11933,15 @@
             </a:r>
             <a:r>
               <a:rPr lang="en-US" sz="2000" dirty="0" smtClean="0"/>
-              <a:t>	</a:t>
+              <a:t>	  build/</a:t>
             </a:r>
             <a:r>
               <a:rPr lang="en-US" sz="2000" dirty="0"/>
-              <a:t>Resources/android/</a:t>
+              <a:t>android/</a:t>
             </a:r>
             <a:r>
               <a:rPr lang="en-US" sz="2000" dirty="0" err="1" smtClean="0"/>
-              <a:t>AndroidManifest.xml</a:t>
+              <a:t>AndroidManifest.custom.xml</a:t>
             </a:r>
             <a:endParaRPr lang="en-US" sz="2000" dirty="0"/>
           </a:p>
@@ -11793,7 +12256,7 @@
     </p:spTree>
     <p:extLst>
       <p:ext uri="{BB962C8B-B14F-4D97-AF65-F5344CB8AC3E}">
-        <p14:creationId xmlns:p14="http://schemas.microsoft.com/office/powerpoint/2010/main" val="1932435474"/>
+        <p14:creationId xmlns:p14="http://schemas.microsoft.com/office/powerpoint/2010/main" val="3190066946"/>
       </p:ext>
     </p:extLst>
   </p:cSld>
@@ -11844,7 +12307,11 @@
           <a:p>
             <a:r>
               <a:rPr lang="en-US" dirty="0" smtClean="0"/>
-              <a:t>Locking Orientation - Android</a:t>
+              <a:t>Fixed </a:t>
+            </a:r>
+            <a:r>
+              <a:rPr lang="en-US" dirty="0" smtClean="0"/>
+              <a:t>Orientation per Window</a:t>
             </a:r>
             <a:endParaRPr lang="en-US" dirty="0"/>
           </a:p>
@@ -11874,387 +12341,607 @@
               <a:buNone/>
             </a:pPr>
             <a:r>
-              <a:rPr lang="en-US" u="sng" dirty="0" smtClean="0"/>
-              <a:t>Option 3 - Android manifest file</a:t>
-            </a:r>
-            <a:r>
-              <a:rPr lang="en-US" dirty="0" smtClean="0"/>
-              <a:t> – </a:t>
-            </a:r>
-            <a:r>
-              <a:rPr lang="en-US" i="1" dirty="0" smtClean="0"/>
-              <a:t>deprecated</a:t>
-            </a:r>
-          </a:p>
-          <a:p>
-            <a:pPr>
+              <a:rPr lang="en-US" dirty="0" err="1" smtClean="0"/>
+              <a:t>Ti.UI.</a:t>
+            </a:r>
+            <a:r>
+              <a:rPr lang="en-US" i="1" dirty="0" err="1" smtClean="0"/>
+              <a:t>orientation</a:t>
+            </a:r>
+            <a:endParaRPr lang="en-US" dirty="0"/>
+          </a:p>
+          <a:p>
+            <a:pPr lvl="1">
               <a:spcBef>
                 <a:spcPts val="600"/>
               </a:spcBef>
-              <a:buClrTx/>
               <a:buFontTx/>
               <a:buNone/>
             </a:pPr>
             <a:r>
-              <a:rPr lang="en-US" sz="2000" dirty="0"/>
-              <a:t>	- Copy </a:t>
-            </a:r>
-            <a:r>
-              <a:rPr lang="en-US" sz="2000" dirty="0" smtClean="0"/>
-              <a:t>build</a:t>
-            </a:r>
-            <a:r>
-              <a:rPr lang="en-US" sz="2000" dirty="0"/>
-              <a:t>/android/</a:t>
-            </a:r>
-            <a:r>
-              <a:rPr lang="en-US" sz="2000" dirty="0" err="1" smtClean="0"/>
-              <a:t>AndroidManifest.xml</a:t>
-            </a:r>
-            <a:r>
-              <a:rPr lang="en-US" sz="2000" dirty="0" smtClean="0"/>
-              <a:t> to</a:t>
-            </a:r>
-          </a:p>
-          <a:p>
-            <a:pPr>
+              <a:rPr lang="en-US" dirty="0" smtClean="0"/>
+              <a:t>Supported values include:</a:t>
+            </a:r>
+          </a:p>
+          <a:p>
+            <a:pPr marL="800100" lvl="1" indent="-342900">
               <a:spcBef>
                 <a:spcPts val="600"/>
               </a:spcBef>
-              <a:buClrTx/>
-              <a:buFontTx/>
-              <a:buNone/>
+              <a:buFont typeface="Arial"/>
+              <a:buChar char="•"/>
             </a:pPr>
             <a:r>
-              <a:rPr lang="en-US" sz="2000" dirty="0"/>
-              <a:t>	</a:t>
-            </a:r>
-            <a:r>
-              <a:rPr lang="en-US" sz="2000" dirty="0" smtClean="0"/>
-              <a:t>	  build/</a:t>
-            </a:r>
-            <a:r>
-              <a:rPr lang="en-US" sz="2000" dirty="0"/>
-              <a:t>android/</a:t>
-            </a:r>
-            <a:r>
-              <a:rPr lang="en-US" sz="2000" dirty="0" err="1" smtClean="0"/>
-              <a:t>AndroidManifest.custom.xml</a:t>
-            </a:r>
-            <a:endParaRPr lang="en-US" sz="2000" dirty="0"/>
-          </a:p>
-          <a:p>
-            <a:pPr>
+              <a:rPr lang="en-US" sz="1800" dirty="0" smtClean="0"/>
+              <a:t>PORTRAIT / UPSIDE_PORTRAIT</a:t>
+            </a:r>
+          </a:p>
+          <a:p>
+            <a:pPr marL="800100" lvl="1" indent="-342900">
               <a:spcBef>
                 <a:spcPts val="600"/>
               </a:spcBef>
-              <a:buClrTx/>
-              <a:buFontTx/>
-              <a:buNone/>
+              <a:buFont typeface="Arial"/>
+              <a:buChar char="•"/>
             </a:pPr>
             <a:r>
-              <a:rPr lang="en-US" sz="2000" dirty="0"/>
-              <a:t>	- remove “</a:t>
-            </a:r>
-            <a:r>
-              <a:rPr lang="en-US" sz="2000" dirty="0">
-                <a:latin typeface="Courier"/>
-                <a:cs typeface="Courier"/>
-              </a:rPr>
-              <a:t>|orientation</a:t>
-            </a:r>
-            <a:r>
-              <a:rPr lang="en-US" sz="2000" dirty="0"/>
-              <a:t>” from every node</a:t>
-            </a:r>
+              <a:rPr lang="en-US" sz="1800" dirty="0" smtClean="0"/>
+              <a:t>LANDSCAPE_LEFT / LANDSCAPE_RIGHT</a:t>
+            </a:r>
+          </a:p>
+          <a:p>
+            <a:pPr marL="800100" lvl="1" indent="-342900">
+              <a:spcBef>
+                <a:spcPts val="600"/>
+              </a:spcBef>
+              <a:buFont typeface="Arial"/>
+              <a:buChar char="•"/>
+            </a:pPr>
+            <a:r>
+              <a:rPr lang="en-US" sz="1800" dirty="0" smtClean="0"/>
+              <a:t>FACE_UP / FACE_DOWN</a:t>
+            </a:r>
+          </a:p>
+          <a:p>
+            <a:pPr marL="800100" lvl="1" indent="-342900">
+              <a:spcBef>
+                <a:spcPts val="600"/>
+              </a:spcBef>
+              <a:buFont typeface="Arial"/>
+              <a:buChar char="•"/>
+            </a:pPr>
+            <a:endParaRPr lang="en-US" sz="1800" dirty="0"/>
+          </a:p>
+          <a:p>
+            <a:pPr lvl="1">
+              <a:spcBef>
+                <a:spcPts val="600"/>
+              </a:spcBef>
+            </a:pPr>
+            <a:r>
+              <a:rPr lang="en-US" sz="1800" dirty="0" smtClean="0">
+                <a:latin typeface="Courier"/>
+                <a:cs typeface="Courier"/>
+              </a:rPr>
+              <a:t>	</a:t>
+            </a:r>
+            <a:endParaRPr lang="en-US" sz="1800" dirty="0">
+              <a:latin typeface="Courier"/>
+              <a:cs typeface="Courier"/>
+            </a:endParaRPr>
           </a:p>
         </p:txBody>
       </p:sp>
-      <p:sp>
-        <p:nvSpPr>
-          <p:cNvPr id="4" name="TextBox 3"/>
-          <p:cNvSpPr txBox="1"/>
+      <p:pic>
+        <p:nvPicPr>
+          <p:cNvPr id="6" name="Picture 36" descr="tv_advert.png"/>
+          <p:cNvPicPr>
+            <a:picLocks noChangeAspect="1"/>
+          </p:cNvPicPr>
           <p:nvPr/>
-        </p:nvSpPr>
-        <p:spPr>
+        </p:nvPicPr>
+        <p:blipFill>
+          <a:blip r:embed="rId3">
+            <a:extLst>
+              <a:ext uri="{28A0092B-C50C-407E-A947-70E740481C1C}">
+                <a14:useLocalDpi xmlns:a14="http://schemas.microsoft.com/office/drawing/2010/main" val="0"/>
+              </a:ext>
+            </a:extLst>
+          </a:blip>
+          <a:srcRect/>
+          <a:stretch>
+            <a:fillRect/>
+          </a:stretch>
+        </p:blipFill>
+        <p:spPr bwMode="auto">
           <a:xfrm>
-            <a:off x="217714" y="3565970"/>
-            <a:ext cx="8781143" cy="1938992"/>
+            <a:off x="8543606" y="0"/>
+            <a:ext cx="480315" cy="481263"/>
           </a:xfrm>
           <a:prstGeom prst="rect">
             <a:avLst/>
           </a:prstGeom>
-          <a:solidFill>
-            <a:schemeClr val="bg1"/>
-          </a:solidFill>
-          <a:effectLst>
-            <a:outerShdw blurRad="50800" dist="38100" dir="2700000" algn="tl" rotWithShape="0">
-              <a:prstClr val="black">
-                <a:alpha val="40000"/>
-              </a:prstClr>
-            </a:outerShdw>
-          </a:effectLst>
+          <a:noFill/>
+          <a:ln>
+            <a:noFill/>
+          </a:ln>
+          <a:extLst>
+            <a:ext uri="{909E8E84-426E-40dd-AFC4-6F175D3DCCD1}">
+              <a14:hiddenFill xmlns:a14="http://schemas.microsoft.com/office/drawing/2010/main">
+                <a:solidFill>
+                  <a:srgbClr val="FFFFFF"/>
+                </a:solidFill>
+              </a14:hiddenFill>
+            </a:ext>
+            <a:ext uri="{91240B29-F687-4f45-9708-019B960494DF}">
+              <a14:hiddenLine xmlns:a14="http://schemas.microsoft.com/office/drawing/2010/main" w="9525">
+                <a:solidFill>
+                  <a:srgbClr val="000000"/>
+                </a:solidFill>
+                <a:miter lim="800000"/>
+                <a:headEnd/>
+                <a:tailEnd/>
+              </a14:hiddenLine>
+            </a:ext>
+          </a:extLst>
         </p:spPr>
-        <p:style>
-          <a:lnRef idx="2">
-            <a:schemeClr val="accent2"/>
-          </a:lnRef>
-          <a:fillRef idx="1">
-            <a:schemeClr val="lt1"/>
-          </a:fillRef>
-          <a:effectRef idx="0">
-            <a:schemeClr val="accent2"/>
-          </a:effectRef>
-          <a:fontRef idx="minor">
-            <a:schemeClr val="dk1"/>
-          </a:fontRef>
-        </p:style>
-        <p:txBody>
-          <a:bodyPr wrap="square" rtlCol="0">
-            <a:spAutoFit/>
-          </a:bodyPr>
-          <a:lstStyle/>
-          <a:p>
-            <a:r>
-              <a:rPr lang="en-US" sz="1500" dirty="0" smtClean="0">
-                <a:latin typeface="Courier"/>
-                <a:cs typeface="Courier"/>
-              </a:rPr>
-              <a:t>&lt;</a:t>
-            </a:r>
-            <a:r>
-              <a:rPr lang="en-US" sz="1500" dirty="0">
-                <a:latin typeface="Courier"/>
-                <a:cs typeface="Courier"/>
-              </a:rPr>
-              <a:t>activity</a:t>
-            </a:r>
-          </a:p>
-          <a:p>
-            <a:r>
-              <a:rPr lang="en-US" sz="1500" dirty="0" smtClean="0">
-                <a:latin typeface="Courier"/>
-                <a:cs typeface="Courier"/>
-              </a:rPr>
-              <a:t>  </a:t>
-            </a:r>
-            <a:r>
-              <a:rPr lang="en-US" sz="1500" dirty="0" err="1">
-                <a:latin typeface="Courier"/>
-                <a:cs typeface="Courier"/>
-              </a:rPr>
-              <a:t>android:name</a:t>
-            </a:r>
-            <a:r>
-              <a:rPr lang="en-US" sz="1500" dirty="0">
-                <a:latin typeface="Courier"/>
-                <a:cs typeface="Courier"/>
-              </a:rPr>
-              <a:t>="</a:t>
-            </a:r>
-            <a:r>
-              <a:rPr lang="en-US" sz="1500" dirty="0" err="1" smtClean="0">
-                <a:latin typeface="Courier"/>
-                <a:cs typeface="Courier"/>
-              </a:rPr>
-              <a:t>org.appcelerator.titanium.TiActivity</a:t>
-            </a:r>
-            <a:r>
-              <a:rPr lang="en-US" sz="1500" dirty="0" smtClean="0">
-                <a:latin typeface="Courier"/>
-                <a:cs typeface="Courier"/>
-              </a:rPr>
-              <a:t>”</a:t>
-            </a:r>
-            <a:endParaRPr lang="en-US" sz="1500" dirty="0">
-              <a:latin typeface="Courier"/>
-              <a:cs typeface="Courier"/>
-            </a:endParaRPr>
-          </a:p>
-          <a:p>
-            <a:r>
-              <a:rPr lang="en-US" sz="1500" dirty="0" smtClean="0">
-                <a:latin typeface="Courier"/>
-                <a:cs typeface="Courier"/>
-              </a:rPr>
-              <a:t>  </a:t>
-            </a:r>
-            <a:r>
-              <a:rPr lang="en-US" sz="1500" dirty="0" err="1">
-                <a:latin typeface="Courier"/>
-                <a:cs typeface="Courier"/>
-              </a:rPr>
-              <a:t>android:configChanges</a:t>
-            </a:r>
-            <a:r>
-              <a:rPr lang="en-US" sz="1500" dirty="0">
-                <a:latin typeface="Courier"/>
-                <a:cs typeface="Courier"/>
-              </a:rPr>
-              <a:t>="</a:t>
-            </a:r>
-            <a:r>
-              <a:rPr lang="en-US" sz="1500" dirty="0" err="1" smtClean="0">
-                <a:latin typeface="Courier"/>
-                <a:cs typeface="Courier"/>
-              </a:rPr>
-              <a:t>keyboardHidden</a:t>
-            </a:r>
-            <a:r>
-              <a:rPr lang="en-US" sz="1500" dirty="0" smtClean="0">
-                <a:latin typeface="Courier"/>
-                <a:cs typeface="Courier"/>
-              </a:rPr>
-              <a:t>”</a:t>
-            </a:r>
-            <a:endParaRPr lang="en-US" sz="1500" dirty="0">
-              <a:latin typeface="Courier"/>
-              <a:cs typeface="Courier"/>
-            </a:endParaRPr>
-          </a:p>
-          <a:p>
-            <a:r>
-              <a:rPr lang="en-US" sz="1500" dirty="0" smtClean="0">
-                <a:latin typeface="Courier"/>
-                <a:cs typeface="Courier"/>
-              </a:rPr>
-              <a:t>    </a:t>
-            </a:r>
-            <a:r>
-              <a:rPr lang="en-US" sz="1500" dirty="0" err="1">
-                <a:latin typeface="Courier"/>
-                <a:cs typeface="Courier"/>
-              </a:rPr>
-              <a:t>android:screenOrientation</a:t>
-            </a:r>
-            <a:r>
-              <a:rPr lang="en-US" sz="1500" dirty="0">
-                <a:latin typeface="Courier"/>
-                <a:cs typeface="Courier"/>
-              </a:rPr>
-              <a:t>="portrait”</a:t>
-            </a:r>
-          </a:p>
-          <a:p>
-            <a:r>
-              <a:rPr lang="en-US" sz="1500" dirty="0" smtClean="0">
-                <a:latin typeface="Courier"/>
-                <a:cs typeface="Courier"/>
-              </a:rPr>
-              <a:t>/</a:t>
-            </a:r>
-            <a:r>
-              <a:rPr lang="en-US" sz="1500" dirty="0">
-                <a:latin typeface="Courier"/>
-                <a:cs typeface="Courier"/>
-              </a:rPr>
-              <a:t>&gt;</a:t>
-            </a:r>
-          </a:p>
-          <a:p>
-            <a:r>
-              <a:rPr lang="en-US" sz="1500" dirty="0" smtClean="0">
-                <a:latin typeface="Courier"/>
-                <a:cs typeface="Courier"/>
-              </a:rPr>
-              <a:t>&lt;</a:t>
-            </a:r>
-            <a:r>
-              <a:rPr lang="en-US" sz="1500" dirty="0">
-                <a:latin typeface="Courier"/>
-                <a:cs typeface="Courier"/>
-              </a:rPr>
-              <a:t>activity </a:t>
-            </a:r>
-            <a:r>
-              <a:rPr lang="en-US" sz="1500" dirty="0" err="1">
-                <a:latin typeface="Courier"/>
-                <a:cs typeface="Courier"/>
-              </a:rPr>
-              <a:t>android:name</a:t>
-            </a:r>
-            <a:r>
-              <a:rPr lang="en-US" sz="1500" dirty="0">
-                <a:latin typeface="Courier"/>
-                <a:cs typeface="Courier"/>
-              </a:rPr>
-              <a:t>="</a:t>
-            </a:r>
-            <a:r>
-              <a:rPr lang="en-US" sz="1500" dirty="0" err="1">
-                <a:latin typeface="Courier"/>
-                <a:cs typeface="Courier"/>
-              </a:rPr>
-              <a:t>ti.modules.titanium.ui.TiTabActivity</a:t>
-            </a:r>
-            <a:r>
-              <a:rPr lang="en-US" sz="1500" dirty="0">
-                <a:latin typeface="Courier"/>
-                <a:cs typeface="Courier"/>
-              </a:rPr>
-              <a:t>"</a:t>
-            </a:r>
-          </a:p>
-          <a:p>
-            <a:r>
-              <a:rPr lang="en-US" sz="1500" dirty="0" smtClean="0">
-                <a:latin typeface="Courier"/>
-                <a:cs typeface="Courier"/>
-              </a:rPr>
-              <a:t>  </a:t>
-            </a:r>
-            <a:r>
-              <a:rPr lang="en-US" sz="1500" dirty="0" err="1" smtClean="0">
-                <a:latin typeface="Courier"/>
-                <a:cs typeface="Courier"/>
-              </a:rPr>
-              <a:t>android:configChanges</a:t>
-            </a:r>
-            <a:r>
-              <a:rPr lang="en-US" sz="1500" dirty="0">
-                <a:latin typeface="Courier"/>
-                <a:cs typeface="Courier"/>
-              </a:rPr>
-              <a:t>="</a:t>
-            </a:r>
-            <a:r>
-              <a:rPr lang="en-US" sz="1500" dirty="0" err="1" smtClean="0">
-                <a:latin typeface="Courier"/>
-                <a:cs typeface="Courier"/>
-              </a:rPr>
-              <a:t>keyboardHidden</a:t>
-            </a:r>
-            <a:r>
-              <a:rPr lang="en-US" sz="1500" dirty="0" smtClean="0">
-                <a:latin typeface="Courier"/>
-                <a:cs typeface="Courier"/>
-              </a:rPr>
-              <a:t>”</a:t>
-            </a:r>
-            <a:endParaRPr lang="en-US" sz="1500" dirty="0">
-              <a:latin typeface="Courier"/>
-              <a:cs typeface="Courier"/>
-            </a:endParaRPr>
-          </a:p>
-          <a:p>
-            <a:r>
-              <a:rPr lang="en-US" sz="1500" dirty="0" smtClean="0">
-                <a:latin typeface="Courier"/>
-                <a:cs typeface="Courier"/>
-              </a:rPr>
-              <a:t>/&gt;</a:t>
-            </a:r>
-            <a:endParaRPr lang="en-US" sz="1500" dirty="0">
-              <a:latin typeface="Courier"/>
-              <a:cs typeface="Courier"/>
-            </a:endParaRPr>
-          </a:p>
-        </p:txBody>
-      </p:sp>
+      </p:pic>
+      <p:grpSp>
+        <p:nvGrpSpPr>
+          <p:cNvPr id="9" name="Group 8"/>
+          <p:cNvGrpSpPr/>
+          <p:nvPr/>
+        </p:nvGrpSpPr>
+        <p:grpSpPr>
+          <a:xfrm>
+            <a:off x="1769822" y="3489105"/>
+            <a:ext cx="5330083" cy="937503"/>
+            <a:chOff x="1769822" y="3489105"/>
+            <a:chExt cx="5330083" cy="937503"/>
+          </a:xfrm>
+        </p:grpSpPr>
+        <p:sp>
+          <p:nvSpPr>
+            <p:cNvPr id="4" name="TextBox 3"/>
+            <p:cNvSpPr txBox="1"/>
+            <p:nvPr/>
+          </p:nvSpPr>
+          <p:spPr>
+            <a:xfrm>
+              <a:off x="1947334" y="3641778"/>
+              <a:ext cx="5152571" cy="784830"/>
+            </a:xfrm>
+            <a:prstGeom prst="rect">
+              <a:avLst/>
+            </a:prstGeom>
+            <a:solidFill>
+              <a:schemeClr val="bg1"/>
+            </a:solidFill>
+            <a:effectLst>
+              <a:outerShdw blurRad="50800" dist="38100" dir="2700000" algn="tl" rotWithShape="0">
+                <a:prstClr val="black">
+                  <a:alpha val="40000"/>
+                </a:prstClr>
+              </a:outerShdw>
+            </a:effectLst>
+          </p:spPr>
+          <p:style>
+            <a:lnRef idx="2">
+              <a:schemeClr val="accent2"/>
+            </a:lnRef>
+            <a:fillRef idx="1">
+              <a:schemeClr val="lt1"/>
+            </a:fillRef>
+            <a:effectRef idx="0">
+              <a:schemeClr val="accent2"/>
+            </a:effectRef>
+            <a:fontRef idx="minor">
+              <a:schemeClr val="dk1"/>
+            </a:fontRef>
+          </p:style>
+          <p:txBody>
+            <a:bodyPr wrap="square" rtlCol="0">
+              <a:spAutoFit/>
+            </a:bodyPr>
+            <a:lstStyle/>
+            <a:p>
+              <a:endParaRPr lang="en-US" sz="1500" dirty="0" smtClean="0">
+                <a:latin typeface="Courier"/>
+                <a:cs typeface="Courier"/>
+              </a:endParaRPr>
+            </a:p>
+            <a:p>
+              <a:r>
+                <a:rPr lang="en-US" sz="1500" dirty="0" smtClean="0">
+                  <a:latin typeface="Courier"/>
+                  <a:cs typeface="Courier"/>
+                </a:rPr>
+                <a:t> </a:t>
+              </a:r>
+              <a:r>
+                <a:rPr lang="en-US" sz="1500" dirty="0" err="1" smtClean="0">
+                  <a:latin typeface="Courier"/>
+                  <a:cs typeface="Courier"/>
+                </a:rPr>
+                <a:t>Ti.UI.orientation</a:t>
+              </a:r>
+              <a:r>
+                <a:rPr lang="en-US" sz="1500" dirty="0" smtClean="0">
+                  <a:latin typeface="Courier"/>
+                  <a:cs typeface="Courier"/>
+                </a:rPr>
+                <a:t> </a:t>
+              </a:r>
+              <a:r>
+                <a:rPr lang="en-US" sz="1500" dirty="0">
+                  <a:latin typeface="Courier"/>
+                  <a:cs typeface="Courier"/>
+                </a:rPr>
+                <a:t>= </a:t>
+              </a:r>
+              <a:r>
+                <a:rPr lang="en-US" sz="1500" dirty="0" err="1" smtClean="0">
+                  <a:latin typeface="Courier"/>
+                  <a:cs typeface="Courier"/>
+                </a:rPr>
+                <a:t>Ti.UI.PORTRAIT</a:t>
+              </a:r>
+              <a:endParaRPr lang="en-US" sz="1500" dirty="0" smtClean="0">
+                <a:latin typeface="Courier"/>
+                <a:cs typeface="Courier"/>
+              </a:endParaRPr>
+            </a:p>
+            <a:p>
+              <a:r>
+                <a:rPr lang="en-US" sz="1500" dirty="0" smtClean="0">
+                  <a:latin typeface="Courier"/>
+                  <a:cs typeface="Courier"/>
+                </a:rPr>
+                <a:t> </a:t>
+              </a:r>
+              <a:endParaRPr lang="en-US" sz="1500" dirty="0">
+                <a:latin typeface="Courier"/>
+                <a:cs typeface="Courier"/>
+              </a:endParaRPr>
+            </a:p>
+          </p:txBody>
+        </p:sp>
+        <p:sp>
+          <p:nvSpPr>
+            <p:cNvPr id="7" name="Oval 6"/>
+            <p:cNvSpPr/>
+            <p:nvPr/>
+          </p:nvSpPr>
+          <p:spPr>
+            <a:xfrm>
+              <a:off x="1769822" y="3489105"/>
+              <a:ext cx="355023" cy="339566"/>
+            </a:xfrm>
+            <a:prstGeom prst="ellipse">
+              <a:avLst/>
+            </a:prstGeom>
+          </p:spPr>
+          <p:style>
+            <a:lnRef idx="1">
+              <a:schemeClr val="accent1"/>
+            </a:lnRef>
+            <a:fillRef idx="3">
+              <a:schemeClr val="accent1"/>
+            </a:fillRef>
+            <a:effectRef idx="2">
+              <a:schemeClr val="accent1"/>
+            </a:effectRef>
+            <a:fontRef idx="minor">
+              <a:schemeClr val="lt1"/>
+            </a:fontRef>
+          </p:style>
+          <p:txBody>
+            <a:bodyPr lIns="0" rIns="0" rtlCol="0" anchor="ctr"/>
+            <a:lstStyle/>
+            <a:p>
+              <a:pPr algn="ctr"/>
+              <a:r>
+                <a:rPr lang="en-US" sz="1400" dirty="0" smtClean="0">
+                  <a:solidFill>
+                    <a:srgbClr val="3F4B53"/>
+                  </a:solidFill>
+                </a:rPr>
+                <a:t>1</a:t>
+              </a:r>
+              <a:endParaRPr lang="en-US" sz="1400" dirty="0">
+                <a:solidFill>
+                  <a:srgbClr val="3F4B53"/>
+                </a:solidFill>
+              </a:endParaRPr>
+            </a:p>
+          </p:txBody>
+        </p:sp>
+      </p:grpSp>
+      <p:grpSp>
+        <p:nvGrpSpPr>
+          <p:cNvPr id="10" name="Group 9"/>
+          <p:cNvGrpSpPr/>
+          <p:nvPr/>
+        </p:nvGrpSpPr>
+        <p:grpSpPr>
+          <a:xfrm>
+            <a:off x="1769822" y="4473340"/>
+            <a:ext cx="5330083" cy="1828230"/>
+            <a:chOff x="1769822" y="4473340"/>
+            <a:chExt cx="5330083" cy="1828230"/>
+          </a:xfrm>
+        </p:grpSpPr>
+        <p:sp>
+          <p:nvSpPr>
+            <p:cNvPr id="5" name="TextBox 4"/>
+            <p:cNvSpPr txBox="1"/>
+            <p:nvPr/>
+          </p:nvSpPr>
+          <p:spPr>
+            <a:xfrm>
+              <a:off x="1947334" y="4593410"/>
+              <a:ext cx="5152571" cy="1708160"/>
+            </a:xfrm>
+            <a:prstGeom prst="rect">
+              <a:avLst/>
+            </a:prstGeom>
+            <a:solidFill>
+              <a:schemeClr val="bg1"/>
+            </a:solidFill>
+            <a:effectLst>
+              <a:outerShdw blurRad="50800" dist="38100" dir="2700000" algn="tl" rotWithShape="0">
+                <a:prstClr val="black">
+                  <a:alpha val="40000"/>
+                </a:prstClr>
+              </a:outerShdw>
+            </a:effectLst>
+          </p:spPr>
+          <p:style>
+            <a:lnRef idx="2">
+              <a:schemeClr val="accent2"/>
+            </a:lnRef>
+            <a:fillRef idx="1">
+              <a:schemeClr val="lt1"/>
+            </a:fillRef>
+            <a:effectRef idx="0">
+              <a:schemeClr val="accent2"/>
+            </a:effectRef>
+            <a:fontRef idx="minor">
+              <a:schemeClr val="dk1"/>
+            </a:fontRef>
+          </p:style>
+          <p:txBody>
+            <a:bodyPr wrap="square" rtlCol="0">
+              <a:spAutoFit/>
+            </a:bodyPr>
+            <a:lstStyle/>
+            <a:p>
+              <a:r>
+                <a:rPr lang="en-US" sz="1500" dirty="0" smtClean="0">
+                  <a:latin typeface="Courier"/>
+                  <a:cs typeface="Courier"/>
+                </a:rPr>
+                <a:t> </a:t>
+              </a:r>
+              <a:r>
+                <a:rPr lang="en-US" sz="1500" dirty="0" err="1" smtClean="0">
+                  <a:latin typeface="Courier"/>
+                  <a:cs typeface="Courier"/>
+                </a:rPr>
+                <a:t>var</a:t>
+              </a:r>
+              <a:r>
+                <a:rPr lang="en-US" sz="1500" dirty="0" smtClean="0">
+                  <a:latin typeface="Courier"/>
+                  <a:cs typeface="Courier"/>
+                </a:rPr>
+                <a:t> win = </a:t>
+              </a:r>
+              <a:r>
+                <a:rPr lang="en-US" sz="1500" dirty="0" err="1" smtClean="0">
+                  <a:latin typeface="Courier"/>
+                  <a:cs typeface="Courier"/>
+                </a:rPr>
+                <a:t>Ti.UI.createWindow</a:t>
+              </a:r>
+              <a:r>
+                <a:rPr lang="en-US" sz="1500" dirty="0" smtClean="0">
+                  <a:latin typeface="Courier"/>
+                  <a:cs typeface="Courier"/>
+                </a:rPr>
+                <a:t>({</a:t>
+              </a:r>
+              <a:endParaRPr lang="en-US" sz="1500" dirty="0" smtClean="0">
+                <a:latin typeface="Courier"/>
+                <a:cs typeface="Courier"/>
+              </a:endParaRPr>
+            </a:p>
+            <a:p>
+              <a:r>
+                <a:rPr lang="en-US" sz="1500" dirty="0" smtClean="0">
+                  <a:latin typeface="Courier"/>
+                  <a:cs typeface="Courier"/>
+                </a:rPr>
+                <a:t> </a:t>
+              </a:r>
+              <a:r>
+                <a:rPr lang="en-US" sz="1500" dirty="0" smtClean="0">
+                  <a:latin typeface="Courier"/>
+                  <a:cs typeface="Courier"/>
+                </a:rPr>
+                <a:t>   </a:t>
+              </a:r>
+              <a:r>
+                <a:rPr lang="en-US" sz="1500" dirty="0" err="1" smtClean="0">
+                  <a:latin typeface="Courier"/>
+                  <a:cs typeface="Courier"/>
+                </a:rPr>
+                <a:t>orientationModes</a:t>
+              </a:r>
+              <a:r>
+                <a:rPr lang="en-US" sz="1500" dirty="0" smtClean="0">
+                  <a:latin typeface="Courier"/>
+                  <a:cs typeface="Courier"/>
+                </a:rPr>
+                <a:t>[</a:t>
+              </a:r>
+            </a:p>
+            <a:p>
+              <a:r>
+                <a:rPr lang="en-US" sz="1500" dirty="0">
+                  <a:latin typeface="Courier"/>
+                  <a:cs typeface="Courier"/>
+                </a:rPr>
+                <a:t> </a:t>
+              </a:r>
+              <a:r>
+                <a:rPr lang="en-US" sz="1500" dirty="0" smtClean="0">
+                  <a:latin typeface="Courier"/>
+                  <a:cs typeface="Courier"/>
+                </a:rPr>
+                <a:t>        </a:t>
+              </a:r>
+              <a:r>
+                <a:rPr lang="en-US" sz="1500" dirty="0" err="1" smtClean="0">
+                  <a:latin typeface="Courier"/>
+                  <a:cs typeface="Courier"/>
+                </a:rPr>
+                <a:t>Ti.UI.PORTRAIT</a:t>
+              </a:r>
+              <a:r>
+                <a:rPr lang="en-US" sz="1500" dirty="0" smtClean="0">
+                  <a:latin typeface="Courier"/>
+                  <a:cs typeface="Courier"/>
+                </a:rPr>
+                <a:t>,</a:t>
+              </a:r>
+            </a:p>
+            <a:p>
+              <a:r>
+                <a:rPr lang="en-US" sz="1500" dirty="0">
+                  <a:latin typeface="Courier"/>
+                  <a:cs typeface="Courier"/>
+                </a:rPr>
+                <a:t> </a:t>
+              </a:r>
+              <a:r>
+                <a:rPr lang="en-US" sz="1500" dirty="0" smtClean="0">
+                  <a:latin typeface="Courier"/>
+                  <a:cs typeface="Courier"/>
+                </a:rPr>
+                <a:t>        </a:t>
+              </a:r>
+              <a:r>
+                <a:rPr lang="en-US" sz="1500" dirty="0" err="1" smtClean="0">
+                  <a:latin typeface="Courier"/>
+                  <a:cs typeface="Courier"/>
+                </a:rPr>
+                <a:t>Ti.UI.UPSIDE_PORTRAIT</a:t>
+              </a:r>
+              <a:endParaRPr lang="en-US" sz="1500" dirty="0" smtClean="0">
+                <a:latin typeface="Courier"/>
+                <a:cs typeface="Courier"/>
+              </a:endParaRPr>
+            </a:p>
+            <a:p>
+              <a:r>
+                <a:rPr lang="en-US" sz="1500" dirty="0">
+                  <a:latin typeface="Courier"/>
+                  <a:cs typeface="Courier"/>
+                </a:rPr>
+                <a:t> </a:t>
+              </a:r>
+              <a:r>
+                <a:rPr lang="en-US" sz="1500" dirty="0" smtClean="0">
+                  <a:latin typeface="Courier"/>
+                  <a:cs typeface="Courier"/>
+                </a:rPr>
+                <a:t>   ]</a:t>
+              </a:r>
+            </a:p>
+            <a:p>
+              <a:r>
+                <a:rPr lang="en-US" sz="1500" dirty="0" smtClean="0">
+                  <a:latin typeface="Courier"/>
+                  <a:cs typeface="Courier"/>
+                </a:rPr>
+                <a:t> });</a:t>
+              </a:r>
+              <a:endParaRPr lang="en-US" sz="1500" dirty="0" smtClean="0">
+                <a:latin typeface="Courier"/>
+                <a:cs typeface="Courier"/>
+              </a:endParaRPr>
+            </a:p>
+            <a:p>
+              <a:r>
+                <a:rPr lang="en-US" sz="1500" dirty="0" smtClean="0">
+                  <a:latin typeface="Courier"/>
+                  <a:cs typeface="Courier"/>
+                </a:rPr>
+                <a:t> </a:t>
+              </a:r>
+              <a:endParaRPr lang="en-US" sz="1500" dirty="0">
+                <a:latin typeface="Courier"/>
+                <a:cs typeface="Courier"/>
+              </a:endParaRPr>
+            </a:p>
+          </p:txBody>
+        </p:sp>
+        <p:sp>
+          <p:nvSpPr>
+            <p:cNvPr id="8" name="Oval 7"/>
+            <p:cNvSpPr/>
+            <p:nvPr/>
+          </p:nvSpPr>
+          <p:spPr>
+            <a:xfrm>
+              <a:off x="1769822" y="4473340"/>
+              <a:ext cx="355023" cy="339566"/>
+            </a:xfrm>
+            <a:prstGeom prst="ellipse">
+              <a:avLst/>
+            </a:prstGeom>
+          </p:spPr>
+          <p:style>
+            <a:lnRef idx="1">
+              <a:schemeClr val="accent1"/>
+            </a:lnRef>
+            <a:fillRef idx="3">
+              <a:schemeClr val="accent1"/>
+            </a:fillRef>
+            <a:effectRef idx="2">
+              <a:schemeClr val="accent1"/>
+            </a:effectRef>
+            <a:fontRef idx="minor">
+              <a:schemeClr val="lt1"/>
+            </a:fontRef>
+          </p:style>
+          <p:txBody>
+            <a:bodyPr lIns="0" rIns="0" rtlCol="0" anchor="ctr"/>
+            <a:lstStyle/>
+            <a:p>
+              <a:pPr algn="ctr"/>
+              <a:r>
+                <a:rPr lang="en-US" sz="1400" dirty="0" smtClean="0">
+                  <a:solidFill>
+                    <a:srgbClr val="3F4B53"/>
+                  </a:solidFill>
+                </a:rPr>
+                <a:t>2</a:t>
+              </a:r>
+              <a:endParaRPr lang="en-US" sz="1400" dirty="0">
+                <a:solidFill>
+                  <a:srgbClr val="3F4B53"/>
+                </a:solidFill>
+              </a:endParaRPr>
+            </a:p>
+          </p:txBody>
+        </p:sp>
+      </p:grpSp>
     </p:spTree>
     <p:extLst>
       <p:ext uri="{BB962C8B-B14F-4D97-AF65-F5344CB8AC3E}">
-        <p14:creationId xmlns:p14="http://schemas.microsoft.com/office/powerpoint/2010/main" val="3190066946"/>
+        <p14:creationId xmlns:p14="http://schemas.microsoft.com/office/powerpoint/2010/main" val="1861698596"/>
       </p:ext>
     </p:extLst>
   </p:cSld>
@@ -12264,7 +12951,247 @@
   <p:timing>
     <p:tnLst>
       <p:par>
-        <p:cTn xmlns:p14="http://schemas.microsoft.com/office/powerpoint/2010/main" id="1" dur="indefinite" restart="never" nodeType="tmRoot"/>
+        <p:cTn xmlns:p14="http://schemas.microsoft.com/office/powerpoint/2010/main" id="1" dur="indefinite" restart="never" nodeType="tmRoot">
+          <p:childTnLst>
+            <p:seq concurrent="1" nextAc="seek">
+              <p:cTn id="2" dur="indefinite" nodeType="mainSeq">
+                <p:childTnLst>
+                  <p:par>
+                    <p:cTn id="3" fill="hold">
+                      <p:stCondLst>
+                        <p:cond delay="indefinite"/>
+                      </p:stCondLst>
+                      <p:childTnLst>
+                        <p:par>
+                          <p:cTn id="4" fill="hold">
+                            <p:stCondLst>
+                              <p:cond delay="0"/>
+                            </p:stCondLst>
+                            <p:childTnLst>
+                              <p:par>
+                                <p:cTn id="5" presetID="2" presetClass="entr" presetSubtype="4" fill="hold" nodeType="clickEffect">
+                                  <p:stCondLst>
+                                    <p:cond delay="0"/>
+                                  </p:stCondLst>
+                                  <p:childTnLst>
+                                    <p:set>
+                                      <p:cBhvr>
+                                        <p:cTn id="6" dur="1" fill="hold">
+                                          <p:stCondLst>
+                                            <p:cond delay="0"/>
+                                          </p:stCondLst>
+                                        </p:cTn>
+                                        <p:tgtEl>
+                                          <p:spTgt spid="9"/>
+                                        </p:tgtEl>
+                                        <p:attrNameLst>
+                                          <p:attrName>style.visibility</p:attrName>
+                                        </p:attrNameLst>
+                                      </p:cBhvr>
+                                      <p:to>
+                                        <p:strVal val="visible"/>
+                                      </p:to>
+                                    </p:set>
+                                    <p:anim calcmode="lin" valueType="num">
+                                      <p:cBhvr additive="base">
+                                        <p:cTn id="7" dur="500" fill="hold"/>
+                                        <p:tgtEl>
+                                          <p:spTgt spid="9"/>
+                                        </p:tgtEl>
+                                        <p:attrNameLst>
+                                          <p:attrName>ppt_x</p:attrName>
+                                        </p:attrNameLst>
+                                      </p:cBhvr>
+                                      <p:tavLst>
+                                        <p:tav tm="0">
+                                          <p:val>
+                                            <p:strVal val="#ppt_x"/>
+                                          </p:val>
+                                        </p:tav>
+                                        <p:tav tm="100000">
+                                          <p:val>
+                                            <p:strVal val="#ppt_x"/>
+                                          </p:val>
+                                        </p:tav>
+                                      </p:tavLst>
+                                    </p:anim>
+                                    <p:anim calcmode="lin" valueType="num">
+                                      <p:cBhvr additive="base">
+                                        <p:cTn id="8" dur="500" fill="hold"/>
+                                        <p:tgtEl>
+                                          <p:spTgt spid="9"/>
+                                        </p:tgtEl>
+                                        <p:attrNameLst>
+                                          <p:attrName>ppt_y</p:attrName>
+                                        </p:attrNameLst>
+                                      </p:cBhvr>
+                                      <p:tavLst>
+                                        <p:tav tm="0">
+                                          <p:val>
+                                            <p:strVal val="1+#ppt_h/2"/>
+                                          </p:val>
+                                        </p:tav>
+                                        <p:tav tm="100000">
+                                          <p:val>
+                                            <p:strVal val="#ppt_y"/>
+                                          </p:val>
+                                        </p:tav>
+                                      </p:tavLst>
+                                    </p:anim>
+                                  </p:childTnLst>
+                                </p:cTn>
+                              </p:par>
+                            </p:childTnLst>
+                          </p:cTn>
+                        </p:par>
+                      </p:childTnLst>
+                    </p:cTn>
+                  </p:par>
+                  <p:par>
+                    <p:cTn id="9" fill="hold">
+                      <p:stCondLst>
+                        <p:cond delay="indefinite"/>
+                      </p:stCondLst>
+                      <p:childTnLst>
+                        <p:par>
+                          <p:cTn id="10" fill="hold">
+                            <p:stCondLst>
+                              <p:cond delay="0"/>
+                            </p:stCondLst>
+                            <p:childTnLst>
+                              <p:par>
+                                <p:cTn id="11" presetID="2" presetClass="entr" presetSubtype="4" fill="hold" nodeType="clickEffect">
+                                  <p:stCondLst>
+                                    <p:cond delay="0"/>
+                                  </p:stCondLst>
+                                  <p:childTnLst>
+                                    <p:set>
+                                      <p:cBhvr>
+                                        <p:cTn id="12" dur="1" fill="hold">
+                                          <p:stCondLst>
+                                            <p:cond delay="0"/>
+                                          </p:stCondLst>
+                                        </p:cTn>
+                                        <p:tgtEl>
+                                          <p:spTgt spid="10"/>
+                                        </p:tgtEl>
+                                        <p:attrNameLst>
+                                          <p:attrName>style.visibility</p:attrName>
+                                        </p:attrNameLst>
+                                      </p:cBhvr>
+                                      <p:to>
+                                        <p:strVal val="visible"/>
+                                      </p:to>
+                                    </p:set>
+                                    <p:anim calcmode="lin" valueType="num">
+                                      <p:cBhvr additive="base">
+                                        <p:cTn id="13" dur="500" fill="hold"/>
+                                        <p:tgtEl>
+                                          <p:spTgt spid="10"/>
+                                        </p:tgtEl>
+                                        <p:attrNameLst>
+                                          <p:attrName>ppt_x</p:attrName>
+                                        </p:attrNameLst>
+                                      </p:cBhvr>
+                                      <p:tavLst>
+                                        <p:tav tm="0">
+                                          <p:val>
+                                            <p:strVal val="#ppt_x"/>
+                                          </p:val>
+                                        </p:tav>
+                                        <p:tav tm="100000">
+                                          <p:val>
+                                            <p:strVal val="#ppt_x"/>
+                                          </p:val>
+                                        </p:tav>
+                                      </p:tavLst>
+                                    </p:anim>
+                                    <p:anim calcmode="lin" valueType="num">
+                                      <p:cBhvr additive="base">
+                                        <p:cTn id="14" dur="500" fill="hold"/>
+                                        <p:tgtEl>
+                                          <p:spTgt spid="10"/>
+                                        </p:tgtEl>
+                                        <p:attrNameLst>
+                                          <p:attrName>ppt_y</p:attrName>
+                                        </p:attrNameLst>
+                                      </p:cBhvr>
+                                      <p:tavLst>
+                                        <p:tav tm="0">
+                                          <p:val>
+                                            <p:strVal val="1+#ppt_h/2"/>
+                                          </p:val>
+                                        </p:tav>
+                                        <p:tav tm="100000">
+                                          <p:val>
+                                            <p:strVal val="#ppt_y"/>
+                                          </p:val>
+                                        </p:tav>
+                                      </p:tavLst>
+                                    </p:anim>
+                                  </p:childTnLst>
+                                </p:cTn>
+                              </p:par>
+                              <p:par>
+                                <p:cTn id="15" presetID="9" presetClass="exit" presetSubtype="0" fill="hold" nodeType="withEffect">
+                                  <p:stCondLst>
+                                    <p:cond delay="0"/>
+                                  </p:stCondLst>
+                                  <p:childTnLst>
+                                    <p:animEffect transition="out" filter="dissolve">
+                                      <p:cBhvr>
+                                        <p:cTn id="16" dur="500"/>
+                                        <p:tgtEl>
+                                          <p:spTgt spid="6"/>
+                                        </p:tgtEl>
+                                      </p:cBhvr>
+                                    </p:animEffect>
+                                    <p:set>
+                                      <p:cBhvr>
+                                        <p:cTn id="17" dur="1" fill="hold">
+                                          <p:stCondLst>
+                                            <p:cond delay="499"/>
+                                          </p:stCondLst>
+                                        </p:cTn>
+                                        <p:tgtEl>
+                                          <p:spTgt spid="6"/>
+                                        </p:tgtEl>
+                                        <p:attrNameLst>
+                                          <p:attrName>style.visibility</p:attrName>
+                                        </p:attrNameLst>
+                                      </p:cBhvr>
+                                      <p:to>
+                                        <p:strVal val="hidden"/>
+                                      </p:to>
+                                    </p:set>
+                                  </p:childTnLst>
+                                </p:cTn>
+                              </p:par>
+                            </p:childTnLst>
+                          </p:cTn>
+                        </p:par>
+                      </p:childTnLst>
+                    </p:cTn>
+                  </p:par>
+                </p:childTnLst>
+              </p:cTn>
+              <p:prevCondLst>
+                <p:cond evt="onPrev" delay="0">
+                  <p:tgtEl>
+                    <p:sldTgt/>
+                  </p:tgtEl>
+                </p:cond>
+              </p:prevCondLst>
+              <p:nextCondLst>
+                <p:cond evt="onNext" delay="0">
+                  <p:tgtEl>
+                    <p:sldTgt/>
+                  </p:tgtEl>
+                </p:cond>
+              </p:nextCondLst>
+            </p:seq>
+          </p:childTnLst>
+        </p:cTn>
       </p:par>
     </p:tnLst>
   </p:timing>
@@ -12305,7 +13232,7 @@
           <a:p>
             <a:r>
               <a:rPr lang="en-US" dirty="0" smtClean="0"/>
-              <a:t>Fixed Orientation</a:t>
+              <a:t>Orientation Events</a:t>
             </a:r>
             <a:endParaRPr lang="en-US" dirty="0"/>
           </a:p>
@@ -12335,9 +13262,10 @@
               <a:buNone/>
             </a:pPr>
             <a:r>
-              <a:rPr lang="en-US" dirty="0" smtClean="0"/>
-              <a:t>Per “screen” basis</a:t>
-            </a:r>
+              <a:rPr lang="en-US" dirty="0" err="1" smtClean="0"/>
+              <a:t>Ti.Gesture.orientationchange</a:t>
+            </a:r>
+            <a:endParaRPr lang="en-US" dirty="0" smtClean="0"/>
           </a:p>
           <a:p>
             <a:pPr>
@@ -12361,125 +13289,8 @@
             </a:pPr>
             <a:r>
               <a:rPr lang="en-US" dirty="0" smtClean="0"/>
-              <a:t>Use </a:t>
-            </a:r>
-            <a:r>
-              <a:rPr lang="en-US" dirty="0" err="1" smtClean="0"/>
-              <a:t>Ti.UI.orientation</a:t>
-            </a:r>
-            <a:r>
-              <a:rPr lang="en-US" dirty="0" smtClean="0"/>
-              <a:t> = </a:t>
-            </a:r>
-            <a:r>
-              <a:rPr lang="en-US" i="1" dirty="0" smtClean="0"/>
-              <a:t>orientation</a:t>
-            </a:r>
-          </a:p>
-          <a:p>
-            <a:pPr>
-              <a:spcBef>
-                <a:spcPts val="600"/>
-              </a:spcBef>
-              <a:buClrTx/>
-              <a:buFontTx/>
-              <a:buNone/>
-            </a:pPr>
-            <a:endParaRPr lang="en-US" dirty="0"/>
-          </a:p>
-          <a:p>
-            <a:pPr>
-              <a:spcBef>
-                <a:spcPts val="600"/>
-              </a:spcBef>
-              <a:buClrTx/>
-              <a:buFontTx/>
-              <a:buNone/>
-            </a:pPr>
-            <a:r>
-              <a:rPr lang="en-US" dirty="0" smtClean="0"/>
-              <a:t>Supported values include:</a:t>
-            </a:r>
-          </a:p>
-          <a:p>
-            <a:pPr marL="800100" lvl="1" indent="-342900">
-              <a:spcBef>
-                <a:spcPts val="600"/>
-              </a:spcBef>
-              <a:buFont typeface="Arial"/>
-              <a:buChar char="•"/>
-            </a:pPr>
-            <a:r>
-              <a:rPr lang="en-US" sz="1800" dirty="0" smtClean="0"/>
-              <a:t>PORTRAIT / UPSIDE_PORTRAIT</a:t>
-            </a:r>
-          </a:p>
-          <a:p>
-            <a:pPr marL="800100" lvl="1" indent="-342900">
-              <a:spcBef>
-                <a:spcPts val="600"/>
-              </a:spcBef>
-              <a:buFont typeface="Arial"/>
-              <a:buChar char="•"/>
-            </a:pPr>
-            <a:r>
-              <a:rPr lang="en-US" sz="1800" dirty="0" smtClean="0"/>
-              <a:t>LANDSCAPE_LEFT / LANDSCAPE_RIGHT</a:t>
-            </a:r>
-            <a:endParaRPr lang="en-US" sz="1800" dirty="0" smtClean="0"/>
-          </a:p>
-          <a:p>
-            <a:pPr marL="800100" lvl="1" indent="-342900">
-              <a:spcBef>
-                <a:spcPts val="600"/>
-              </a:spcBef>
-              <a:buFont typeface="Arial"/>
-              <a:buChar char="•"/>
-            </a:pPr>
-            <a:r>
-              <a:rPr lang="en-US" sz="1800" dirty="0" smtClean="0"/>
-              <a:t>FACE_UP / FACE_DOWN</a:t>
-            </a:r>
-          </a:p>
-          <a:p>
-            <a:pPr marL="800100" lvl="1" indent="-342900">
-              <a:spcBef>
-                <a:spcPts val="600"/>
-              </a:spcBef>
-              <a:buFont typeface="Arial"/>
-              <a:buChar char="•"/>
-            </a:pPr>
-            <a:endParaRPr lang="en-US" sz="1800" dirty="0"/>
-          </a:p>
-          <a:p>
-            <a:pPr>
-              <a:spcBef>
-                <a:spcPts val="600"/>
-              </a:spcBef>
-            </a:pPr>
-            <a:r>
-              <a:rPr lang="en-US" sz="2200" dirty="0" smtClean="0"/>
-              <a:t>For example:</a:t>
-            </a:r>
-            <a:endParaRPr lang="en-US" sz="1800" dirty="0"/>
-          </a:p>
-          <a:p>
-            <a:pPr lvl="1">
-              <a:spcBef>
-                <a:spcPts val="600"/>
-              </a:spcBef>
-            </a:pPr>
-            <a:r>
-              <a:rPr lang="en-US" sz="1800" dirty="0" smtClean="0">
-                <a:latin typeface="Courier"/>
-                <a:cs typeface="Courier"/>
-              </a:rPr>
-              <a:t>	</a:t>
-            </a:r>
-            <a:endParaRPr lang="en-US" sz="1800" dirty="0">
-              <a:latin typeface="Courier"/>
-              <a:cs typeface="Courier"/>
-            </a:endParaRPr>
+              <a:t>Event properties and methods:</a:t>
+            </a:r>
           </a:p>
         </p:txBody>
       </p:sp>
@@ -12491,8 +13302,8 @@
         </p:nvSpPr>
         <p:spPr>
           <a:xfrm>
-            <a:off x="1947334" y="5479748"/>
-            <a:ext cx="5152571" cy="784830"/>
+            <a:off x="728133" y="3118447"/>
+            <a:ext cx="7958667" cy="2800766"/>
           </a:xfrm>
           <a:prstGeom prst="rect">
             <a:avLst/>
@@ -12528,71 +13339,242 @@
           </a:bodyPr>
           <a:lstStyle/>
           <a:p>
-            <a:endParaRPr lang="en-US" sz="1500" dirty="0" smtClean="0">
+            <a:r>
+              <a:rPr lang="en-US" sz="1600" dirty="0" err="1">
+                <a:latin typeface="Courier"/>
+                <a:cs typeface="Courier"/>
+              </a:rPr>
+              <a:t>Ti.Gesture.addEventListener</a:t>
+            </a:r>
+            <a:r>
+              <a:rPr lang="en-US" sz="1600" dirty="0">
+                <a:latin typeface="Courier"/>
+                <a:cs typeface="Courier"/>
+              </a:rPr>
+              <a:t>('</a:t>
+            </a:r>
+            <a:r>
+              <a:rPr lang="en-US" sz="1600" dirty="0" err="1">
+                <a:latin typeface="Courier"/>
+                <a:cs typeface="Courier"/>
+              </a:rPr>
+              <a:t>orientationchange</a:t>
+            </a:r>
+            <a:r>
+              <a:rPr lang="en-US" sz="1600" dirty="0">
+                <a:latin typeface="Courier"/>
+                <a:cs typeface="Courier"/>
+              </a:rPr>
+              <a:t>',function(e</a:t>
+            </a:r>
+            <a:r>
+              <a:rPr lang="en-US" sz="1600" dirty="0" smtClean="0">
+                <a:latin typeface="Courier"/>
+                <a:cs typeface="Courier"/>
+              </a:rPr>
+              <a:t>) {</a:t>
+            </a:r>
+            <a:endParaRPr lang="en-US" sz="1600" dirty="0">
               <a:latin typeface="Courier"/>
               <a:cs typeface="Courier"/>
             </a:endParaRPr>
           </a:p>
           <a:p>
             <a:r>
-              <a:rPr lang="en-US" sz="1500" dirty="0" smtClean="0">
-                <a:latin typeface="Courier"/>
-                <a:cs typeface="Courier"/>
-              </a:rPr>
-              <a:t> </a:t>
-            </a:r>
-            <a:r>
-              <a:rPr lang="en-US" sz="1500" dirty="0" err="1" smtClean="0">
-                <a:latin typeface="Courier"/>
-                <a:cs typeface="Courier"/>
-              </a:rPr>
-              <a:t>Ti.UI.orientation</a:t>
-            </a:r>
-            <a:r>
-              <a:rPr lang="en-US" sz="1500" dirty="0" smtClean="0">
-                <a:latin typeface="Courier"/>
-                <a:cs typeface="Courier"/>
-              </a:rPr>
-              <a:t> </a:t>
-            </a:r>
-            <a:r>
-              <a:rPr lang="en-US" sz="1500" dirty="0">
-                <a:latin typeface="Courier"/>
-                <a:cs typeface="Courier"/>
-              </a:rPr>
-              <a:t>= </a:t>
-            </a:r>
-            <a:r>
-              <a:rPr lang="en-US" sz="1500" dirty="0" err="1" smtClean="0">
-                <a:latin typeface="Courier"/>
-                <a:cs typeface="Courier"/>
-              </a:rPr>
-              <a:t>Ti.UI.PORTRAIT</a:t>
-            </a:r>
-            <a:endParaRPr lang="en-US" sz="1500" dirty="0" smtClean="0">
+              <a:rPr lang="en-US" sz="1600" dirty="0">
+                <a:latin typeface="Courier"/>
+                <a:cs typeface="Courier"/>
+              </a:rPr>
+              <a:t>	// </a:t>
+            </a:r>
+            <a:r>
+              <a:rPr lang="en-US" sz="1600" dirty="0" smtClean="0">
+                <a:latin typeface="Courier"/>
+                <a:cs typeface="Courier"/>
+              </a:rPr>
+              <a:t>get current device orientation from</a:t>
+            </a:r>
+          </a:p>
+          <a:p>
+            <a:r>
+              <a:rPr lang="en-US" sz="1600" dirty="0" smtClean="0">
+                <a:latin typeface="Courier"/>
+                <a:cs typeface="Courier"/>
+              </a:rPr>
+              <a:t>	// </a:t>
+            </a:r>
+            <a:r>
+              <a:rPr lang="en-US" sz="1600" dirty="0" err="1" smtClean="0">
+                <a:latin typeface="Courier"/>
+                <a:cs typeface="Courier"/>
+              </a:rPr>
+              <a:t>Titanium.Gesture.orientation</a:t>
+            </a:r>
+            <a:endParaRPr lang="en-US" sz="1600" dirty="0" smtClean="0">
               <a:latin typeface="Courier"/>
               <a:cs typeface="Courier"/>
             </a:endParaRPr>
           </a:p>
           <a:p>
             <a:r>
-              <a:rPr lang="en-US" sz="1500" dirty="0" smtClean="0">
-                <a:latin typeface="Courier"/>
-                <a:cs typeface="Courier"/>
-              </a:rPr>
-              <a:t> </a:t>
-            </a:r>
-            <a:endParaRPr lang="en-US" sz="1500" dirty="0">
+              <a:rPr lang="en-US" sz="1600" dirty="0">
+                <a:latin typeface="Courier"/>
+                <a:cs typeface="Courier"/>
+              </a:rPr>
+              <a:t>	</a:t>
+            </a:r>
+          </a:p>
+          <a:p>
+            <a:r>
+              <a:rPr lang="en-US" sz="1600" dirty="0">
+                <a:latin typeface="Courier"/>
+                <a:cs typeface="Courier"/>
+              </a:rPr>
+              <a:t>	// get </a:t>
+            </a:r>
+            <a:r>
+              <a:rPr lang="en-US" sz="1600" dirty="0" smtClean="0">
+                <a:latin typeface="Courier"/>
+                <a:cs typeface="Courier"/>
+              </a:rPr>
+              <a:t>orientation </a:t>
+            </a:r>
+            <a:r>
+              <a:rPr lang="en-US" sz="1600" dirty="0">
+                <a:latin typeface="Courier"/>
+                <a:cs typeface="Courier"/>
+              </a:rPr>
+              <a:t>from event object</a:t>
+            </a:r>
+          </a:p>
+          <a:p>
+            <a:r>
+              <a:rPr lang="en-US" sz="1600" dirty="0">
+                <a:latin typeface="Courier"/>
+                <a:cs typeface="Courier"/>
+              </a:rPr>
+              <a:t>	</a:t>
+            </a:r>
+            <a:r>
+              <a:rPr lang="en-US" sz="1600" dirty="0" smtClean="0">
+                <a:latin typeface="Courier"/>
+                <a:cs typeface="Courier"/>
+              </a:rPr>
+              <a:t>// from </a:t>
+            </a:r>
+            <a:r>
+              <a:rPr lang="en-US" sz="1600" dirty="0" err="1" smtClean="0">
+                <a:latin typeface="Courier"/>
+                <a:cs typeface="Courier"/>
+              </a:rPr>
+              <a:t>e.orientation</a:t>
+            </a:r>
+            <a:endParaRPr lang="en-US" sz="1600" dirty="0" smtClean="0">
               <a:latin typeface="Courier"/>
               <a:cs typeface="Courier"/>
             </a:endParaRPr>
+          </a:p>
+          <a:p>
+            <a:endParaRPr lang="en-US" sz="1600" dirty="0">
+              <a:latin typeface="Courier"/>
+              <a:cs typeface="Courier"/>
+            </a:endParaRPr>
+          </a:p>
+          <a:p>
+            <a:r>
+              <a:rPr lang="en-US" sz="1600" dirty="0" smtClean="0">
+                <a:latin typeface="Courier"/>
+                <a:cs typeface="Courier"/>
+              </a:rPr>
+              <a:t>	// two methods return Boolean</a:t>
+            </a:r>
+          </a:p>
+          <a:p>
+            <a:r>
+              <a:rPr lang="en-US" sz="1600" dirty="0">
+                <a:latin typeface="Courier"/>
+                <a:cs typeface="Courier"/>
+              </a:rPr>
+              <a:t>	</a:t>
+            </a:r>
+            <a:r>
+              <a:rPr lang="en-US" sz="1600" dirty="0" smtClean="0">
+                <a:latin typeface="Courier"/>
+                <a:cs typeface="Courier"/>
+              </a:rPr>
+              <a:t>// </a:t>
+            </a:r>
+            <a:r>
+              <a:rPr lang="en-US" sz="1600" dirty="0" err="1" smtClean="0">
+                <a:latin typeface="Courier"/>
+                <a:cs typeface="Courier"/>
+              </a:rPr>
+              <a:t>e.source.isPortrait</a:t>
+            </a:r>
+            <a:r>
+              <a:rPr lang="en-US" sz="1600" dirty="0" smtClean="0">
+                <a:latin typeface="Courier"/>
+                <a:cs typeface="Courier"/>
+              </a:rPr>
+              <a:t>()</a:t>
+            </a:r>
+          </a:p>
+          <a:p>
+            <a:r>
+              <a:rPr lang="en-US" sz="1600" dirty="0">
+                <a:latin typeface="Courier"/>
+                <a:cs typeface="Courier"/>
+              </a:rPr>
+              <a:t>	</a:t>
+            </a:r>
+            <a:r>
+              <a:rPr lang="en-US" sz="1600" dirty="0" smtClean="0">
+                <a:latin typeface="Courier"/>
+                <a:cs typeface="Courier"/>
+              </a:rPr>
+              <a:t>// </a:t>
+            </a:r>
+            <a:r>
+              <a:rPr lang="en-US" sz="1600" dirty="0" err="1" smtClean="0">
+                <a:latin typeface="Courier"/>
+                <a:cs typeface="Courier"/>
+              </a:rPr>
+              <a:t>e.source.isLandscape</a:t>
+            </a:r>
+            <a:r>
+              <a:rPr lang="en-US" sz="1600" dirty="0" smtClean="0">
+                <a:latin typeface="Courier"/>
+                <a:cs typeface="Courier"/>
+              </a:rPr>
+              <a:t>()</a:t>
+            </a:r>
+            <a:endParaRPr lang="en-US" sz="1600" dirty="0">
+              <a:latin typeface="Courier"/>
+              <a:cs typeface="Courier"/>
+            </a:endParaRPr>
+          </a:p>
+          <a:p>
+            <a:r>
+              <a:rPr lang="en-US" sz="1600" dirty="0" smtClean="0">
+                <a:latin typeface="Courier"/>
+                <a:cs typeface="Courier"/>
+              </a:rPr>
+              <a:t>}</a:t>
+            </a:r>
+            <a:r>
+              <a:rPr lang="en-US" sz="1600" dirty="0">
+                <a:latin typeface="Courier"/>
+                <a:cs typeface="Courier"/>
+              </a:rPr>
+              <a:t>);</a:t>
+            </a:r>
           </a:p>
         </p:txBody>
       </p:sp>
     </p:spTree>
     <p:extLst>
       <p:ext uri="{BB962C8B-B14F-4D97-AF65-F5344CB8AC3E}">
-        <p14:creationId xmlns:p14="http://schemas.microsoft.com/office/powerpoint/2010/main" val="1861698596"/>
+        <p14:creationId xmlns:p14="http://schemas.microsoft.com/office/powerpoint/2010/main" val="1295465546"/>
       </p:ext>
     </p:extLst>
   </p:cSld>

--- a/360/360.pptx
+++ b/360/360.pptx
@@ -252,7 +252,7 @@
               <a:pPr>
                 <a:defRPr/>
               </a:pPr>
-              <a:t>6/15/11</a:t>
+              <a:t>6/16/11</a:t>
             </a:fld>
             <a:endParaRPr lang="en-US"/>
           </a:p>
@@ -435,7 +435,7 @@
               <a:pPr>
                 <a:defRPr/>
               </a:pPr>
-              <a:t>6/15/11</a:t>
+              <a:t>6/16/11</a:t>
             </a:fld>
             <a:endParaRPr lang="en-US"/>
           </a:p>
@@ -1411,15 +1411,7 @@
             </a:r>
             <a:r>
               <a:rPr lang="en-US" baseline="0" dirty="0" smtClean="0"/>
-              <a:t> is </a:t>
-            </a:r>
-            <a:r>
-              <a:rPr lang="en-US" baseline="0" dirty="0" smtClean="0"/>
-              <a:t>useful to track the time </a:t>
-            </a:r>
-            <a:r>
-              <a:rPr lang="en-US" baseline="0" dirty="0" smtClean="0"/>
-              <a:t>since last shake</a:t>
+              <a:t> is useful to track the time since last shake</a:t>
             </a:r>
           </a:p>
           <a:p>
@@ -1671,13 +1663,8 @@
             </a:r>
             <a:r>
               <a:rPr lang="en-US" dirty="0" smtClean="0"/>
-              <a:t> fired when your app is interrupted (phone call</a:t>
-            </a:r>
-            <a:r>
-              <a:rPr lang="en-US" dirty="0" smtClean="0"/>
-              <a:t>)</a:t>
-            </a:r>
-            <a:endParaRPr lang="en-US" dirty="0" smtClean="0"/>
+              <a:t> fired when your app is interrupted (phone call)</a:t>
+            </a:r>
           </a:p>
           <a:p>
             <a:r>
@@ -1686,11 +1673,7 @@
             </a:r>
             <a:r>
               <a:rPr lang="en-US" baseline="0" dirty="0" smtClean="0"/>
-              <a:t> to determine </a:t>
-            </a:r>
-            <a:r>
-              <a:rPr lang="en-US" baseline="0" dirty="0" smtClean="0"/>
-              <a:t>direction</a:t>
+              <a:t> to determine direction</a:t>
             </a:r>
           </a:p>
           <a:p>
@@ -1985,11 +1968,7 @@
           <a:p>
             <a:r>
               <a:rPr lang="en-US" dirty="0" smtClean="0"/>
-              <a:t>Demo </a:t>
-            </a:r>
-            <a:r>
-              <a:rPr lang="en-US" dirty="0" smtClean="0"/>
-              <a:t>must</a:t>
+              <a:t>Demo must</a:t>
             </a:r>
             <a:r>
               <a:rPr lang="en-US" baseline="0" dirty="0" smtClean="0"/>
@@ -3124,11 +3103,7 @@
             </a:pPr>
             <a:r>
               <a:rPr lang="en-US" baseline="0" dirty="0" smtClean="0"/>
-              <a:t>Actively updating your app’s UI based on the current orientation by handling orientation </a:t>
-            </a:r>
-            <a:r>
-              <a:rPr lang="en-US" baseline="0" dirty="0" smtClean="0"/>
-              <a:t>events</a:t>
+              <a:t>Actively updating your app’s UI based on the current orientation by handling orientation events</a:t>
             </a:r>
           </a:p>
           <a:p>
@@ -3599,15 +3574,7 @@
           <a:p>
             <a:r>
               <a:rPr lang="en-US" baseline="0" dirty="0" smtClean="0"/>
-              <a:t>However it </a:t>
-            </a:r>
-            <a:r>
-              <a:rPr lang="en-US" baseline="0" dirty="0" smtClean="0"/>
-              <a:t>seems to be the most </a:t>
-            </a:r>
-            <a:r>
-              <a:rPr lang="en-US" baseline="0" dirty="0" smtClean="0"/>
-              <a:t>sure-fire method</a:t>
+              <a:t>However it seems to be the most sure-fire method</a:t>
             </a:r>
             <a:endParaRPr lang="en-US" dirty="0"/>
           </a:p>
@@ -3705,11 +3672,7 @@
             </a:r>
             <a:r>
               <a:rPr lang="en-US" baseline="0" dirty="0" smtClean="0"/>
-              <a:t> basis within your </a:t>
-            </a:r>
-            <a:r>
-              <a:rPr lang="en-US" baseline="0" dirty="0" smtClean="0"/>
-              <a:t>app</a:t>
+              <a:t> basis within your app</a:t>
             </a:r>
           </a:p>
           <a:p>
@@ -4275,7 +4238,7 @@
               <a:pPr>
                 <a:defRPr/>
               </a:pPr>
-              <a:t>6/15/11</a:t>
+              <a:t>6/16/11</a:t>
             </a:fld>
             <a:endParaRPr lang="en-US"/>
           </a:p>
@@ -4763,7 +4726,7 @@
               <a:pPr>
                 <a:defRPr/>
               </a:pPr>
-              <a:t>6/15/11</a:t>
+              <a:t>6/16/11</a:t>
             </a:fld>
             <a:endParaRPr lang="en-US"/>
           </a:p>
@@ -5325,7 +5288,7 @@
               <a:pPr>
                 <a:defRPr/>
               </a:pPr>
-              <a:t>6/15/11</a:t>
+              <a:t>6/16/11</a:t>
             </a:fld>
             <a:endParaRPr lang="en-US"/>
           </a:p>
@@ -5935,7 +5898,7 @@
               <a:pPr>
                 <a:defRPr/>
               </a:pPr>
-              <a:t>6/15/11</a:t>
+              <a:t>6/16/11</a:t>
             </a:fld>
             <a:endParaRPr lang="en-US"/>
           </a:p>
@@ -6057,7 +6020,7 @@
               <a:pPr>
                 <a:defRPr/>
               </a:pPr>
-              <a:t>6/15/11</a:t>
+              <a:t>6/16/11</a:t>
             </a:fld>
             <a:endParaRPr lang="en-US"/>
           </a:p>
@@ -6344,7 +6307,7 @@
               <a:pPr>
                 <a:defRPr/>
               </a:pPr>
-              <a:t>6/15/11</a:t>
+              <a:t>6/16/11</a:t>
             </a:fld>
             <a:endParaRPr lang="en-US"/>
           </a:p>
@@ -7789,7 +7752,6 @@
               <a:rPr lang="en-US" dirty="0"/>
               <a:t>Handling Orientation Changes</a:t>
             </a:r>
-            <a:endParaRPr lang="en-US" dirty="0"/>
           </a:p>
         </p:txBody>
       </p:sp>
@@ -9326,11 +9288,7 @@
             </a:r>
             <a:r>
               <a:rPr lang="en-US" dirty="0" smtClean="0"/>
-              <a:t> fires </a:t>
-            </a:r>
-            <a:r>
-              <a:rPr lang="en-US" dirty="0" smtClean="0"/>
-              <a:t>continuously during event</a:t>
+              <a:t> fires continuously during event</a:t>
             </a:r>
             <a:endParaRPr lang="en-US" dirty="0"/>
           </a:p>
@@ -9432,13 +9390,8 @@
             </a:pPr>
             <a:r>
               <a:rPr lang="en-US" dirty="0" smtClean="0"/>
-              <a:t>Not natively </a:t>
-            </a:r>
-            <a:r>
-              <a:rPr lang="en-US" dirty="0" smtClean="0"/>
-              <a:t>supported by Titanium APIs</a:t>
-            </a:r>
-            <a:endParaRPr lang="en-US" dirty="0" smtClean="0"/>
+              <a:t>Not natively supported by Titanium APIs</a:t>
+            </a:r>
           </a:p>
           <a:p>
             <a:pPr>
@@ -9579,11 +9532,7 @@
             </a:r>
             <a:r>
               <a:rPr lang="en-US" sz="2000" dirty="0" smtClean="0"/>
-              <a:t>Long press to delete table </a:t>
-            </a:r>
-            <a:r>
-              <a:rPr lang="en-US" sz="2000" dirty="0" smtClean="0"/>
-              <a:t>row</a:t>
+              <a:t>Long press to delete table row</a:t>
             </a:r>
           </a:p>
           <a:p>
@@ -9764,19 +9713,7 @@
             </a:pPr>
             <a:r>
               <a:rPr lang="en-US" dirty="0" smtClean="0"/>
-              <a:t>Not </a:t>
-            </a:r>
-            <a:r>
-              <a:rPr lang="en-US" dirty="0" smtClean="0"/>
-              <a:t>all devices include </a:t>
-            </a:r>
-            <a:r>
-              <a:rPr lang="en-US" dirty="0" smtClean="0"/>
-              <a:t>necessary gyro </a:t>
-            </a:r>
-            <a:r>
-              <a:rPr lang="en-US" dirty="0" smtClean="0"/>
-              <a:t>hardware</a:t>
+              <a:t>Not all devices include necessary gyro hardware</a:t>
             </a:r>
           </a:p>
           <a:p>
@@ -9826,11 +9763,7 @@
             </a:pPr>
             <a:r>
               <a:rPr lang="en-US" dirty="0" smtClean="0"/>
-              <a:t>Kitchen </a:t>
-            </a:r>
-            <a:r>
-              <a:rPr lang="en-US" dirty="0" smtClean="0"/>
-              <a:t>Sink demo</a:t>
+              <a:t>Kitchen Sink demo</a:t>
             </a:r>
             <a:endParaRPr lang="en-US" dirty="0"/>
           </a:p>
@@ -10085,7 +10018,7 @@
                 </a:solidFill>
                 <a:latin typeface="Trebuchet MS" charset="0"/>
               </a:rPr>
-              <a:t>Lab Exercise</a:t>
+              <a:t>Lab</a:t>
             </a:r>
             <a:endParaRPr lang="en-US" sz="4800" i="1" dirty="0">
               <a:solidFill>
@@ -10939,21 +10872,8 @@
             </a:r>
             <a:r>
               <a:rPr lang="en-US" sz="2000" dirty="0" smtClean="0"/>
-              <a:t>- Add </a:t>
-            </a:r>
-            <a:r>
-              <a:rPr lang="en-US" sz="2000" dirty="0" smtClean="0"/>
-              <a:t>nested </a:t>
-            </a:r>
-            <a:r>
-              <a:rPr lang="en-US" sz="2000" dirty="0" smtClean="0"/>
-              <a:t>&lt;manifest&gt; </a:t>
-            </a:r>
-            <a:r>
-              <a:rPr lang="en-US" sz="2000" dirty="0" smtClean="0"/>
-              <a:t>tags within &lt;android&gt;</a:t>
-            </a:r>
-            <a:endParaRPr lang="en-US" sz="2000" dirty="0" smtClean="0"/>
+              <a:t>- Add nested &lt;manifest&gt; tags within &lt;android&gt;</a:t>
+            </a:r>
           </a:p>
           <a:p>
             <a:pPr>
@@ -12307,11 +12227,7 @@
           <a:p>
             <a:r>
               <a:rPr lang="en-US" dirty="0" smtClean="0"/>
-              <a:t>Fixed </a:t>
-            </a:r>
-            <a:r>
-              <a:rPr lang="en-US" dirty="0" smtClean="0"/>
-              <a:t>Orientation per Window</a:t>
+              <a:t>Fixed Orientation per Window</a:t>
             </a:r>
             <a:endParaRPr lang="en-US" dirty="0"/>
           </a:p>
@@ -12751,10 +12667,6 @@
                 </a:rPr>
                 <a:t>({</a:t>
               </a:r>
-              <a:endParaRPr lang="en-US" sz="1500" dirty="0" smtClean="0">
-                <a:latin typeface="Courier"/>
-                <a:cs typeface="Courier"/>
-              </a:endParaRPr>
             </a:p>
             <a:p>
               <a:r>
@@ -12762,14 +12674,7 @@
                   <a:latin typeface="Courier"/>
                   <a:cs typeface="Courier"/>
                 </a:rPr>
-                <a:t> </a:t>
-              </a:r>
-              <a:r>
-                <a:rPr lang="en-US" sz="1500" dirty="0" smtClean="0">
-                  <a:latin typeface="Courier"/>
-                  <a:cs typeface="Courier"/>
-                </a:rPr>
-                <a:t>   </a:t>
+                <a:t>    </a:t>
               </a:r>
               <a:r>
                 <a:rPr lang="en-US" sz="1500" dirty="0" err="1" smtClean="0">
@@ -12867,10 +12772,6 @@
                 </a:rPr>
                 <a:t> });</a:t>
               </a:r>
-              <a:endParaRPr lang="en-US" sz="1500" dirty="0" smtClean="0">
-                <a:latin typeface="Courier"/>
-                <a:cs typeface="Courier"/>
-              </a:endParaRPr>
             </a:p>
             <a:p>
               <a:r>

--- a/360/360.pptx
+++ b/360/360.pptx
@@ -252,7 +252,7 @@
               <a:pPr>
                 <a:defRPr/>
               </a:pPr>
-              <a:t>6/16/11</a:t>
+              <a:t>6/22/11</a:t>
             </a:fld>
             <a:endParaRPr lang="en-US"/>
           </a:p>
@@ -435,7 +435,7 @@
               <a:pPr>
                 <a:defRPr/>
               </a:pPr>
-              <a:t>6/16/11</a:t>
+              <a:t>6/22/11</a:t>
             </a:fld>
             <a:endParaRPr lang="en-US"/>
           </a:p>
@@ -1208,8 +1208,13 @@
           <a:p>
             <a:r>
               <a:rPr lang="en-US" baseline="0" dirty="0" smtClean="0"/>
-              <a:t>Take advantage – move components to logical location</a:t>
-            </a:r>
+              <a:t>Take advantage – move components to logical </a:t>
+            </a:r>
+            <a:r>
+              <a:rPr lang="en-US" baseline="0" dirty="0" smtClean="0"/>
+              <a:t>location, change size &amp; shape, show different content (as in the Jamie Oliver recipe application that shows longer how-to info in landscape and short text &amp; ingredients in portrait)</a:t>
+            </a:r>
+            <a:endParaRPr lang="en-US" baseline="0" dirty="0" smtClean="0"/>
           </a:p>
           <a:p>
             <a:endParaRPr lang="en-US" baseline="0" dirty="0" smtClean="0"/>
@@ -4238,7 +4243,7 @@
               <a:pPr>
                 <a:defRPr/>
               </a:pPr>
-              <a:t>6/16/11</a:t>
+              <a:t>6/22/11</a:t>
             </a:fld>
             <a:endParaRPr lang="en-US"/>
           </a:p>
@@ -4726,7 +4731,7 @@
               <a:pPr>
                 <a:defRPr/>
               </a:pPr>
-              <a:t>6/16/11</a:t>
+              <a:t>6/22/11</a:t>
             </a:fld>
             <a:endParaRPr lang="en-US"/>
           </a:p>
@@ -5288,7 +5293,7 @@
               <a:pPr>
                 <a:defRPr/>
               </a:pPr>
-              <a:t>6/16/11</a:t>
+              <a:t>6/22/11</a:t>
             </a:fld>
             <a:endParaRPr lang="en-US"/>
           </a:p>
@@ -5898,7 +5903,7 @@
               <a:pPr>
                 <a:defRPr/>
               </a:pPr>
-              <a:t>6/16/11</a:t>
+              <a:t>6/22/11</a:t>
             </a:fld>
             <a:endParaRPr lang="en-US"/>
           </a:p>
@@ -6020,7 +6025,7 @@
               <a:pPr>
                 <a:defRPr/>
               </a:pPr>
-              <a:t>6/16/11</a:t>
+              <a:t>6/22/11</a:t>
             </a:fld>
             <a:endParaRPr lang="en-US"/>
           </a:p>
@@ -6307,7 +6312,7 @@
               <a:pPr>
                 <a:defRPr/>
               </a:pPr>
-              <a:t>6/16/11</a:t>
+              <a:t>6/22/11</a:t>
             </a:fld>
             <a:endParaRPr lang="en-US"/>
           </a:p>
